--- a/01_introduction/How_autodiff_changed_the_world.pptx
+++ b/01_introduction/How_autodiff_changed_the_world.pptx
@@ -5,10 +5,10 @@
     <p:sldMasterId id="2147483648" r:id="rId1"/>
   </p:sldMasterIdLst>
   <p:notesMasterIdLst>
-    <p:notesMasterId r:id="rId15"/>
+    <p:notesMasterId r:id="rId17"/>
   </p:notesMasterIdLst>
   <p:handoutMasterIdLst>
-    <p:handoutMasterId r:id="rId16"/>
+    <p:handoutMasterId r:id="rId18"/>
   </p:handoutMasterIdLst>
   <p:sldIdLst>
     <p:sldId id="256" r:id="rId2"/>
@@ -16,14 +16,16 @@
     <p:sldId id="268" r:id="rId4"/>
     <p:sldId id="264" r:id="rId5"/>
     <p:sldId id="265" r:id="rId6"/>
-    <p:sldId id="267" r:id="rId7"/>
-    <p:sldId id="261" r:id="rId8"/>
-    <p:sldId id="257" r:id="rId9"/>
-    <p:sldId id="258" r:id="rId10"/>
-    <p:sldId id="259" r:id="rId11"/>
-    <p:sldId id="260" r:id="rId12"/>
-    <p:sldId id="263" r:id="rId13"/>
-    <p:sldId id="262" r:id="rId14"/>
+    <p:sldId id="269" r:id="rId7"/>
+    <p:sldId id="267" r:id="rId8"/>
+    <p:sldId id="261" r:id="rId9"/>
+    <p:sldId id="257" r:id="rId10"/>
+    <p:sldId id="270" r:id="rId11"/>
+    <p:sldId id="258" r:id="rId12"/>
+    <p:sldId id="259" r:id="rId13"/>
+    <p:sldId id="260" r:id="rId14"/>
+    <p:sldId id="263" r:id="rId15"/>
+    <p:sldId id="262" r:id="rId16"/>
   </p:sldIdLst>
   <p:sldSz cx="12192000" cy="6858000"/>
   <p:notesSz cx="6858000" cy="9144000"/>
@@ -227,7 +229,7 @@
           <a:p>
             <a:fld id="{D75CAE95-D2DD-4998-876A-092BFD628C65}" type="datetimeFigureOut">
               <a:rPr lang="da-DK" smtClean="0"/>
-              <a:t>06-05-2021</a:t>
+              <a:t>13-05-2021</a:t>
             </a:fld>
             <a:endParaRPr lang="da-DK"/>
           </a:p>
@@ -405,7 +407,7 @@
           <a:p>
             <a:fld id="{1DA8E099-58AA-4136-B409-1CAD1943D842}" type="datetimeFigureOut">
               <a:rPr lang="da-DK" smtClean="0"/>
-              <a:t>06-05-2021</a:t>
+              <a:t>13-05-2021</a:t>
             </a:fld>
             <a:endParaRPr lang="da-DK"/>
           </a:p>
@@ -823,7 +825,7 @@
           <a:p>
             <a:fld id="{C85334AD-9960-4065-BF34-86ED0345A76D}" type="datetime1">
               <a:rPr lang="en-US" smtClean="0"/>
-              <a:t>5/6/2021</a:t>
+              <a:t>5/13/2021</a:t>
             </a:fld>
             <a:endParaRPr lang="da-DK"/>
           </a:p>
@@ -1062,7 +1064,7 @@
           <a:p>
             <a:fld id="{C5669758-3775-48D7-A841-693E908C3BF4}" type="datetime1">
               <a:rPr lang="en-US" smtClean="0"/>
-              <a:t>5/6/2021</a:t>
+              <a:t>5/13/2021</a:t>
             </a:fld>
             <a:endParaRPr lang="da-DK"/>
           </a:p>
@@ -1275,7 +1277,7 @@
           <a:p>
             <a:fld id="{1E0C3FF1-EDBD-4F2A-8366-34A4E3728310}" type="datetime1">
               <a:rPr lang="en-US" smtClean="0"/>
-              <a:t>5/6/2021</a:t>
+              <a:t>5/13/2021</a:t>
             </a:fld>
             <a:endParaRPr lang="da-DK"/>
           </a:p>
@@ -1496,7 +1498,7 @@
           <a:p>
             <a:fld id="{019E29B9-5584-4737-9C98-1B926378C778}" type="datetime1">
               <a:rPr lang="en-US" smtClean="0"/>
-              <a:t>5/6/2021</a:t>
+              <a:t>5/13/2021</a:t>
             </a:fld>
             <a:endParaRPr lang="da-DK"/>
           </a:p>
@@ -1811,7 +1813,7 @@
           <a:p>
             <a:fld id="{FCE38F03-F67D-4508-A858-99FCD085087C}" type="datetime1">
               <a:rPr lang="en-US" smtClean="0"/>
-              <a:t>5/6/2021</a:t>
+              <a:t>5/13/2021</a:t>
             </a:fld>
             <a:endParaRPr lang="da-DK"/>
           </a:p>
@@ -2082,7 +2084,7 @@
           <a:p>
             <a:fld id="{B43F2930-3FFD-4F93-A4BD-4F0D1A0B4514}" type="datetime1">
               <a:rPr lang="en-US" smtClean="0"/>
-              <a:t>5/6/2021</a:t>
+              <a:t>5/13/2021</a:t>
             </a:fld>
             <a:endParaRPr lang="da-DK"/>
           </a:p>
@@ -2500,7 +2502,7 @@
           <a:p>
             <a:fld id="{8E0F9B9B-30CC-4693-8E0F-1A94A979E2C5}" type="datetime1">
               <a:rPr lang="en-US" smtClean="0"/>
-              <a:t>5/6/2021</a:t>
+              <a:t>5/13/2021</a:t>
             </a:fld>
             <a:endParaRPr lang="da-DK"/>
           </a:p>
@@ -2645,7 +2647,7 @@
           <a:p>
             <a:fld id="{6FE1433B-E6A7-44FF-8B55-539471B4D7C5}" type="datetime1">
               <a:rPr lang="en-US" smtClean="0"/>
-              <a:t>5/6/2021</a:t>
+              <a:t>5/13/2021</a:t>
             </a:fld>
             <a:endParaRPr lang="da-DK"/>
           </a:p>
@@ -2761,7 +2763,7 @@
           <a:p>
             <a:fld id="{624F4001-6A8C-42DA-824F-B5CC1375B861}" type="datetime1">
               <a:rPr lang="en-US" smtClean="0"/>
-              <a:t>5/6/2021</a:t>
+              <a:t>5/13/2021</a:t>
             </a:fld>
             <a:endParaRPr lang="da-DK"/>
           </a:p>
@@ -3077,7 +3079,7 @@
           <a:p>
             <a:fld id="{2D3BE137-2C5E-4078-8BA2-7D42D7E67218}" type="datetime1">
               <a:rPr lang="en-US" smtClean="0"/>
-              <a:t>5/6/2021</a:t>
+              <a:t>5/13/2021</a:t>
             </a:fld>
             <a:endParaRPr lang="da-DK"/>
           </a:p>
@@ -3369,7 +3371,7 @@
           <a:p>
             <a:fld id="{0D1436FF-56D3-4E93-92E8-71121EAB120E}" type="datetime1">
               <a:rPr lang="en-US" smtClean="0"/>
-              <a:t>5/6/2021</a:t>
+              <a:t>5/13/2021</a:t>
             </a:fld>
             <a:endParaRPr lang="da-DK"/>
           </a:p>
@@ -3615,7 +3617,7 @@
           <a:p>
             <a:fld id="{16601EF2-4BCA-4009-ACCF-B97F259DEF6F}" type="datetime1">
               <a:rPr lang="en-US" smtClean="0"/>
-              <a:t>5/6/2021</a:t>
+              <a:t>5/13/2021</a:t>
             </a:fld>
             <a:endParaRPr lang="da-DK"/>
           </a:p>
@@ -4160,6 +4162,1201 @@
           <p:cNvPr id="2" name="Title 1">
             <a:extLst>
               <a:ext uri="{FF2B5EF4-FFF2-40B4-BE49-F238E27FC236}">
+                <a16:creationId xmlns:a16="http://schemas.microsoft.com/office/drawing/2014/main" id="{3F9DA9FA-1B7B-49BC-BF6C-6CE681275C20}"/>
+              </a:ext>
+            </a:extLst>
+          </p:cNvPr>
+          <p:cNvSpPr>
+            <a:spLocks noGrp="1"/>
+          </p:cNvSpPr>
+          <p:nvPr>
+            <p:ph type="title"/>
+          </p:nvPr>
+        </p:nvSpPr>
+        <p:spPr/>
+        <p:txBody>
+          <a:bodyPr/>
+          <a:lstStyle/>
+          <a:p>
+            <a:r>
+              <a:rPr lang="da-DK" dirty="0"/>
+              <a:t>Since then...</a:t>
+            </a:r>
+          </a:p>
+        </p:txBody>
+      </p:sp>
+      <p:sp>
+        <p:nvSpPr>
+          <p:cNvPr id="4" name="Date Placeholder 3">
+            <a:extLst>
+              <a:ext uri="{FF2B5EF4-FFF2-40B4-BE49-F238E27FC236}">
+                <a16:creationId xmlns:a16="http://schemas.microsoft.com/office/drawing/2014/main" id="{FABB54C4-4564-43C4-BAB4-AAF5EB244876}"/>
+              </a:ext>
+            </a:extLst>
+          </p:cNvPr>
+          <p:cNvSpPr>
+            <a:spLocks noGrp="1"/>
+          </p:cNvSpPr>
+          <p:nvPr>
+            <p:ph type="dt" sz="half" idx="10"/>
+          </p:nvPr>
+        </p:nvSpPr>
+        <p:spPr/>
+        <p:txBody>
+          <a:bodyPr/>
+          <a:lstStyle/>
+          <a:p>
+            <a:fld id="{019E29B9-5584-4737-9C98-1B926378C778}" type="datetime1">
+              <a:rPr lang="en-US" smtClean="0"/>
+              <a:t>5/13/2021</a:t>
+            </a:fld>
+            <a:endParaRPr lang="da-DK"/>
+          </a:p>
+        </p:txBody>
+      </p:sp>
+      <p:sp>
+        <p:nvSpPr>
+          <p:cNvPr id="5" name="Footer Placeholder 4">
+            <a:extLst>
+              <a:ext uri="{FF2B5EF4-FFF2-40B4-BE49-F238E27FC236}">
+                <a16:creationId xmlns:a16="http://schemas.microsoft.com/office/drawing/2014/main" id="{8B68E2F5-6936-45E5-BEA4-11C8FBA55C6F}"/>
+              </a:ext>
+            </a:extLst>
+          </p:cNvPr>
+          <p:cNvSpPr>
+            <a:spLocks noGrp="1"/>
+          </p:cNvSpPr>
+          <p:nvPr>
+            <p:ph type="ftr" sz="quarter" idx="11"/>
+          </p:nvPr>
+        </p:nvSpPr>
+        <p:spPr/>
+        <p:txBody>
+          <a:bodyPr/>
+          <a:lstStyle/>
+          <a:p>
+            <a:r>
+              <a:rPr lang="da-DK"/>
+              <a:t>Nicki Skafte Detlefsen</a:t>
+            </a:r>
+          </a:p>
+        </p:txBody>
+      </p:sp>
+      <p:sp>
+        <p:nvSpPr>
+          <p:cNvPr id="6" name="Slide Number Placeholder 5">
+            <a:extLst>
+              <a:ext uri="{FF2B5EF4-FFF2-40B4-BE49-F238E27FC236}">
+                <a16:creationId xmlns:a16="http://schemas.microsoft.com/office/drawing/2014/main" id="{B3D1581D-C2AC-44BB-8833-DF146236F317}"/>
+              </a:ext>
+            </a:extLst>
+          </p:cNvPr>
+          <p:cNvSpPr>
+            <a:spLocks noGrp="1"/>
+          </p:cNvSpPr>
+          <p:nvPr>
+            <p:ph type="sldNum" sz="quarter" idx="12"/>
+          </p:nvPr>
+        </p:nvSpPr>
+        <p:spPr/>
+        <p:txBody>
+          <a:bodyPr/>
+          <a:lstStyle/>
+          <a:p>
+            <a:fld id="{F6FEDE24-D50C-481B-A7B4-8AF13899101A}" type="slidenum">
+              <a:rPr lang="da-DK" smtClean="0"/>
+              <a:t>10</a:t>
+            </a:fld>
+            <a:endParaRPr lang="da-DK"/>
+          </a:p>
+        </p:txBody>
+      </p:sp>
+      <p:pic>
+        <p:nvPicPr>
+          <p:cNvPr id="8" name="Picture 7">
+            <a:extLst>
+              <a:ext uri="{FF2B5EF4-FFF2-40B4-BE49-F238E27FC236}">
+                <a16:creationId xmlns:a16="http://schemas.microsoft.com/office/drawing/2014/main" id="{9F262AE0-79EB-47B8-B91C-873A484F9A57}"/>
+              </a:ext>
+            </a:extLst>
+          </p:cNvPr>
+          <p:cNvPicPr>
+            <a:picLocks noChangeAspect="1"/>
+          </p:cNvPicPr>
+          <p:nvPr/>
+        </p:nvPicPr>
+        <p:blipFill>
+          <a:blip r:embed="rId2">
+            <a:extLst>
+              <a:ext uri="{28A0092B-C50C-407E-A947-70E740481C1C}">
+                <a14:useLocalDpi xmlns:a14="http://schemas.microsoft.com/office/drawing/2010/main" val="0"/>
+              </a:ext>
+            </a:extLst>
+          </a:blip>
+          <a:stretch>
+            <a:fillRect/>
+          </a:stretch>
+        </p:blipFill>
+        <p:spPr>
+          <a:xfrm>
+            <a:off x="2209800" y="1030340"/>
+            <a:ext cx="3505907" cy="2337271"/>
+          </a:xfrm>
+          <a:prstGeom prst="rect">
+            <a:avLst/>
+          </a:prstGeom>
+        </p:spPr>
+      </p:pic>
+      <p:pic>
+        <p:nvPicPr>
+          <p:cNvPr id="12" name="Picture 11" descr="Text, letter, email&#10;&#10;Description automatically generated">
+            <a:extLst>
+              <a:ext uri="{FF2B5EF4-FFF2-40B4-BE49-F238E27FC236}">
+                <a16:creationId xmlns:a16="http://schemas.microsoft.com/office/drawing/2014/main" id="{AA4063B8-27A2-4C43-9B50-A731C33DE43C}"/>
+              </a:ext>
+            </a:extLst>
+          </p:cNvPr>
+          <p:cNvPicPr>
+            <a:picLocks noChangeAspect="1"/>
+          </p:cNvPicPr>
+          <p:nvPr/>
+        </p:nvPicPr>
+        <p:blipFill>
+          <a:blip r:embed="rId3">
+            <a:extLst>
+              <a:ext uri="{28A0092B-C50C-407E-A947-70E740481C1C}">
+                <a14:useLocalDpi xmlns:a14="http://schemas.microsoft.com/office/drawing/2010/main" val="0"/>
+              </a:ext>
+            </a:extLst>
+          </a:blip>
+          <a:stretch>
+            <a:fillRect/>
+          </a:stretch>
+        </p:blipFill>
+        <p:spPr>
+          <a:xfrm>
+            <a:off x="2105026" y="3710552"/>
+            <a:ext cx="3505907" cy="2075613"/>
+          </a:xfrm>
+          <a:prstGeom prst="rect">
+            <a:avLst/>
+          </a:prstGeom>
+        </p:spPr>
+      </p:pic>
+      <p:pic>
+        <p:nvPicPr>
+          <p:cNvPr id="16" name="Picture 15" descr="Graphical user interface&#10;&#10;Description automatically generated with low confidence">
+            <a:extLst>
+              <a:ext uri="{FF2B5EF4-FFF2-40B4-BE49-F238E27FC236}">
+                <a16:creationId xmlns:a16="http://schemas.microsoft.com/office/drawing/2014/main" id="{AB09728F-ECBD-40EF-A028-0918BB14FDE1}"/>
+              </a:ext>
+            </a:extLst>
+          </p:cNvPr>
+          <p:cNvPicPr>
+            <a:picLocks noChangeAspect="1"/>
+          </p:cNvPicPr>
+          <p:nvPr/>
+        </p:nvPicPr>
+        <p:blipFill>
+          <a:blip r:embed="rId4">
+            <a:extLst>
+              <a:ext uri="{28A0092B-C50C-407E-A947-70E740481C1C}">
+                <a14:useLocalDpi xmlns:a14="http://schemas.microsoft.com/office/drawing/2010/main" val="0"/>
+              </a:ext>
+            </a:extLst>
+          </a:blip>
+          <a:stretch>
+            <a:fillRect/>
+          </a:stretch>
+        </p:blipFill>
+        <p:spPr>
+          <a:xfrm>
+            <a:off x="8103176" y="3724701"/>
+            <a:ext cx="3967596" cy="2172117"/>
+          </a:xfrm>
+          <a:prstGeom prst="rect">
+            <a:avLst/>
+          </a:prstGeom>
+        </p:spPr>
+      </p:pic>
+      <p:pic>
+        <p:nvPicPr>
+          <p:cNvPr id="18" name="Picture 17" descr="A screenshot of a video game&#10;&#10;Description automatically generated">
+            <a:extLst>
+              <a:ext uri="{FF2B5EF4-FFF2-40B4-BE49-F238E27FC236}">
+                <a16:creationId xmlns:a16="http://schemas.microsoft.com/office/drawing/2014/main" id="{A58CE479-1570-46E9-8E62-E10F6079F3E6}"/>
+              </a:ext>
+            </a:extLst>
+          </p:cNvPr>
+          <p:cNvPicPr>
+            <a:picLocks noChangeAspect="1"/>
+          </p:cNvPicPr>
+          <p:nvPr/>
+        </p:nvPicPr>
+        <p:blipFill>
+          <a:blip r:embed="rId5">
+            <a:extLst>
+              <a:ext uri="{28A0092B-C50C-407E-A947-70E740481C1C}">
+                <a14:useLocalDpi xmlns:a14="http://schemas.microsoft.com/office/drawing/2010/main" val="0"/>
+              </a:ext>
+            </a:extLst>
+          </a:blip>
+          <a:stretch>
+            <a:fillRect/>
+          </a:stretch>
+        </p:blipFill>
+        <p:spPr>
+          <a:xfrm>
+            <a:off x="8103176" y="961182"/>
+            <a:ext cx="2875582" cy="2406429"/>
+          </a:xfrm>
+          <a:prstGeom prst="rect">
+            <a:avLst/>
+          </a:prstGeom>
+        </p:spPr>
+      </p:pic>
+      <p:sp>
+        <p:nvSpPr>
+          <p:cNvPr id="21" name="TextBox 20">
+            <a:extLst>
+              <a:ext uri="{FF2B5EF4-FFF2-40B4-BE49-F238E27FC236}">
+                <a16:creationId xmlns:a16="http://schemas.microsoft.com/office/drawing/2014/main" id="{52D27070-702D-4412-A414-982E182D29FB}"/>
+              </a:ext>
+            </a:extLst>
+          </p:cNvPr>
+          <p:cNvSpPr txBox="1"/>
+          <p:nvPr/>
+        </p:nvSpPr>
+        <p:spPr>
+          <a:xfrm>
+            <a:off x="285750" y="1743075"/>
+            <a:ext cx="1924050" cy="646331"/>
+          </a:xfrm>
+          <a:prstGeom prst="rect">
+            <a:avLst/>
+          </a:prstGeom>
+          <a:noFill/>
+        </p:spPr>
+        <p:txBody>
+          <a:bodyPr wrap="square" rtlCol="0">
+            <a:spAutoFit/>
+          </a:bodyPr>
+          <a:lstStyle/>
+          <a:p>
+            <a:r>
+              <a:rPr lang="da-DK" dirty="0"/>
+              <a:t>AlphaGO:</a:t>
+            </a:r>
+          </a:p>
+          <a:p>
+            <a:r>
+              <a:rPr lang="da-DK" dirty="0"/>
+              <a:t>Beating humans</a:t>
+            </a:r>
+          </a:p>
+        </p:txBody>
+      </p:sp>
+      <p:sp>
+        <p:nvSpPr>
+          <p:cNvPr id="22" name="TextBox 21">
+            <a:extLst>
+              <a:ext uri="{FF2B5EF4-FFF2-40B4-BE49-F238E27FC236}">
+                <a16:creationId xmlns:a16="http://schemas.microsoft.com/office/drawing/2014/main" id="{43C8FF20-F30C-4C8D-8D7B-50661779AD99}"/>
+              </a:ext>
+            </a:extLst>
+          </p:cNvPr>
+          <p:cNvSpPr txBox="1"/>
+          <p:nvPr/>
+        </p:nvSpPr>
+        <p:spPr>
+          <a:xfrm>
+            <a:off x="285750" y="4425192"/>
+            <a:ext cx="1924050" cy="1200329"/>
+          </a:xfrm>
+          <a:prstGeom prst="rect">
+            <a:avLst/>
+          </a:prstGeom>
+          <a:noFill/>
+        </p:spPr>
+        <p:txBody>
+          <a:bodyPr wrap="square" rtlCol="0">
+            <a:spAutoFit/>
+          </a:bodyPr>
+          <a:lstStyle/>
+          <a:p>
+            <a:r>
+              <a:rPr lang="da-DK" dirty="0"/>
+              <a:t>GPT-3</a:t>
+            </a:r>
+          </a:p>
+          <a:p>
+            <a:r>
+              <a:rPr lang="da-DK" dirty="0"/>
+              <a:t>Having conversations with humans</a:t>
+            </a:r>
+          </a:p>
+        </p:txBody>
+      </p:sp>
+      <p:sp>
+        <p:nvSpPr>
+          <p:cNvPr id="23" name="TextBox 22">
+            <a:extLst>
+              <a:ext uri="{FF2B5EF4-FFF2-40B4-BE49-F238E27FC236}">
+                <a16:creationId xmlns:a16="http://schemas.microsoft.com/office/drawing/2014/main" id="{25457C11-8515-418D-AD90-BF3C7D71F424}"/>
+              </a:ext>
+            </a:extLst>
+          </p:cNvPr>
+          <p:cNvSpPr txBox="1"/>
+          <p:nvPr/>
+        </p:nvSpPr>
+        <p:spPr>
+          <a:xfrm>
+            <a:off x="6476295" y="1841230"/>
+            <a:ext cx="1924050" cy="1200329"/>
+          </a:xfrm>
+          <a:prstGeom prst="rect">
+            <a:avLst/>
+          </a:prstGeom>
+          <a:noFill/>
+        </p:spPr>
+        <p:txBody>
+          <a:bodyPr wrap="square" rtlCol="0">
+            <a:spAutoFit/>
+          </a:bodyPr>
+          <a:lstStyle/>
+          <a:p>
+            <a:r>
+              <a:rPr lang="da-DK" dirty="0"/>
+              <a:t>Unet:</a:t>
+            </a:r>
+          </a:p>
+          <a:p>
+            <a:r>
+              <a:rPr lang="da-DK" dirty="0"/>
+              <a:t>High quality semantic segmentation</a:t>
+            </a:r>
+          </a:p>
+        </p:txBody>
+      </p:sp>
+      <p:sp>
+        <p:nvSpPr>
+          <p:cNvPr id="24" name="TextBox 23">
+            <a:extLst>
+              <a:ext uri="{FF2B5EF4-FFF2-40B4-BE49-F238E27FC236}">
+                <a16:creationId xmlns:a16="http://schemas.microsoft.com/office/drawing/2014/main" id="{FE816B9D-A490-4B5C-9F65-4FA30295BCD1}"/>
+              </a:ext>
+            </a:extLst>
+          </p:cNvPr>
+          <p:cNvSpPr txBox="1"/>
+          <p:nvPr/>
+        </p:nvSpPr>
+        <p:spPr>
+          <a:xfrm>
+            <a:off x="6613003" y="4424842"/>
+            <a:ext cx="1924050" cy="923330"/>
+          </a:xfrm>
+          <a:prstGeom prst="rect">
+            <a:avLst/>
+          </a:prstGeom>
+          <a:noFill/>
+        </p:spPr>
+        <p:txBody>
+          <a:bodyPr wrap="square" rtlCol="0">
+            <a:spAutoFit/>
+          </a:bodyPr>
+          <a:lstStyle/>
+          <a:p>
+            <a:r>
+              <a:rPr lang="da-DK" dirty="0"/>
+              <a:t>AlphaFold:</a:t>
+            </a:r>
+          </a:p>
+          <a:p>
+            <a:r>
+              <a:rPr lang="da-DK" dirty="0"/>
+              <a:t>Solving protein engineering</a:t>
+            </a:r>
+          </a:p>
+        </p:txBody>
+      </p:sp>
+    </p:spTree>
+    <p:extLst>
+      <p:ext uri="{BB962C8B-B14F-4D97-AF65-F5344CB8AC3E}">
+        <p14:creationId xmlns:p14="http://schemas.microsoft.com/office/powerpoint/2010/main" val="2238678770"/>
+      </p:ext>
+    </p:extLst>
+  </p:cSld>
+  <p:clrMapOvr>
+    <a:masterClrMapping/>
+  </p:clrMapOvr>
+</p:sld>
+</file>
+
+<file path=ppt/slides/slide11.xml><?xml version="1.0" encoding="utf-8"?>
+<p:sld xmlns:a="http://schemas.openxmlformats.org/drawingml/2006/main" xmlns:r="http://schemas.openxmlformats.org/officeDocument/2006/relationships" xmlns:p="http://schemas.openxmlformats.org/presentationml/2006/main">
+  <p:cSld>
+    <p:spTree>
+      <p:nvGrpSpPr>
+        <p:cNvPr id="1" name=""/>
+        <p:cNvGrpSpPr/>
+        <p:nvPr/>
+      </p:nvGrpSpPr>
+      <p:grpSpPr>
+        <a:xfrm>
+          <a:off x="0" y="0"/>
+          <a:ext cx="0" cy="0"/>
+          <a:chOff x="0" y="0"/>
+          <a:chExt cx="0" cy="0"/>
+        </a:xfrm>
+      </p:grpSpPr>
+      <p:sp>
+        <p:nvSpPr>
+          <p:cNvPr id="2" name="Title 1">
+            <a:extLst>
+              <a:ext uri="{FF2B5EF4-FFF2-40B4-BE49-F238E27FC236}">
+                <a16:creationId xmlns:a16="http://schemas.microsoft.com/office/drawing/2014/main" id="{81497318-FC28-4911-B129-D1F77AA1B4F6}"/>
+              </a:ext>
+            </a:extLst>
+          </p:cNvPr>
+          <p:cNvSpPr>
+            <a:spLocks noGrp="1"/>
+          </p:cNvSpPr>
+          <p:nvPr>
+            <p:ph type="title"/>
+          </p:nvPr>
+        </p:nvSpPr>
+        <p:spPr/>
+        <p:txBody>
+          <a:bodyPr/>
+          <a:lstStyle/>
+          <a:p>
+            <a:r>
+              <a:rPr lang="da-DK" dirty="0"/>
+              <a:t>What has changed?</a:t>
+            </a:r>
+          </a:p>
+        </p:txBody>
+      </p:sp>
+      <p:sp>
+        <p:nvSpPr>
+          <p:cNvPr id="4" name="Date Placeholder 3">
+            <a:extLst>
+              <a:ext uri="{FF2B5EF4-FFF2-40B4-BE49-F238E27FC236}">
+                <a16:creationId xmlns:a16="http://schemas.microsoft.com/office/drawing/2014/main" id="{DAEFEB3D-1C42-463F-B2E7-4D2CB68294AC}"/>
+              </a:ext>
+            </a:extLst>
+          </p:cNvPr>
+          <p:cNvSpPr>
+            <a:spLocks noGrp="1"/>
+          </p:cNvSpPr>
+          <p:nvPr>
+            <p:ph type="dt" sz="half" idx="10"/>
+          </p:nvPr>
+        </p:nvSpPr>
+        <p:spPr/>
+        <p:txBody>
+          <a:bodyPr/>
+          <a:lstStyle/>
+          <a:p>
+            <a:fld id="{019E29B9-5584-4737-9C98-1B926378C778}" type="datetime1">
+              <a:rPr lang="en-US" smtClean="0"/>
+              <a:t>5/13/2021</a:t>
+            </a:fld>
+            <a:endParaRPr lang="da-DK"/>
+          </a:p>
+        </p:txBody>
+      </p:sp>
+      <p:sp>
+        <p:nvSpPr>
+          <p:cNvPr id="5" name="Footer Placeholder 4">
+            <a:extLst>
+              <a:ext uri="{FF2B5EF4-FFF2-40B4-BE49-F238E27FC236}">
+                <a16:creationId xmlns:a16="http://schemas.microsoft.com/office/drawing/2014/main" id="{20DB3BB7-83AD-4B1A-A3B9-CD0845CF77A5}"/>
+              </a:ext>
+            </a:extLst>
+          </p:cNvPr>
+          <p:cNvSpPr>
+            <a:spLocks noGrp="1"/>
+          </p:cNvSpPr>
+          <p:nvPr>
+            <p:ph type="ftr" sz="quarter" idx="11"/>
+          </p:nvPr>
+        </p:nvSpPr>
+        <p:spPr/>
+        <p:txBody>
+          <a:bodyPr/>
+          <a:lstStyle/>
+          <a:p>
+            <a:r>
+              <a:rPr lang="da-DK"/>
+              <a:t>Nicki Skafte Detlefsen</a:t>
+            </a:r>
+          </a:p>
+        </p:txBody>
+      </p:sp>
+      <p:sp>
+        <p:nvSpPr>
+          <p:cNvPr id="6" name="Slide Number Placeholder 5">
+            <a:extLst>
+              <a:ext uri="{FF2B5EF4-FFF2-40B4-BE49-F238E27FC236}">
+                <a16:creationId xmlns:a16="http://schemas.microsoft.com/office/drawing/2014/main" id="{D4D6810B-0AEC-4CC3-8F2F-28833D36EA46}"/>
+              </a:ext>
+            </a:extLst>
+          </p:cNvPr>
+          <p:cNvSpPr>
+            <a:spLocks noGrp="1"/>
+          </p:cNvSpPr>
+          <p:nvPr>
+            <p:ph type="sldNum" sz="quarter" idx="12"/>
+          </p:nvPr>
+        </p:nvSpPr>
+        <p:spPr/>
+        <p:txBody>
+          <a:bodyPr/>
+          <a:lstStyle/>
+          <a:p>
+            <a:fld id="{F6FEDE24-D50C-481B-A7B4-8AF13899101A}" type="slidenum">
+              <a:rPr lang="da-DK" smtClean="0"/>
+              <a:t>11</a:t>
+            </a:fld>
+            <a:endParaRPr lang="da-DK"/>
+          </a:p>
+        </p:txBody>
+      </p:sp>
+      <p:sp>
+        <p:nvSpPr>
+          <p:cNvPr id="7" name="Oval 6">
+            <a:extLst>
+              <a:ext uri="{FF2B5EF4-FFF2-40B4-BE49-F238E27FC236}">
+                <a16:creationId xmlns:a16="http://schemas.microsoft.com/office/drawing/2014/main" id="{9EC0629C-3EBF-4373-8245-0C3A6695D7E8}"/>
+              </a:ext>
+            </a:extLst>
+          </p:cNvPr>
+          <p:cNvSpPr/>
+          <p:nvPr/>
+        </p:nvSpPr>
+        <p:spPr>
+          <a:xfrm>
+            <a:off x="744518" y="2214522"/>
+            <a:ext cx="1800000" cy="1800000"/>
+          </a:xfrm>
+          <a:prstGeom prst="ellipse">
+            <a:avLst/>
+          </a:prstGeom>
+        </p:spPr>
+        <p:style>
+          <a:lnRef idx="2">
+            <a:schemeClr val="accent1">
+              <a:shade val="50000"/>
+            </a:schemeClr>
+          </a:lnRef>
+          <a:fillRef idx="1">
+            <a:schemeClr val="accent1"/>
+          </a:fillRef>
+          <a:effectRef idx="0">
+            <a:schemeClr val="accent1"/>
+          </a:effectRef>
+          <a:fontRef idx="minor">
+            <a:schemeClr val="lt1"/>
+          </a:fontRef>
+        </p:style>
+        <p:txBody>
+          <a:bodyPr rtlCol="0" anchor="ctr"/>
+          <a:lstStyle/>
+          <a:p>
+            <a:pPr algn="ctr"/>
+            <a:r>
+              <a:rPr lang="da-DK" dirty="0"/>
+              <a:t>Big Data</a:t>
+            </a:r>
+          </a:p>
+        </p:txBody>
+      </p:sp>
+      <p:sp>
+        <p:nvSpPr>
+          <p:cNvPr id="8" name="Oval 7">
+            <a:extLst>
+              <a:ext uri="{FF2B5EF4-FFF2-40B4-BE49-F238E27FC236}">
+                <a16:creationId xmlns:a16="http://schemas.microsoft.com/office/drawing/2014/main" id="{55342872-E60A-4BC6-BB50-9978AC9720D6}"/>
+              </a:ext>
+            </a:extLst>
+          </p:cNvPr>
+          <p:cNvSpPr/>
+          <p:nvPr/>
+        </p:nvSpPr>
+        <p:spPr>
+          <a:xfrm>
+            <a:off x="2872806" y="2214522"/>
+            <a:ext cx="1800000" cy="1800000"/>
+          </a:xfrm>
+          <a:prstGeom prst="ellipse">
+            <a:avLst/>
+          </a:prstGeom>
+        </p:spPr>
+        <p:style>
+          <a:lnRef idx="2">
+            <a:schemeClr val="accent1">
+              <a:shade val="50000"/>
+            </a:schemeClr>
+          </a:lnRef>
+          <a:fillRef idx="1">
+            <a:schemeClr val="accent1"/>
+          </a:fillRef>
+          <a:effectRef idx="0">
+            <a:schemeClr val="accent1"/>
+          </a:effectRef>
+          <a:fontRef idx="minor">
+            <a:schemeClr val="lt1"/>
+          </a:fontRef>
+        </p:style>
+        <p:txBody>
+          <a:bodyPr rtlCol="0" anchor="ctr"/>
+          <a:lstStyle/>
+          <a:p>
+            <a:pPr algn="ctr"/>
+            <a:r>
+              <a:rPr lang="da-DK" dirty="0"/>
+              <a:t>Hardware</a:t>
+            </a:r>
+          </a:p>
+        </p:txBody>
+      </p:sp>
+      <p:sp>
+        <p:nvSpPr>
+          <p:cNvPr id="9" name="Oval 8">
+            <a:extLst>
+              <a:ext uri="{FF2B5EF4-FFF2-40B4-BE49-F238E27FC236}">
+                <a16:creationId xmlns:a16="http://schemas.microsoft.com/office/drawing/2014/main" id="{37B499A6-6048-47E6-9F71-BF24B9C96791}"/>
+              </a:ext>
+            </a:extLst>
+          </p:cNvPr>
+          <p:cNvSpPr/>
+          <p:nvPr/>
+        </p:nvSpPr>
+        <p:spPr>
+          <a:xfrm>
+            <a:off x="5001094" y="2172216"/>
+            <a:ext cx="1800000" cy="1800000"/>
+          </a:xfrm>
+          <a:prstGeom prst="ellipse">
+            <a:avLst/>
+          </a:prstGeom>
+        </p:spPr>
+        <p:style>
+          <a:lnRef idx="2">
+            <a:schemeClr val="accent1">
+              <a:shade val="50000"/>
+            </a:schemeClr>
+          </a:lnRef>
+          <a:fillRef idx="1">
+            <a:schemeClr val="accent1"/>
+          </a:fillRef>
+          <a:effectRef idx="0">
+            <a:schemeClr val="accent1"/>
+          </a:effectRef>
+          <a:fontRef idx="minor">
+            <a:schemeClr val="lt1"/>
+          </a:fontRef>
+        </p:style>
+        <p:txBody>
+          <a:bodyPr rtlCol="0" anchor="ctr"/>
+          <a:lstStyle/>
+          <a:p>
+            <a:pPr algn="ctr"/>
+            <a:r>
+              <a:rPr lang="da-DK" dirty="0"/>
+              <a:t>Deepness</a:t>
+            </a:r>
+          </a:p>
+        </p:txBody>
+      </p:sp>
+      <p:sp>
+        <p:nvSpPr>
+          <p:cNvPr id="10" name="Oval 9">
+            <a:extLst>
+              <a:ext uri="{FF2B5EF4-FFF2-40B4-BE49-F238E27FC236}">
+                <a16:creationId xmlns:a16="http://schemas.microsoft.com/office/drawing/2014/main" id="{3EC5B04C-3675-451A-A946-32616FDE598F}"/>
+              </a:ext>
+            </a:extLst>
+          </p:cNvPr>
+          <p:cNvSpPr/>
+          <p:nvPr/>
+        </p:nvSpPr>
+        <p:spPr>
+          <a:xfrm>
+            <a:off x="7129382" y="2172216"/>
+            <a:ext cx="1800000" cy="1800000"/>
+          </a:xfrm>
+          <a:prstGeom prst="ellipse">
+            <a:avLst/>
+          </a:prstGeom>
+        </p:spPr>
+        <p:style>
+          <a:lnRef idx="2">
+            <a:schemeClr val="accent1">
+              <a:shade val="50000"/>
+            </a:schemeClr>
+          </a:lnRef>
+          <a:fillRef idx="1">
+            <a:schemeClr val="accent1"/>
+          </a:fillRef>
+          <a:effectRef idx="0">
+            <a:schemeClr val="accent1"/>
+          </a:effectRef>
+          <a:fontRef idx="minor">
+            <a:schemeClr val="lt1"/>
+          </a:fontRef>
+        </p:style>
+        <p:txBody>
+          <a:bodyPr rtlCol="0" anchor="ctr"/>
+          <a:lstStyle/>
+          <a:p>
+            <a:pPr algn="ctr"/>
+            <a:r>
+              <a:rPr lang="da-DK" dirty="0"/>
+              <a:t>Hype</a:t>
+            </a:r>
+          </a:p>
+        </p:txBody>
+      </p:sp>
+      <p:sp>
+        <p:nvSpPr>
+          <p:cNvPr id="11" name="TextBox 10">
+            <a:extLst>
+              <a:ext uri="{FF2B5EF4-FFF2-40B4-BE49-F238E27FC236}">
+                <a16:creationId xmlns:a16="http://schemas.microsoft.com/office/drawing/2014/main" id="{66BE1890-C681-4EF6-91CB-E88405C7A6C8}"/>
+              </a:ext>
+            </a:extLst>
+          </p:cNvPr>
+          <p:cNvSpPr txBox="1"/>
+          <p:nvPr/>
+        </p:nvSpPr>
+        <p:spPr>
+          <a:xfrm>
+            <a:off x="870353" y="4127212"/>
+            <a:ext cx="1426128" cy="646331"/>
+          </a:xfrm>
+          <a:prstGeom prst="rect">
+            <a:avLst/>
+          </a:prstGeom>
+          <a:noFill/>
+        </p:spPr>
+        <p:txBody>
+          <a:bodyPr wrap="square" rtlCol="0">
+            <a:spAutoFit/>
+          </a:bodyPr>
+          <a:lstStyle/>
+          <a:p>
+            <a:pPr algn="ctr"/>
+            <a:r>
+              <a:rPr lang="da-DK" dirty="0"/>
+              <a:t>Models can generalize</a:t>
+            </a:r>
+          </a:p>
+        </p:txBody>
+      </p:sp>
+      <p:sp>
+        <p:nvSpPr>
+          <p:cNvPr id="12" name="TextBox 11">
+            <a:extLst>
+              <a:ext uri="{FF2B5EF4-FFF2-40B4-BE49-F238E27FC236}">
+                <a16:creationId xmlns:a16="http://schemas.microsoft.com/office/drawing/2014/main" id="{8CA6F35D-8FA4-48A0-BA2F-573EB45C9729}"/>
+              </a:ext>
+            </a:extLst>
+          </p:cNvPr>
+          <p:cNvSpPr txBox="1"/>
+          <p:nvPr/>
+        </p:nvSpPr>
+        <p:spPr>
+          <a:xfrm>
+            <a:off x="3028426" y="4127210"/>
+            <a:ext cx="1426128" cy="646331"/>
+          </a:xfrm>
+          <a:prstGeom prst="rect">
+            <a:avLst/>
+          </a:prstGeom>
+          <a:noFill/>
+        </p:spPr>
+        <p:txBody>
+          <a:bodyPr wrap="square" rtlCol="0">
+            <a:spAutoFit/>
+          </a:bodyPr>
+          <a:lstStyle/>
+          <a:p>
+            <a:pPr algn="ctr"/>
+            <a:r>
+              <a:rPr lang="da-DK" dirty="0"/>
+              <a:t>Models are trainable</a:t>
+            </a:r>
+          </a:p>
+        </p:txBody>
+      </p:sp>
+      <p:sp>
+        <p:nvSpPr>
+          <p:cNvPr id="13" name="TextBox 12">
+            <a:extLst>
+              <a:ext uri="{FF2B5EF4-FFF2-40B4-BE49-F238E27FC236}">
+                <a16:creationId xmlns:a16="http://schemas.microsoft.com/office/drawing/2014/main" id="{BE07B5FA-1245-4C5E-92FB-4658A181EA63}"/>
+              </a:ext>
+            </a:extLst>
+          </p:cNvPr>
+          <p:cNvSpPr txBox="1"/>
+          <p:nvPr/>
+        </p:nvSpPr>
+        <p:spPr>
+          <a:xfrm>
+            <a:off x="5214811" y="4127210"/>
+            <a:ext cx="1426128" cy="646331"/>
+          </a:xfrm>
+          <a:prstGeom prst="rect">
+            <a:avLst/>
+          </a:prstGeom>
+          <a:noFill/>
+        </p:spPr>
+        <p:txBody>
+          <a:bodyPr wrap="square" rtlCol="0">
+            <a:spAutoFit/>
+          </a:bodyPr>
+          <a:lstStyle/>
+          <a:p>
+            <a:pPr algn="ctr"/>
+            <a:r>
+              <a:rPr lang="da-DK" dirty="0"/>
+              <a:t>Models are complex</a:t>
+            </a:r>
+          </a:p>
+        </p:txBody>
+      </p:sp>
+      <p:sp>
+        <p:nvSpPr>
+          <p:cNvPr id="14" name="TextBox 13">
+            <a:extLst>
+              <a:ext uri="{FF2B5EF4-FFF2-40B4-BE49-F238E27FC236}">
+                <a16:creationId xmlns:a16="http://schemas.microsoft.com/office/drawing/2014/main" id="{16399E68-47B4-47B0-8756-3460529D272A}"/>
+              </a:ext>
+            </a:extLst>
+          </p:cNvPr>
+          <p:cNvSpPr txBox="1"/>
+          <p:nvPr/>
+        </p:nvSpPr>
+        <p:spPr>
+          <a:xfrm>
+            <a:off x="7503254" y="4127210"/>
+            <a:ext cx="1426128" cy="646331"/>
+          </a:xfrm>
+          <a:prstGeom prst="rect">
+            <a:avLst/>
+          </a:prstGeom>
+          <a:noFill/>
+        </p:spPr>
+        <p:txBody>
+          <a:bodyPr wrap="square" rtlCol="0">
+            <a:spAutoFit/>
+          </a:bodyPr>
+          <a:lstStyle/>
+          <a:p>
+            <a:pPr algn="ctr"/>
+            <a:r>
+              <a:rPr lang="da-DK" dirty="0"/>
+              <a:t>Attacts more people</a:t>
+            </a:r>
+          </a:p>
+        </p:txBody>
+      </p:sp>
+      <p:sp>
+        <p:nvSpPr>
+          <p:cNvPr id="15" name="Oval 14">
+            <a:extLst>
+              <a:ext uri="{FF2B5EF4-FFF2-40B4-BE49-F238E27FC236}">
+                <a16:creationId xmlns:a16="http://schemas.microsoft.com/office/drawing/2014/main" id="{73AF4A8E-5D6B-499E-8CA4-485EB75D80A6}"/>
+              </a:ext>
+            </a:extLst>
+          </p:cNvPr>
+          <p:cNvSpPr/>
+          <p:nvPr/>
+        </p:nvSpPr>
+        <p:spPr>
+          <a:xfrm>
+            <a:off x="9257670" y="2172216"/>
+            <a:ext cx="1800000" cy="1800000"/>
+          </a:xfrm>
+          <a:prstGeom prst="ellipse">
+            <a:avLst/>
+          </a:prstGeom>
+        </p:spPr>
+        <p:style>
+          <a:lnRef idx="2">
+            <a:schemeClr val="accent1">
+              <a:shade val="50000"/>
+            </a:schemeClr>
+          </a:lnRef>
+          <a:fillRef idx="1">
+            <a:schemeClr val="accent1"/>
+          </a:fillRef>
+          <a:effectRef idx="0">
+            <a:schemeClr val="accent1"/>
+          </a:effectRef>
+          <a:fontRef idx="minor">
+            <a:schemeClr val="lt1"/>
+          </a:fontRef>
+        </p:style>
+        <p:txBody>
+          <a:bodyPr rtlCol="0" anchor="ctr"/>
+          <a:lstStyle/>
+          <a:p>
+            <a:pPr algn="ctr"/>
+            <a:r>
+              <a:rPr lang="da-DK" dirty="0"/>
+              <a:t>Software</a:t>
+            </a:r>
+          </a:p>
+        </p:txBody>
+      </p:sp>
+      <p:sp>
+        <p:nvSpPr>
+          <p:cNvPr id="16" name="TextBox 15">
+            <a:extLst>
+              <a:ext uri="{FF2B5EF4-FFF2-40B4-BE49-F238E27FC236}">
+                <a16:creationId xmlns:a16="http://schemas.microsoft.com/office/drawing/2014/main" id="{21C21F75-6D95-4BA7-BDCA-9471A09EF3A5}"/>
+              </a:ext>
+            </a:extLst>
+          </p:cNvPr>
+          <p:cNvSpPr txBox="1"/>
+          <p:nvPr/>
+        </p:nvSpPr>
+        <p:spPr>
+          <a:xfrm>
+            <a:off x="9444606" y="4127210"/>
+            <a:ext cx="1426128" cy="646331"/>
+          </a:xfrm>
+          <a:prstGeom prst="rect">
+            <a:avLst/>
+          </a:prstGeom>
+          <a:noFill/>
+        </p:spPr>
+        <p:txBody>
+          <a:bodyPr wrap="square" rtlCol="0">
+            <a:spAutoFit/>
+          </a:bodyPr>
+          <a:lstStyle/>
+          <a:p>
+            <a:pPr algn="ctr"/>
+            <a:r>
+              <a:rPr lang="da-DK" dirty="0"/>
+              <a:t>Models are easy to code</a:t>
+            </a:r>
+          </a:p>
+        </p:txBody>
+      </p:sp>
+      <p:sp>
+        <p:nvSpPr>
+          <p:cNvPr id="3" name="Rectangle 2">
+            <a:extLst>
+              <a:ext uri="{FF2B5EF4-FFF2-40B4-BE49-F238E27FC236}">
+                <a16:creationId xmlns:a16="http://schemas.microsoft.com/office/drawing/2014/main" id="{9D4F7AA3-35FF-45F8-A861-F9B7D7478D2C}"/>
+              </a:ext>
+            </a:extLst>
+          </p:cNvPr>
+          <p:cNvSpPr/>
+          <p:nvPr/>
+        </p:nvSpPr>
+        <p:spPr>
+          <a:xfrm>
+            <a:off x="494950" y="1619075"/>
+            <a:ext cx="6493080" cy="3456264"/>
+          </a:xfrm>
+          <a:prstGeom prst="rect">
+            <a:avLst/>
+          </a:prstGeom>
+          <a:noFill/>
+          <a:ln w="38100">
+            <a:solidFill>
+              <a:schemeClr val="tx1"/>
+            </a:solidFill>
+          </a:ln>
+        </p:spPr>
+        <p:style>
+          <a:lnRef idx="2">
+            <a:schemeClr val="accent1">
+              <a:shade val="50000"/>
+            </a:schemeClr>
+          </a:lnRef>
+          <a:fillRef idx="1">
+            <a:schemeClr val="accent1"/>
+          </a:fillRef>
+          <a:effectRef idx="0">
+            <a:schemeClr val="accent1"/>
+          </a:effectRef>
+          <a:fontRef idx="minor">
+            <a:schemeClr val="lt1"/>
+          </a:fontRef>
+        </p:style>
+        <p:txBody>
+          <a:bodyPr rtlCol="0" anchor="ctr"/>
+          <a:lstStyle/>
+          <a:p>
+            <a:pPr algn="ctr"/>
+            <a:endParaRPr lang="da-DK"/>
+          </a:p>
+        </p:txBody>
+      </p:sp>
+      <p:sp>
+        <p:nvSpPr>
+          <p:cNvPr id="17" name="Rectangle 16">
+            <a:extLst>
+              <a:ext uri="{FF2B5EF4-FFF2-40B4-BE49-F238E27FC236}">
+                <a16:creationId xmlns:a16="http://schemas.microsoft.com/office/drawing/2014/main" id="{0D8859F1-7253-4F52-AF22-8805521FD547}"/>
+              </a:ext>
+            </a:extLst>
+          </p:cNvPr>
+          <p:cNvSpPr/>
+          <p:nvPr/>
+        </p:nvSpPr>
+        <p:spPr>
+          <a:xfrm>
+            <a:off x="7050662" y="1619075"/>
+            <a:ext cx="4114800" cy="3456264"/>
+          </a:xfrm>
+          <a:prstGeom prst="rect">
+            <a:avLst/>
+          </a:prstGeom>
+          <a:noFill/>
+          <a:ln w="38100">
+            <a:solidFill>
+              <a:schemeClr val="tx1"/>
+            </a:solidFill>
+          </a:ln>
+        </p:spPr>
+        <p:style>
+          <a:lnRef idx="2">
+            <a:schemeClr val="accent1">
+              <a:shade val="50000"/>
+            </a:schemeClr>
+          </a:lnRef>
+          <a:fillRef idx="1">
+            <a:schemeClr val="accent1"/>
+          </a:fillRef>
+          <a:effectRef idx="0">
+            <a:schemeClr val="accent1"/>
+          </a:effectRef>
+          <a:fontRef idx="minor">
+            <a:schemeClr val="lt1"/>
+          </a:fontRef>
+        </p:style>
+        <p:txBody>
+          <a:bodyPr rtlCol="0" anchor="ctr"/>
+          <a:lstStyle/>
+          <a:p>
+            <a:pPr algn="ctr"/>
+            <a:endParaRPr lang="da-DK"/>
+          </a:p>
+        </p:txBody>
+      </p:sp>
+      <p:sp>
+        <p:nvSpPr>
+          <p:cNvPr id="18" name="TextBox 17">
+            <a:extLst>
+              <a:ext uri="{FF2B5EF4-FFF2-40B4-BE49-F238E27FC236}">
+                <a16:creationId xmlns:a16="http://schemas.microsoft.com/office/drawing/2014/main" id="{FE74C8DD-F46A-43EE-B778-810937CA8694}"/>
+              </a:ext>
+            </a:extLst>
+          </p:cNvPr>
+          <p:cNvSpPr txBox="1"/>
+          <p:nvPr/>
+        </p:nvSpPr>
+        <p:spPr>
+          <a:xfrm>
+            <a:off x="2704889" y="5110867"/>
+            <a:ext cx="3196205" cy="369332"/>
+          </a:xfrm>
+          <a:prstGeom prst="rect">
+            <a:avLst/>
+          </a:prstGeom>
+          <a:noFill/>
+        </p:spPr>
+        <p:txBody>
+          <a:bodyPr wrap="square" rtlCol="0">
+            <a:spAutoFit/>
+          </a:bodyPr>
+          <a:lstStyle/>
+          <a:p>
+            <a:r>
+              <a:rPr lang="da-DK" dirty="0"/>
+              <a:t>Commonly agreed on </a:t>
+            </a:r>
+          </a:p>
+        </p:txBody>
+      </p:sp>
+      <p:sp>
+        <p:nvSpPr>
+          <p:cNvPr id="19" name="TextBox 18">
+            <a:extLst>
+              <a:ext uri="{FF2B5EF4-FFF2-40B4-BE49-F238E27FC236}">
+                <a16:creationId xmlns:a16="http://schemas.microsoft.com/office/drawing/2014/main" id="{15FC470D-3777-4A39-9117-87B31791ECA4}"/>
+              </a:ext>
+            </a:extLst>
+          </p:cNvPr>
+          <p:cNvSpPr txBox="1"/>
+          <p:nvPr/>
+        </p:nvSpPr>
+        <p:spPr>
+          <a:xfrm>
+            <a:off x="8216318" y="5110867"/>
+            <a:ext cx="3196205" cy="369332"/>
+          </a:xfrm>
+          <a:prstGeom prst="rect">
+            <a:avLst/>
+          </a:prstGeom>
+          <a:noFill/>
+        </p:spPr>
+        <p:txBody>
+          <a:bodyPr wrap="square" rtlCol="0">
+            <a:spAutoFit/>
+          </a:bodyPr>
+          <a:lstStyle/>
+          <a:p>
+            <a:r>
+              <a:rPr lang="da-DK" dirty="0"/>
+              <a:t>Not talked about</a:t>
+            </a:r>
+          </a:p>
+        </p:txBody>
+      </p:sp>
+    </p:spTree>
+    <p:extLst>
+      <p:ext uri="{BB962C8B-B14F-4D97-AF65-F5344CB8AC3E}">
+        <p14:creationId xmlns:p14="http://schemas.microsoft.com/office/powerpoint/2010/main" val="4129615894"/>
+      </p:ext>
+    </p:extLst>
+  </p:cSld>
+  <p:clrMapOvr>
+    <a:masterClrMapping/>
+  </p:clrMapOvr>
+</p:sld>
+</file>
+
+<file path=ppt/slides/slide12.xml><?xml version="1.0" encoding="utf-8"?>
+<p:sld xmlns:a="http://schemas.openxmlformats.org/drawingml/2006/main" xmlns:r="http://schemas.openxmlformats.org/officeDocument/2006/relationships" xmlns:p="http://schemas.openxmlformats.org/presentationml/2006/main">
+  <p:cSld>
+    <p:spTree>
+      <p:nvGrpSpPr>
+        <p:cNvPr id="1" name=""/>
+        <p:cNvGrpSpPr/>
+        <p:nvPr/>
+      </p:nvGrpSpPr>
+      <p:grpSpPr>
+        <a:xfrm>
+          <a:off x="0" y="0"/>
+          <a:ext cx="0" cy="0"/>
+          <a:chOff x="0" y="0"/>
+          <a:chExt cx="0" cy="0"/>
+        </a:xfrm>
+      </p:grpSpPr>
+      <p:sp>
+        <p:nvSpPr>
+          <p:cNvPr id="2" name="Title 1">
+            <a:extLst>
+              <a:ext uri="{FF2B5EF4-FFF2-40B4-BE49-F238E27FC236}">
                 <a16:creationId xmlns:a16="http://schemas.microsoft.com/office/drawing/2014/main" id="{1EE4E3C0-9513-4612-BAEF-F687A80219EA}"/>
               </a:ext>
             </a:extLst>
@@ -4178,7 +5375,7 @@
           <a:p>
             <a:r>
               <a:rPr lang="da-DK" dirty="0"/>
-              <a:t>Why you should jump the weagon</a:t>
+              <a:t>Why you should jump the wagon</a:t>
             </a:r>
           </a:p>
         </p:txBody>
@@ -4238,7 +5435,7 @@
           <a:p>
             <a:fld id="{019E29B9-5584-4737-9C98-1B926378C778}" type="datetime1">
               <a:rPr lang="en-US" smtClean="0"/>
-              <a:t>5/6/2021</a:t>
+              <a:t>5/13/2021</a:t>
             </a:fld>
             <a:endParaRPr lang="da-DK"/>
           </a:p>
@@ -4295,7 +5492,7 @@
           <a:p>
             <a:fld id="{F6FEDE24-D50C-481B-A7B4-8AF13899101A}" type="slidenum">
               <a:rPr lang="da-DK" smtClean="0"/>
-              <a:t>10</a:t>
+              <a:t>12</a:t>
             </a:fld>
             <a:endParaRPr lang="da-DK"/>
           </a:p>
@@ -4344,7 +5541,7 @@
 </p:sld>
 </file>
 
-<file path=ppt/slides/slide11.xml><?xml version="1.0" encoding="utf-8"?>
+<file path=ppt/slides/slide13.xml><?xml version="1.0" encoding="utf-8"?>
 <p:sld xmlns:a="http://schemas.openxmlformats.org/drawingml/2006/main" xmlns:r="http://schemas.openxmlformats.org/officeDocument/2006/relationships" xmlns:p="http://schemas.openxmlformats.org/presentationml/2006/main">
   <p:cSld>
     <p:spTree>
@@ -4485,7 +5682,7 @@
           <a:p>
             <a:fld id="{019E29B9-5584-4737-9C98-1B926378C778}" type="datetime1">
               <a:rPr lang="en-US" smtClean="0"/>
-              <a:t>5/6/2021</a:t>
+              <a:t>5/13/2021</a:t>
             </a:fld>
             <a:endParaRPr lang="da-DK"/>
           </a:p>
@@ -4542,7 +5739,7 @@
           <a:p>
             <a:fld id="{F6FEDE24-D50C-481B-A7B4-8AF13899101A}" type="slidenum">
               <a:rPr lang="da-DK" smtClean="0"/>
-              <a:t>11</a:t>
+              <a:t>13</a:t>
             </a:fld>
             <a:endParaRPr lang="da-DK"/>
           </a:p>
@@ -4801,7 +5998,7 @@
 </p:sld>
 </file>
 
-<file path=ppt/slides/slide12.xml><?xml version="1.0" encoding="utf-8"?>
+<file path=ppt/slides/slide14.xml><?xml version="1.0" encoding="utf-8"?>
 <p:sld xmlns:a="http://schemas.openxmlformats.org/drawingml/2006/main" xmlns:r="http://schemas.openxmlformats.org/officeDocument/2006/relationships" xmlns:p="http://schemas.openxmlformats.org/presentationml/2006/main">
   <p:cSld>
     <p:spTree>
@@ -4872,7 +6069,13 @@
           <a:bodyPr/>
           <a:lstStyle/>
           <a:p>
-            <a:endParaRPr lang="da-DK"/>
+            <a:pPr marL="0" indent="0">
+              <a:buNone/>
+            </a:pPr>
+            <a:r>
+              <a:rPr lang="da-DK" dirty="0"/>
+              <a:t>3 key elements</a:t>
+            </a:r>
           </a:p>
         </p:txBody>
       </p:sp>
@@ -4899,7 +6102,7 @@
           <a:p>
             <a:fld id="{019E29B9-5584-4737-9C98-1B926378C778}" type="datetime1">
               <a:rPr lang="en-US" smtClean="0"/>
-              <a:t>5/6/2021</a:t>
+              <a:t>5/13/2021</a:t>
             </a:fld>
             <a:endParaRPr lang="da-DK"/>
           </a:p>
@@ -4956,7 +6159,7 @@
           <a:p>
             <a:fld id="{F6FEDE24-D50C-481B-A7B4-8AF13899101A}" type="slidenum">
               <a:rPr lang="da-DK" smtClean="0"/>
-              <a:t>12</a:t>
+              <a:t>14</a:t>
             </a:fld>
             <a:endParaRPr lang="da-DK"/>
           </a:p>
@@ -4976,8 +6179,8 @@
         </p:nvSpPr>
         <p:spPr>
           <a:xfrm>
-            <a:off x="2757733" y="2759807"/>
-            <a:ext cx="1800000" cy="1800000"/>
+            <a:off x="2238600" y="2316479"/>
+            <a:ext cx="2088000" cy="2088000"/>
           </a:xfrm>
           <a:prstGeom prst="ellipse">
             <a:avLst/>
@@ -5025,8 +6228,8 @@
         </p:nvSpPr>
         <p:spPr>
           <a:xfrm>
-            <a:off x="4970197" y="2759807"/>
-            <a:ext cx="1800000" cy="1800000"/>
+            <a:off x="4938601" y="2316479"/>
+            <a:ext cx="2088000" cy="2088000"/>
           </a:xfrm>
           <a:prstGeom prst="ellipse">
             <a:avLst/>
@@ -5074,8 +6277,8 @@
         </p:nvSpPr>
         <p:spPr>
           <a:xfrm>
-            <a:off x="7253400" y="2759807"/>
-            <a:ext cx="1800000" cy="1800000"/>
+            <a:off x="7638602" y="2316479"/>
+            <a:ext cx="2088000" cy="2088000"/>
           </a:xfrm>
           <a:prstGeom prst="ellipse">
             <a:avLst/>
@@ -5123,8 +6326,8 @@
         </p:nvSpPr>
         <p:spPr>
           <a:xfrm>
-            <a:off x="3034713" y="4685056"/>
-            <a:ext cx="1426128" cy="923330"/>
+            <a:off x="2268301" y="4404479"/>
+            <a:ext cx="2028598" cy="646331"/>
           </a:xfrm>
           <a:prstGeom prst="rect">
             <a:avLst/>
@@ -5137,6 +6340,7 @@
           </a:bodyPr>
           <a:lstStyle/>
           <a:p>
+            <a:pPr algn="ctr"/>
             <a:r>
               <a:rPr lang="da-DK" dirty="0"/>
               <a:t>Abstraction to higher order data</a:t>
@@ -5158,8 +6362,8 @@
         </p:nvSpPr>
         <p:spPr>
           <a:xfrm>
-            <a:off x="5344069" y="4685056"/>
-            <a:ext cx="1426128" cy="923330"/>
+            <a:off x="5111404" y="4400879"/>
+            <a:ext cx="1800000" cy="646331"/>
           </a:xfrm>
           <a:prstGeom prst="rect">
             <a:avLst/>
@@ -5172,6 +6376,7 @@
           </a:bodyPr>
           <a:lstStyle/>
           <a:p>
+            <a:pPr algn="ctr"/>
             <a:r>
               <a:rPr lang="da-DK" dirty="0"/>
               <a:t>Faster computations</a:t>
@@ -5193,7 +6398,7 @@
         </p:nvSpPr>
         <p:spPr>
           <a:xfrm>
-            <a:off x="7627272" y="4685056"/>
+            <a:off x="8064788" y="4400879"/>
             <a:ext cx="1426128" cy="369332"/>
           </a:xfrm>
           <a:prstGeom prst="rect">
@@ -5227,7 +6432,7 @@
 </p:sld>
 </file>
 
-<file path=ppt/slides/slide13.xml><?xml version="1.0" encoding="utf-8"?>
+<file path=ppt/slides/slide15.xml><?xml version="1.0" encoding="utf-8"?>
 <p:sld xmlns:a="http://schemas.openxmlformats.org/drawingml/2006/main" xmlns:r="http://schemas.openxmlformats.org/officeDocument/2006/relationships" xmlns:p="http://schemas.openxmlformats.org/presentationml/2006/main">
   <p:cSld>
     <p:spTree>
@@ -5295,7 +6500,7 @@
           <a:p>
             <a:fld id="{019E29B9-5584-4737-9C98-1B926378C778}" type="datetime1">
               <a:rPr lang="en-US" smtClean="0"/>
-              <a:t>5/6/2021</a:t>
+              <a:t>5/13/2021</a:t>
             </a:fld>
             <a:endParaRPr lang="da-DK"/>
           </a:p>
@@ -5352,7 +6557,7 @@
           <a:p>
             <a:fld id="{F6FEDE24-D50C-481B-A7B4-8AF13899101A}" type="slidenum">
               <a:rPr lang="da-DK" smtClean="0"/>
-              <a:t>13</a:t>
+              <a:t>15</a:t>
             </a:fld>
             <a:endParaRPr lang="da-DK"/>
           </a:p>
@@ -5520,7 +6725,7 @@
           <a:p>
             <a:fld id="{019E29B9-5584-4737-9C98-1B926378C778}" type="datetime1">
               <a:rPr lang="en-US" smtClean="0"/>
-              <a:t>5/6/2021</a:t>
+              <a:t>5/13/2021</a:t>
             </a:fld>
             <a:endParaRPr lang="da-DK"/>
           </a:p>
@@ -5689,7 +6894,9 @@
         </p:nvSpPr>
         <p:spPr/>
         <p:txBody>
-          <a:bodyPr/>
+          <a:bodyPr>
+            <a:normAutofit lnSpcReduction="10000"/>
+          </a:bodyPr>
           <a:lstStyle/>
           <a:p>
             <a:r>
@@ -5700,7 +6907,7 @@
           <a:p>
             <a:r>
               <a:rPr lang="en-US" dirty="0"/>
-              <a:t>3 week period (summer or winter)</a:t>
+              <a:t>3 weeks period</a:t>
             </a:r>
           </a:p>
           <a:p>
@@ -5724,8 +6931,58 @@
           <a:p>
             <a:r>
               <a:rPr lang="en-US" dirty="0"/>
-              <a:t>Recommended prerequisites: 02456 (Deep Learning)</a:t>
-            </a:r>
+              <a:t>Recommended prerequisites: 02456 (Deep Learning) or</a:t>
+            </a:r>
+          </a:p>
+          <a:p>
+            <a:pPr lvl="1"/>
+            <a:r>
+              <a:rPr lang="en-US" dirty="0"/>
+              <a:t>General understanding of machine learning (datasets, probability, classifiers, overfitting </a:t>
+            </a:r>
+            <a:r>
+              <a:rPr lang="en-US" dirty="0" err="1"/>
+              <a:t>ect</a:t>
+            </a:r>
+            <a:r>
+              <a:rPr lang="en-US" dirty="0"/>
+              <a:t>.) and </a:t>
+            </a:r>
+          </a:p>
+          <a:p>
+            <a:pPr lvl="1"/>
+            <a:r>
+              <a:rPr lang="en-US" dirty="0"/>
+              <a:t>Basic knowledge about deep learning (</a:t>
+            </a:r>
+            <a:r>
+              <a:rPr lang="en-US" dirty="0" err="1"/>
+              <a:t>backpropergation</a:t>
+            </a:r>
+            <a:r>
+              <a:rPr lang="en-US" dirty="0"/>
+              <a:t>, convolutional neural network, auto-encoders </a:t>
+            </a:r>
+            <a:r>
+              <a:rPr lang="en-US" dirty="0" err="1"/>
+              <a:t>ect</a:t>
+            </a:r>
+            <a:r>
+              <a:rPr lang="en-US" dirty="0"/>
+              <a:t>.)</a:t>
+            </a:r>
+          </a:p>
+          <a:p>
+            <a:pPr lvl="1"/>
+            <a:r>
+              <a:rPr lang="en-US" dirty="0"/>
+              <a:t>Coding in </a:t>
+            </a:r>
+            <a:r>
+              <a:rPr lang="en-US" dirty="0" err="1"/>
+              <a:t>Pytorch</a:t>
+            </a:r>
+            <a:endParaRPr lang="en-US" dirty="0"/>
           </a:p>
           <a:p>
             <a:endParaRPr lang="da-DK" dirty="0"/>
@@ -5755,7 +7012,7 @@
           <a:p>
             <a:fld id="{019E29B9-5584-4737-9C98-1B926378C778}" type="datetime1">
               <a:rPr lang="en-US" smtClean="0"/>
-              <a:t>5/6/2021</a:t>
+              <a:t>5/13/2021</a:t>
             </a:fld>
             <a:endParaRPr lang="da-DK"/>
           </a:p>
@@ -5899,7 +7156,7 @@
           <a:p>
             <a:fld id="{019E29B9-5584-4737-9C98-1B926378C778}" type="datetime1">
               <a:rPr lang="en-US" smtClean="0"/>
-              <a:t>5/6/2021</a:t>
+              <a:t>5/13/2021</a:t>
             </a:fld>
             <a:endParaRPr lang="da-DK"/>
           </a:p>
@@ -6014,18 +7271,13 @@
           <a:p>
             <a:pPr lvl="1"/>
             <a:r>
-              <a:rPr lang="en-US" dirty="0" err="1">
+              <a:rPr lang="en-US" dirty="0">
                 <a:solidFill>
                   <a:schemeClr val="accent6"/>
                 </a:solidFill>
               </a:rPr>
-              <a:t>Organisation</a:t>
-            </a:r>
-            <a:endParaRPr lang="en-US" dirty="0">
-              <a:solidFill>
-                <a:schemeClr val="accent6"/>
-              </a:solidFill>
-            </a:endParaRPr>
+              <a:t>Organization</a:t>
+            </a:r>
           </a:p>
           <a:p>
             <a:pPr lvl="1"/>
@@ -6155,13 +7407,19 @@
         <p:spPr/>
         <p:txBody>
           <a:bodyPr>
-            <a:normAutofit lnSpcReduction="10000"/>
+            <a:normAutofit fontScale="92500" lnSpcReduction="10000"/>
           </a:bodyPr>
           <a:lstStyle/>
           <a:p>
             <a:r>
               <a:rPr lang="da-DK" dirty="0"/>
-              <a:t>This course was developed over 1 month, meaning that the material may be suboptimal </a:t>
+              <a:t>This course was developed over 1½ month, meaning that the material may be suboptimal</a:t>
+            </a:r>
+          </a:p>
+          <a:p>
+            <a:r>
+              <a:rPr lang="da-DK" dirty="0"/>
+              <a:t>We provide lectures, exercises and guidence but encourage self-study </a:t>
             </a:r>
           </a:p>
           <a:p>
@@ -6219,7 +7477,7 @@
           <a:p>
             <a:fld id="{019E29B9-5584-4737-9C98-1B926378C778}" type="datetime1">
               <a:rPr lang="en-US" smtClean="0"/>
-              <a:t>5/6/2021</a:t>
+              <a:t>5/13/2021</a:t>
             </a:fld>
             <a:endParaRPr lang="da-DK"/>
           </a:p>
@@ -6282,12 +7540,309 @@
           </a:p>
         </p:txBody>
       </p:sp>
+      <p:grpSp>
+        <p:nvGrpSpPr>
+          <p:cNvPr id="8" name="Group 7">
+            <a:extLst>
+              <a:ext uri="{FF2B5EF4-FFF2-40B4-BE49-F238E27FC236}">
+                <a16:creationId xmlns:a16="http://schemas.microsoft.com/office/drawing/2014/main" id="{5F1EE1C4-2316-44B3-B43D-67D1A99E2C84}"/>
+              </a:ext>
+            </a:extLst>
+          </p:cNvPr>
+          <p:cNvGrpSpPr/>
+          <p:nvPr/>
+        </p:nvGrpSpPr>
+        <p:grpSpPr>
+          <a:xfrm>
+            <a:off x="3490565" y="2970737"/>
+            <a:ext cx="3273096" cy="2591630"/>
+            <a:chOff x="3490565" y="2970737"/>
+            <a:chExt cx="3273096" cy="2591630"/>
+          </a:xfrm>
+        </p:grpSpPr>
+        <p:pic>
+          <p:nvPicPr>
+            <p:cNvPr id="7" name="Content Placeholder 7" descr="Chart, line chart&#10;&#10;Description automatically generated">
+              <a:extLst>
+                <a:ext uri="{FF2B5EF4-FFF2-40B4-BE49-F238E27FC236}">
+                  <a16:creationId xmlns:a16="http://schemas.microsoft.com/office/drawing/2014/main" id="{C31CE3DC-49DD-433C-B3C6-405A54371EFB}"/>
+                </a:ext>
+              </a:extLst>
+            </p:cNvPr>
+            <p:cNvPicPr>
+              <a:picLocks noChangeAspect="1"/>
+            </p:cNvPicPr>
+            <p:nvPr/>
+          </p:nvPicPr>
+          <p:blipFill>
+            <a:blip r:embed="rId2">
+              <a:extLst>
+                <a:ext uri="{28A0092B-C50C-407E-A947-70E740481C1C}">
+                  <a14:useLocalDpi xmlns:a14="http://schemas.microsoft.com/office/drawing/2010/main" val="0"/>
+                </a:ext>
+              </a:extLst>
+            </a:blip>
+            <a:stretch>
+              <a:fillRect/>
+            </a:stretch>
+          </p:blipFill>
+          <p:spPr>
+            <a:xfrm>
+              <a:off x="3859897" y="2996606"/>
+              <a:ext cx="2903764" cy="2295682"/>
+            </a:xfrm>
+            <a:prstGeom prst="rect">
+              <a:avLst/>
+            </a:prstGeom>
+          </p:spPr>
+        </p:pic>
+        <p:cxnSp>
+          <p:nvCxnSpPr>
+            <p:cNvPr id="9" name="Straight Connector 8">
+              <a:extLst>
+                <a:ext uri="{FF2B5EF4-FFF2-40B4-BE49-F238E27FC236}">
+                  <a16:creationId xmlns:a16="http://schemas.microsoft.com/office/drawing/2014/main" id="{E1DF363C-DE16-465D-9D32-6BBCBE9D03E9}"/>
+                </a:ext>
+              </a:extLst>
+            </p:cNvPr>
+            <p:cNvCxnSpPr/>
+            <p:nvPr/>
+          </p:nvCxnSpPr>
+          <p:spPr>
+            <a:xfrm flipV="1">
+              <a:off x="4465827" y="5121038"/>
+              <a:ext cx="1446245" cy="171250"/>
+            </a:xfrm>
+            <a:prstGeom prst="line">
+              <a:avLst/>
+            </a:prstGeom>
+            <a:ln>
+              <a:solidFill>
+                <a:srgbClr val="FF0000"/>
+              </a:solidFill>
+            </a:ln>
+          </p:spPr>
+          <p:style>
+            <a:lnRef idx="1">
+              <a:schemeClr val="accent1"/>
+            </a:lnRef>
+            <a:fillRef idx="0">
+              <a:schemeClr val="accent1"/>
+            </a:fillRef>
+            <a:effectRef idx="0">
+              <a:schemeClr val="accent1"/>
+            </a:effectRef>
+            <a:fontRef idx="minor">
+              <a:schemeClr val="tx1"/>
+            </a:fontRef>
+          </p:style>
+        </p:cxnSp>
+        <p:cxnSp>
+          <p:nvCxnSpPr>
+            <p:cNvPr id="10" name="Straight Connector 9">
+              <a:extLst>
+                <a:ext uri="{FF2B5EF4-FFF2-40B4-BE49-F238E27FC236}">
+                  <a16:creationId xmlns:a16="http://schemas.microsoft.com/office/drawing/2014/main" id="{47324649-2D36-434E-9F88-A79C1B06F9C0}"/>
+                </a:ext>
+              </a:extLst>
+            </p:cNvPr>
+            <p:cNvCxnSpPr>
+              <a:cxnSpLocks/>
+            </p:cNvCxnSpPr>
+            <p:nvPr/>
+          </p:nvCxnSpPr>
+          <p:spPr>
+            <a:xfrm>
+              <a:off x="4432041" y="5135804"/>
+              <a:ext cx="1385724" cy="141717"/>
+            </a:xfrm>
+            <a:prstGeom prst="line">
+              <a:avLst/>
+            </a:prstGeom>
+            <a:ln>
+              <a:solidFill>
+                <a:srgbClr val="FF0000"/>
+              </a:solidFill>
+            </a:ln>
+          </p:spPr>
+          <p:style>
+            <a:lnRef idx="1">
+              <a:schemeClr val="accent1"/>
+            </a:lnRef>
+            <a:fillRef idx="0">
+              <a:schemeClr val="accent1"/>
+            </a:fillRef>
+            <a:effectRef idx="0">
+              <a:schemeClr val="accent1"/>
+            </a:effectRef>
+            <a:fontRef idx="minor">
+              <a:schemeClr val="tx1"/>
+            </a:fontRef>
+          </p:style>
+        </p:cxnSp>
+        <p:sp>
+          <p:nvSpPr>
+            <p:cNvPr id="12" name="TextBox 11">
+              <a:extLst>
+                <a:ext uri="{FF2B5EF4-FFF2-40B4-BE49-F238E27FC236}">
+                  <a16:creationId xmlns:a16="http://schemas.microsoft.com/office/drawing/2014/main" id="{B9B1F93F-71F9-42D3-9ED5-B57DC16F8957}"/>
+                </a:ext>
+              </a:extLst>
+            </p:cNvPr>
+            <p:cNvSpPr txBox="1"/>
+            <p:nvPr/>
+          </p:nvSpPr>
+          <p:spPr>
+            <a:xfrm>
+              <a:off x="4725480" y="5193035"/>
+              <a:ext cx="1879134" cy="369332"/>
+            </a:xfrm>
+            <a:prstGeom prst="rect">
+              <a:avLst/>
+            </a:prstGeom>
+            <a:noFill/>
+          </p:spPr>
+          <p:txBody>
+            <a:bodyPr wrap="square" rtlCol="0">
+              <a:spAutoFit/>
+            </a:bodyPr>
+            <a:lstStyle/>
+            <a:p>
+              <a:r>
+                <a:rPr lang="da-DK" dirty="0"/>
+                <a:t>Lectures</a:t>
+              </a:r>
+            </a:p>
+          </p:txBody>
+        </p:sp>
+        <p:sp>
+          <p:nvSpPr>
+            <p:cNvPr id="13" name="TextBox 12">
+              <a:extLst>
+                <a:ext uri="{FF2B5EF4-FFF2-40B4-BE49-F238E27FC236}">
+                  <a16:creationId xmlns:a16="http://schemas.microsoft.com/office/drawing/2014/main" id="{BAB22CFF-38B8-47BF-8A6F-96DE124143F7}"/>
+                </a:ext>
+              </a:extLst>
+            </p:cNvPr>
+            <p:cNvSpPr txBox="1"/>
+            <p:nvPr/>
+          </p:nvSpPr>
+          <p:spPr>
+            <a:xfrm rot="16200000">
+              <a:off x="2735664" y="3725638"/>
+              <a:ext cx="1879134" cy="369332"/>
+            </a:xfrm>
+            <a:prstGeom prst="rect">
+              <a:avLst/>
+            </a:prstGeom>
+            <a:noFill/>
+          </p:spPr>
+          <p:txBody>
+            <a:bodyPr wrap="square" rtlCol="0">
+              <a:spAutoFit/>
+            </a:bodyPr>
+            <a:lstStyle/>
+            <a:p>
+              <a:r>
+                <a:rPr lang="da-DK" dirty="0"/>
+                <a:t>Your interest</a:t>
+              </a:r>
+            </a:p>
+          </p:txBody>
+        </p:sp>
+        <p:cxnSp>
+          <p:nvCxnSpPr>
+            <p:cNvPr id="14" name="Straight Connector 13">
+              <a:extLst>
+                <a:ext uri="{FF2B5EF4-FFF2-40B4-BE49-F238E27FC236}">
+                  <a16:creationId xmlns:a16="http://schemas.microsoft.com/office/drawing/2014/main" id="{26B5F4EA-DF51-438B-9760-2A7067BC651C}"/>
+                </a:ext>
+              </a:extLst>
+            </p:cNvPr>
+            <p:cNvCxnSpPr>
+              <a:cxnSpLocks/>
+            </p:cNvCxnSpPr>
+            <p:nvPr/>
+          </p:nvCxnSpPr>
+          <p:spPr>
+            <a:xfrm flipH="1" flipV="1">
+              <a:off x="3877257" y="3382272"/>
+              <a:ext cx="161343" cy="1568236"/>
+            </a:xfrm>
+            <a:prstGeom prst="line">
+              <a:avLst/>
+            </a:prstGeom>
+            <a:ln>
+              <a:solidFill>
+                <a:srgbClr val="FF0000"/>
+              </a:solidFill>
+            </a:ln>
+          </p:spPr>
+          <p:style>
+            <a:lnRef idx="1">
+              <a:schemeClr val="accent1"/>
+            </a:lnRef>
+            <a:fillRef idx="0">
+              <a:schemeClr val="accent1"/>
+            </a:fillRef>
+            <a:effectRef idx="0">
+              <a:schemeClr val="accent1"/>
+            </a:effectRef>
+            <a:fontRef idx="minor">
+              <a:schemeClr val="tx1"/>
+            </a:fontRef>
+          </p:style>
+        </p:cxnSp>
+        <p:cxnSp>
+          <p:nvCxnSpPr>
+            <p:cNvPr id="17" name="Straight Connector 16">
+              <a:extLst>
+                <a:ext uri="{FF2B5EF4-FFF2-40B4-BE49-F238E27FC236}">
+                  <a16:creationId xmlns:a16="http://schemas.microsoft.com/office/drawing/2014/main" id="{91297627-1C24-42EB-9A87-5330790812FD}"/>
+                </a:ext>
+              </a:extLst>
+            </p:cNvPr>
+            <p:cNvCxnSpPr>
+              <a:cxnSpLocks/>
+            </p:cNvCxnSpPr>
+            <p:nvPr/>
+          </p:nvCxnSpPr>
+          <p:spPr>
+            <a:xfrm flipV="1">
+              <a:off x="3838466" y="3377543"/>
+              <a:ext cx="161344" cy="1568236"/>
+            </a:xfrm>
+            <a:prstGeom prst="line">
+              <a:avLst/>
+            </a:prstGeom>
+            <a:ln>
+              <a:solidFill>
+                <a:srgbClr val="FF0000"/>
+              </a:solidFill>
+            </a:ln>
+          </p:spPr>
+          <p:style>
+            <a:lnRef idx="1">
+              <a:schemeClr val="accent1"/>
+            </a:lnRef>
+            <a:fillRef idx="0">
+              <a:schemeClr val="accent1"/>
+            </a:fillRef>
+            <a:effectRef idx="0">
+              <a:schemeClr val="accent1"/>
+            </a:effectRef>
+            <a:fontRef idx="minor">
+              <a:schemeClr val="tx1"/>
+            </a:fontRef>
+          </p:style>
+        </p:cxnSp>
+      </p:grpSp>
       <p:pic>
         <p:nvPicPr>
-          <p:cNvPr id="7" name="Content Placeholder 7" descr="Chart, line chart&#10;&#10;Description automatically generated">
-            <a:extLst>
-              <a:ext uri="{FF2B5EF4-FFF2-40B4-BE49-F238E27FC236}">
-                <a16:creationId xmlns:a16="http://schemas.microsoft.com/office/drawing/2014/main" id="{C31CE3DC-49DD-433C-B3C6-405A54371EFB}"/>
+          <p:cNvPr id="11" name="Picture 10">
+            <a:extLst>
+              <a:ext uri="{FF2B5EF4-FFF2-40B4-BE49-F238E27FC236}">
+                <a16:creationId xmlns:a16="http://schemas.microsoft.com/office/drawing/2014/main" id="{111FCE12-0D80-4B41-BDE7-0BA74B22915A}"/>
               </a:ext>
             </a:extLst>
           </p:cNvPr>
@@ -6297,7 +7852,7 @@
           <p:nvPr/>
         </p:nvPicPr>
         <p:blipFill>
-          <a:blip r:embed="rId2">
+          <a:blip r:embed="rId3">
             <a:extLst>
               <a:ext uri="{28A0092B-C50C-407E-A947-70E740481C1C}">
                 <a14:useLocalDpi xmlns:a14="http://schemas.microsoft.com/office/drawing/2010/main" val="0"/>
@@ -6310,283 +7865,7 @@
         </p:blipFill>
         <p:spPr>
           <a:xfrm>
-            <a:off x="4037229" y="2546130"/>
-            <a:ext cx="3329478" cy="2632246"/>
-          </a:xfrm>
-          <a:prstGeom prst="rect">
-            <a:avLst/>
-          </a:prstGeom>
-        </p:spPr>
-      </p:pic>
-      <p:cxnSp>
-        <p:nvCxnSpPr>
-          <p:cNvPr id="9" name="Straight Connector 8">
-            <a:extLst>
-              <a:ext uri="{FF2B5EF4-FFF2-40B4-BE49-F238E27FC236}">
-                <a16:creationId xmlns:a16="http://schemas.microsoft.com/office/drawing/2014/main" id="{E1DF363C-DE16-465D-9D32-6BBCBE9D03E9}"/>
-              </a:ext>
-            </a:extLst>
-          </p:cNvPr>
-          <p:cNvCxnSpPr/>
-          <p:nvPr/>
-        </p:nvCxnSpPr>
-        <p:spPr>
-          <a:xfrm flipV="1">
-            <a:off x="4889241" y="4987974"/>
-            <a:ext cx="1446245" cy="171250"/>
-          </a:xfrm>
-          <a:prstGeom prst="line">
-            <a:avLst/>
-          </a:prstGeom>
-          <a:ln>
-            <a:solidFill>
-              <a:srgbClr val="FF0000"/>
-            </a:solidFill>
-          </a:ln>
-        </p:spPr>
-        <p:style>
-          <a:lnRef idx="1">
-            <a:schemeClr val="accent1"/>
-          </a:lnRef>
-          <a:fillRef idx="0">
-            <a:schemeClr val="accent1"/>
-          </a:fillRef>
-          <a:effectRef idx="0">
-            <a:schemeClr val="accent1"/>
-          </a:effectRef>
-          <a:fontRef idx="minor">
-            <a:schemeClr val="tx1"/>
-          </a:fontRef>
-        </p:style>
-      </p:cxnSp>
-      <p:cxnSp>
-        <p:nvCxnSpPr>
-          <p:cNvPr id="10" name="Straight Connector 9">
-            <a:extLst>
-              <a:ext uri="{FF2B5EF4-FFF2-40B4-BE49-F238E27FC236}">
-                <a16:creationId xmlns:a16="http://schemas.microsoft.com/office/drawing/2014/main" id="{47324649-2D36-434E-9F88-A79C1B06F9C0}"/>
-              </a:ext>
-            </a:extLst>
-          </p:cNvPr>
-          <p:cNvCxnSpPr>
-            <a:cxnSpLocks/>
-          </p:cNvCxnSpPr>
-          <p:nvPr/>
-        </p:nvCxnSpPr>
-        <p:spPr>
-          <a:xfrm>
-            <a:off x="4889241" y="5027457"/>
-            <a:ext cx="1385724" cy="141717"/>
-          </a:xfrm>
-          <a:prstGeom prst="line">
-            <a:avLst/>
-          </a:prstGeom>
-          <a:ln>
-            <a:solidFill>
-              <a:srgbClr val="FF0000"/>
-            </a:solidFill>
-          </a:ln>
-        </p:spPr>
-        <p:style>
-          <a:lnRef idx="1">
-            <a:schemeClr val="accent1"/>
-          </a:lnRef>
-          <a:fillRef idx="0">
-            <a:schemeClr val="accent1"/>
-          </a:fillRef>
-          <a:effectRef idx="0">
-            <a:schemeClr val="accent1"/>
-          </a:effectRef>
-          <a:fontRef idx="minor">
-            <a:schemeClr val="tx1"/>
-          </a:fontRef>
-        </p:style>
-      </p:cxnSp>
-      <p:sp>
-        <p:nvSpPr>
-          <p:cNvPr id="12" name="TextBox 11">
-            <a:extLst>
-              <a:ext uri="{FF2B5EF4-FFF2-40B4-BE49-F238E27FC236}">
-                <a16:creationId xmlns:a16="http://schemas.microsoft.com/office/drawing/2014/main" id="{B9B1F93F-71F9-42D3-9ED5-B57DC16F8957}"/>
-              </a:ext>
-            </a:extLst>
-          </p:cNvPr>
-          <p:cNvSpPr txBox="1"/>
-          <p:nvPr/>
-        </p:nvSpPr>
-        <p:spPr>
-          <a:xfrm>
-            <a:off x="5063617" y="5079789"/>
-            <a:ext cx="1879134" cy="369332"/>
-          </a:xfrm>
-          <a:prstGeom prst="rect">
-            <a:avLst/>
-          </a:prstGeom>
-          <a:noFill/>
-        </p:spPr>
-        <p:txBody>
-          <a:bodyPr wrap="square" rtlCol="0">
-            <a:spAutoFit/>
-          </a:bodyPr>
-          <a:lstStyle/>
-          <a:p>
-            <a:r>
-              <a:rPr lang="da-DK" dirty="0"/>
-              <a:t>Lectures</a:t>
-            </a:r>
-          </a:p>
-        </p:txBody>
-      </p:sp>
-      <p:sp>
-        <p:nvSpPr>
-          <p:cNvPr id="13" name="TextBox 12">
-            <a:extLst>
-              <a:ext uri="{FF2B5EF4-FFF2-40B4-BE49-F238E27FC236}">
-                <a16:creationId xmlns:a16="http://schemas.microsoft.com/office/drawing/2014/main" id="{BAB22CFF-38B8-47BF-8A6F-96DE124143F7}"/>
-              </a:ext>
-            </a:extLst>
-          </p:cNvPr>
-          <p:cNvSpPr txBox="1"/>
-          <p:nvPr/>
-        </p:nvSpPr>
-        <p:spPr>
-          <a:xfrm rot="16200000">
-            <a:off x="2912997" y="3301031"/>
-            <a:ext cx="1879134" cy="369332"/>
-          </a:xfrm>
-          <a:prstGeom prst="rect">
-            <a:avLst/>
-          </a:prstGeom>
-          <a:noFill/>
-        </p:spPr>
-        <p:txBody>
-          <a:bodyPr wrap="square" rtlCol="0">
-            <a:spAutoFit/>
-          </a:bodyPr>
-          <a:lstStyle/>
-          <a:p>
-            <a:r>
-              <a:rPr lang="da-DK" dirty="0"/>
-              <a:t>Lectures</a:t>
-            </a:r>
-          </a:p>
-        </p:txBody>
-      </p:sp>
-      <p:cxnSp>
-        <p:nvCxnSpPr>
-          <p:cNvPr id="14" name="Straight Connector 13">
-            <a:extLst>
-              <a:ext uri="{FF2B5EF4-FFF2-40B4-BE49-F238E27FC236}">
-                <a16:creationId xmlns:a16="http://schemas.microsoft.com/office/drawing/2014/main" id="{26B5F4EA-DF51-438B-9760-2A7067BC651C}"/>
-              </a:ext>
-            </a:extLst>
-          </p:cNvPr>
-          <p:cNvCxnSpPr>
-            <a:cxnSpLocks/>
-          </p:cNvCxnSpPr>
-          <p:nvPr/>
-        </p:nvCxnSpPr>
-        <p:spPr>
-          <a:xfrm flipH="1" flipV="1">
-            <a:off x="4037231" y="3095538"/>
-            <a:ext cx="161343" cy="1568236"/>
-          </a:xfrm>
-          <a:prstGeom prst="line">
-            <a:avLst/>
-          </a:prstGeom>
-          <a:ln>
-            <a:solidFill>
-              <a:srgbClr val="FF0000"/>
-            </a:solidFill>
-          </a:ln>
-        </p:spPr>
-        <p:style>
-          <a:lnRef idx="1">
-            <a:schemeClr val="accent1"/>
-          </a:lnRef>
-          <a:fillRef idx="0">
-            <a:schemeClr val="accent1"/>
-          </a:fillRef>
-          <a:effectRef idx="0">
-            <a:schemeClr val="accent1"/>
-          </a:effectRef>
-          <a:fontRef idx="minor">
-            <a:schemeClr val="tx1"/>
-          </a:fontRef>
-        </p:style>
-      </p:cxnSp>
-      <p:cxnSp>
-        <p:nvCxnSpPr>
-          <p:cNvPr id="17" name="Straight Connector 16">
-            <a:extLst>
-              <a:ext uri="{FF2B5EF4-FFF2-40B4-BE49-F238E27FC236}">
-                <a16:creationId xmlns:a16="http://schemas.microsoft.com/office/drawing/2014/main" id="{91297627-1C24-42EB-9A87-5330790812FD}"/>
-              </a:ext>
-            </a:extLst>
-          </p:cNvPr>
-          <p:cNvCxnSpPr>
-            <a:cxnSpLocks/>
-          </p:cNvCxnSpPr>
-          <p:nvPr/>
-        </p:nvCxnSpPr>
-        <p:spPr>
-          <a:xfrm flipV="1">
-            <a:off x="4037230" y="3087149"/>
-            <a:ext cx="161344" cy="1568236"/>
-          </a:xfrm>
-          <a:prstGeom prst="line">
-            <a:avLst/>
-          </a:prstGeom>
-          <a:ln>
-            <a:solidFill>
-              <a:srgbClr val="FF0000"/>
-            </a:solidFill>
-          </a:ln>
-        </p:spPr>
-        <p:style>
-          <a:lnRef idx="1">
-            <a:schemeClr val="accent1"/>
-          </a:lnRef>
-          <a:fillRef idx="0">
-            <a:schemeClr val="accent1"/>
-          </a:fillRef>
-          <a:effectRef idx="0">
-            <a:schemeClr val="accent1"/>
-          </a:effectRef>
-          <a:fontRef idx="minor">
-            <a:schemeClr val="tx1"/>
-          </a:fontRef>
-        </p:style>
-      </p:cxnSp>
-      <p:pic>
-        <p:nvPicPr>
-          <p:cNvPr id="11" name="Picture 10">
-            <a:extLst>
-              <a:ext uri="{FF2B5EF4-FFF2-40B4-BE49-F238E27FC236}">
-                <a16:creationId xmlns:a16="http://schemas.microsoft.com/office/drawing/2014/main" id="{111FCE12-0D80-4B41-BDE7-0BA74B22915A}"/>
-              </a:ext>
-            </a:extLst>
-          </p:cNvPr>
-          <p:cNvPicPr>
-            <a:picLocks noChangeAspect="1"/>
-          </p:cNvPicPr>
-          <p:nvPr/>
-        </p:nvPicPr>
-        <p:blipFill>
-          <a:blip r:embed="rId3">
-            <a:extLst>
-              <a:ext uri="{28A0092B-C50C-407E-A947-70E740481C1C}">
-                <a14:useLocalDpi xmlns:a14="http://schemas.microsoft.com/office/drawing/2010/main" val="0"/>
-              </a:ext>
-            </a:extLst>
-          </a:blip>
-          <a:stretch>
-            <a:fillRect/>
-          </a:stretch>
-        </p:blipFill>
-        <p:spPr>
-          <a:xfrm>
-            <a:off x="7909881" y="5292288"/>
+            <a:off x="7492742" y="5451679"/>
             <a:ext cx="1401437" cy="1184576"/>
           </a:xfrm>
           <a:prstGeom prst="rect">
@@ -6629,7 +7908,7 @@
           <p:cNvPr id="2" name="Title 1">
             <a:extLst>
               <a:ext uri="{FF2B5EF4-FFF2-40B4-BE49-F238E27FC236}">
-                <a16:creationId xmlns:a16="http://schemas.microsoft.com/office/drawing/2014/main" id="{C2890881-A8F3-4127-9EBC-5AACB76A56E0}"/>
+                <a16:creationId xmlns:a16="http://schemas.microsoft.com/office/drawing/2014/main" id="{48AD5C9D-A336-4175-BBD7-250D4C100B0E}"/>
               </a:ext>
             </a:extLst>
           </p:cNvPr>
@@ -6640,20 +7919,58 @@
             <p:ph type="title"/>
           </p:nvPr>
         </p:nvSpPr>
-        <p:spPr>
-          <a:xfrm>
-            <a:off x="838200" y="2766218"/>
-            <a:ext cx="10515600" cy="1325563"/>
-          </a:xfrm>
-        </p:spPr>
+        <p:spPr/>
         <p:txBody>
           <a:bodyPr/>
           <a:lstStyle/>
           <a:p>
             <a:r>
               <a:rPr lang="da-DK" dirty="0"/>
-              <a:t>History of deep learning</a:t>
-            </a:r>
+              <a:t>What I hope from this course</a:t>
+            </a:r>
+          </a:p>
+        </p:txBody>
+      </p:sp>
+      <p:sp>
+        <p:nvSpPr>
+          <p:cNvPr id="3" name="Content Placeholder 2">
+            <a:extLst>
+              <a:ext uri="{FF2B5EF4-FFF2-40B4-BE49-F238E27FC236}">
+                <a16:creationId xmlns:a16="http://schemas.microsoft.com/office/drawing/2014/main" id="{5A714212-C9C5-4E5E-B6E2-7DA760FB4007}"/>
+              </a:ext>
+            </a:extLst>
+          </p:cNvPr>
+          <p:cNvSpPr>
+            <a:spLocks noGrp="1"/>
+          </p:cNvSpPr>
+          <p:nvPr>
+            <p:ph idx="1"/>
+          </p:nvPr>
+        </p:nvSpPr>
+        <p:spPr/>
+        <p:txBody>
+          <a:bodyPr/>
+          <a:lstStyle/>
+          <a:p>
+            <a:r>
+              <a:rPr lang="da-DK" dirty="0"/>
+              <a:t>Have fun!</a:t>
+            </a:r>
+          </a:p>
+          <a:p>
+            <a:r>
+              <a:rPr lang="da-DK" dirty="0"/>
+              <a:t>Playing around with the different frameworks</a:t>
+            </a:r>
+          </a:p>
+          <a:p>
+            <a:r>
+              <a:rPr lang="da-DK" dirty="0"/>
+              <a:t>Maybe learn something along the way</a:t>
+            </a:r>
+          </a:p>
+          <a:p>
+            <a:endParaRPr lang="da-DK" dirty="0"/>
           </a:p>
         </p:txBody>
       </p:sp>
@@ -6662,7 +7979,7 @@
           <p:cNvPr id="4" name="Date Placeholder 3">
             <a:extLst>
               <a:ext uri="{FF2B5EF4-FFF2-40B4-BE49-F238E27FC236}">
-                <a16:creationId xmlns:a16="http://schemas.microsoft.com/office/drawing/2014/main" id="{6F8F8643-BC00-42A1-9723-B745437A984F}"/>
+                <a16:creationId xmlns:a16="http://schemas.microsoft.com/office/drawing/2014/main" id="{9A28C272-D2F1-43E9-B720-BF76E7F5A6CB}"/>
               </a:ext>
             </a:extLst>
           </p:cNvPr>
@@ -6680,7 +7997,7 @@
           <a:p>
             <a:fld id="{019E29B9-5584-4737-9C98-1B926378C778}" type="datetime1">
               <a:rPr lang="en-US" smtClean="0"/>
-              <a:t>5/6/2021</a:t>
+              <a:t>5/13/2021</a:t>
             </a:fld>
             <a:endParaRPr lang="da-DK"/>
           </a:p>
@@ -6691,7 +8008,7 @@
           <p:cNvPr id="5" name="Footer Placeholder 4">
             <a:extLst>
               <a:ext uri="{FF2B5EF4-FFF2-40B4-BE49-F238E27FC236}">
-                <a16:creationId xmlns:a16="http://schemas.microsoft.com/office/drawing/2014/main" id="{7F6747D3-8B4C-43D1-94B5-2BF43D7FCA58}"/>
+                <a16:creationId xmlns:a16="http://schemas.microsoft.com/office/drawing/2014/main" id="{00FF9D94-0995-4FC0-8017-B5A5473D8455}"/>
               </a:ext>
             </a:extLst>
           </p:cNvPr>
@@ -6719,7 +8036,7 @@
           <p:cNvPr id="6" name="Slide Number Placeholder 5">
             <a:extLst>
               <a:ext uri="{FF2B5EF4-FFF2-40B4-BE49-F238E27FC236}">
-                <a16:creationId xmlns:a16="http://schemas.microsoft.com/office/drawing/2014/main" id="{CC6726FE-8275-418C-AD9E-E8EABBB18C8F}"/>
+                <a16:creationId xmlns:a16="http://schemas.microsoft.com/office/drawing/2014/main" id="{E69D3D1A-AD74-43F9-855F-204AAADD1D5B}"/>
               </a:ext>
             </a:extLst>
           </p:cNvPr>
@@ -6743,10 +8060,82 @@
           </a:p>
         </p:txBody>
       </p:sp>
+      <p:pic>
+        <p:nvPicPr>
+          <p:cNvPr id="10" name="Picture 9" descr="Text&#10;&#10;Description automatically generated">
+            <a:extLst>
+              <a:ext uri="{FF2B5EF4-FFF2-40B4-BE49-F238E27FC236}">
+                <a16:creationId xmlns:a16="http://schemas.microsoft.com/office/drawing/2014/main" id="{E5D700B5-0070-4043-955F-48585289ACD9}"/>
+              </a:ext>
+            </a:extLst>
+          </p:cNvPr>
+          <p:cNvPicPr>
+            <a:picLocks noChangeAspect="1"/>
+          </p:cNvPicPr>
+          <p:nvPr/>
+        </p:nvPicPr>
+        <p:blipFill>
+          <a:blip r:embed="rId2">
+            <a:extLst>
+              <a:ext uri="{28A0092B-C50C-407E-A947-70E740481C1C}">
+                <a14:useLocalDpi xmlns:a14="http://schemas.microsoft.com/office/drawing/2010/main" val="0"/>
+              </a:ext>
+            </a:extLst>
+          </a:blip>
+          <a:stretch>
+            <a:fillRect/>
+          </a:stretch>
+        </p:blipFill>
+        <p:spPr>
+          <a:xfrm>
+            <a:off x="8722257" y="1885950"/>
+            <a:ext cx="2888717" cy="4019550"/>
+          </a:xfrm>
+          <a:prstGeom prst="rect">
+            <a:avLst/>
+          </a:prstGeom>
+        </p:spPr>
+      </p:pic>
+      <p:pic>
+        <p:nvPicPr>
+          <p:cNvPr id="12" name="Picture 11" descr="A picture containing text, person&#10;&#10;Description automatically generated">
+            <a:extLst>
+              <a:ext uri="{FF2B5EF4-FFF2-40B4-BE49-F238E27FC236}">
+                <a16:creationId xmlns:a16="http://schemas.microsoft.com/office/drawing/2014/main" id="{42C76B51-AD8B-4C1F-92E4-F61168510C06}"/>
+              </a:ext>
+            </a:extLst>
+          </p:cNvPr>
+          <p:cNvPicPr>
+            <a:picLocks noChangeAspect="1"/>
+          </p:cNvPicPr>
+          <p:nvPr/>
+        </p:nvPicPr>
+        <p:blipFill>
+          <a:blip r:embed="rId3">
+            <a:extLst>
+              <a:ext uri="{28A0092B-C50C-407E-A947-70E740481C1C}">
+                <a14:useLocalDpi xmlns:a14="http://schemas.microsoft.com/office/drawing/2010/main" val="0"/>
+              </a:ext>
+            </a:extLst>
+          </a:blip>
+          <a:stretch>
+            <a:fillRect/>
+          </a:stretch>
+        </p:blipFill>
+        <p:spPr>
+          <a:xfrm>
+            <a:off x="2052354" y="3043237"/>
+            <a:ext cx="4443696" cy="2862263"/>
+          </a:xfrm>
+          <a:prstGeom prst="rect">
+            <a:avLst/>
+          </a:prstGeom>
+        </p:spPr>
+      </p:pic>
     </p:spTree>
     <p:extLst>
       <p:ext uri="{BB962C8B-B14F-4D97-AF65-F5344CB8AC3E}">
-        <p14:creationId xmlns:p14="http://schemas.microsoft.com/office/powerpoint/2010/main" val="2360885756"/>
+        <p14:creationId xmlns:p14="http://schemas.microsoft.com/office/powerpoint/2010/main" val="1496397183"/>
       </p:ext>
     </p:extLst>
   </p:cSld>
@@ -6778,7 +8167,7 @@
           <p:cNvPr id="2" name="Title 1">
             <a:extLst>
               <a:ext uri="{FF2B5EF4-FFF2-40B4-BE49-F238E27FC236}">
-                <a16:creationId xmlns:a16="http://schemas.microsoft.com/office/drawing/2014/main" id="{AFA3FB33-E459-44C2-8C3E-2980164944DF}"/>
+                <a16:creationId xmlns:a16="http://schemas.microsoft.com/office/drawing/2014/main" id="{C2890881-A8F3-4127-9EBC-5AACB76A56E0}"/>
               </a:ext>
             </a:extLst>
           </p:cNvPr>
@@ -6789,7 +8178,12 @@
             <p:ph type="title"/>
           </p:nvPr>
         </p:nvSpPr>
-        <p:spPr/>
+        <p:spPr>
+          <a:xfrm>
+            <a:off x="838200" y="2766218"/>
+            <a:ext cx="10515600" cy="1325563"/>
+          </a:xfrm>
+        </p:spPr>
         <p:txBody>
           <a:bodyPr/>
           <a:lstStyle/>
@@ -6803,35 +8197,10 @@
       </p:sp>
       <p:sp>
         <p:nvSpPr>
-          <p:cNvPr id="3" name="Content Placeholder 2">
-            <a:extLst>
-              <a:ext uri="{FF2B5EF4-FFF2-40B4-BE49-F238E27FC236}">
-                <a16:creationId xmlns:a16="http://schemas.microsoft.com/office/drawing/2014/main" id="{E0F4738D-97BD-4C83-B3F1-645790055083}"/>
-              </a:ext>
-            </a:extLst>
-          </p:cNvPr>
-          <p:cNvSpPr>
-            <a:spLocks noGrp="1"/>
-          </p:cNvSpPr>
-          <p:nvPr>
-            <p:ph idx="1"/>
-          </p:nvPr>
-        </p:nvSpPr>
-        <p:spPr/>
-        <p:txBody>
-          <a:bodyPr/>
-          <a:lstStyle/>
-          <a:p>
-            <a:endParaRPr lang="da-DK"/>
-          </a:p>
-        </p:txBody>
-      </p:sp>
-      <p:sp>
-        <p:nvSpPr>
           <p:cNvPr id="4" name="Date Placeholder 3">
             <a:extLst>
               <a:ext uri="{FF2B5EF4-FFF2-40B4-BE49-F238E27FC236}">
-                <a16:creationId xmlns:a16="http://schemas.microsoft.com/office/drawing/2014/main" id="{8FDE3585-E720-46C0-833E-F175CF8BA031}"/>
+                <a16:creationId xmlns:a16="http://schemas.microsoft.com/office/drawing/2014/main" id="{6F8F8643-BC00-42A1-9723-B745437A984F}"/>
               </a:ext>
             </a:extLst>
           </p:cNvPr>
@@ -6849,7 +8218,7 @@
           <a:p>
             <a:fld id="{019E29B9-5584-4737-9C98-1B926378C778}" type="datetime1">
               <a:rPr lang="en-US" smtClean="0"/>
-              <a:t>5/6/2021</a:t>
+              <a:t>5/13/2021</a:t>
             </a:fld>
             <a:endParaRPr lang="da-DK"/>
           </a:p>
@@ -6860,7 +8229,7 @@
           <p:cNvPr id="5" name="Footer Placeholder 4">
             <a:extLst>
               <a:ext uri="{FF2B5EF4-FFF2-40B4-BE49-F238E27FC236}">
-                <a16:creationId xmlns:a16="http://schemas.microsoft.com/office/drawing/2014/main" id="{767C9310-195E-4210-AADE-3C5DE42CF185}"/>
+                <a16:creationId xmlns:a16="http://schemas.microsoft.com/office/drawing/2014/main" id="{7F6747D3-8B4C-43D1-94B5-2BF43D7FCA58}"/>
               </a:ext>
             </a:extLst>
           </p:cNvPr>
@@ -6888,7 +8257,7 @@
           <p:cNvPr id="6" name="Slide Number Placeholder 5">
             <a:extLst>
               <a:ext uri="{FF2B5EF4-FFF2-40B4-BE49-F238E27FC236}">
-                <a16:creationId xmlns:a16="http://schemas.microsoft.com/office/drawing/2014/main" id="{2B37452C-28B9-4BDA-AAC9-2F25A667A22F}"/>
+                <a16:creationId xmlns:a16="http://schemas.microsoft.com/office/drawing/2014/main" id="{CC6726FE-8275-418C-AD9E-E8EABBB18C8F}"/>
               </a:ext>
             </a:extLst>
           </p:cNvPr>
@@ -6907,6 +8276,175 @@
             <a:fld id="{F6FEDE24-D50C-481B-A7B4-8AF13899101A}" type="slidenum">
               <a:rPr lang="da-DK" smtClean="0"/>
               <a:t>7</a:t>
+            </a:fld>
+            <a:endParaRPr lang="da-DK"/>
+          </a:p>
+        </p:txBody>
+      </p:sp>
+    </p:spTree>
+    <p:extLst>
+      <p:ext uri="{BB962C8B-B14F-4D97-AF65-F5344CB8AC3E}">
+        <p14:creationId xmlns:p14="http://schemas.microsoft.com/office/powerpoint/2010/main" val="2360885756"/>
+      </p:ext>
+    </p:extLst>
+  </p:cSld>
+  <p:clrMapOvr>
+    <a:masterClrMapping/>
+  </p:clrMapOvr>
+</p:sld>
+</file>
+
+<file path=ppt/slides/slide8.xml><?xml version="1.0" encoding="utf-8"?>
+<p:sld xmlns:a="http://schemas.openxmlformats.org/drawingml/2006/main" xmlns:r="http://schemas.openxmlformats.org/officeDocument/2006/relationships" xmlns:p="http://schemas.openxmlformats.org/presentationml/2006/main">
+  <p:cSld>
+    <p:spTree>
+      <p:nvGrpSpPr>
+        <p:cNvPr id="1" name=""/>
+        <p:cNvGrpSpPr/>
+        <p:nvPr/>
+      </p:nvGrpSpPr>
+      <p:grpSpPr>
+        <a:xfrm>
+          <a:off x="0" y="0"/>
+          <a:ext cx="0" cy="0"/>
+          <a:chOff x="0" y="0"/>
+          <a:chExt cx="0" cy="0"/>
+        </a:xfrm>
+      </p:grpSpPr>
+      <p:sp>
+        <p:nvSpPr>
+          <p:cNvPr id="2" name="Title 1">
+            <a:extLst>
+              <a:ext uri="{FF2B5EF4-FFF2-40B4-BE49-F238E27FC236}">
+                <a16:creationId xmlns:a16="http://schemas.microsoft.com/office/drawing/2014/main" id="{AFA3FB33-E459-44C2-8C3E-2980164944DF}"/>
+              </a:ext>
+            </a:extLst>
+          </p:cNvPr>
+          <p:cNvSpPr>
+            <a:spLocks noGrp="1"/>
+          </p:cNvSpPr>
+          <p:nvPr>
+            <p:ph type="title"/>
+          </p:nvPr>
+        </p:nvSpPr>
+        <p:spPr/>
+        <p:txBody>
+          <a:bodyPr/>
+          <a:lstStyle/>
+          <a:p>
+            <a:r>
+              <a:rPr lang="da-DK" dirty="0"/>
+              <a:t>History of deep learning</a:t>
+            </a:r>
+          </a:p>
+        </p:txBody>
+      </p:sp>
+      <p:sp>
+        <p:nvSpPr>
+          <p:cNvPr id="3" name="Content Placeholder 2">
+            <a:extLst>
+              <a:ext uri="{FF2B5EF4-FFF2-40B4-BE49-F238E27FC236}">
+                <a16:creationId xmlns:a16="http://schemas.microsoft.com/office/drawing/2014/main" id="{E0F4738D-97BD-4C83-B3F1-645790055083}"/>
+              </a:ext>
+            </a:extLst>
+          </p:cNvPr>
+          <p:cNvSpPr>
+            <a:spLocks noGrp="1"/>
+          </p:cNvSpPr>
+          <p:nvPr>
+            <p:ph idx="1"/>
+          </p:nvPr>
+        </p:nvSpPr>
+        <p:spPr/>
+        <p:txBody>
+          <a:bodyPr/>
+          <a:lstStyle/>
+          <a:p>
+            <a:endParaRPr lang="da-DK"/>
+          </a:p>
+        </p:txBody>
+      </p:sp>
+      <p:sp>
+        <p:nvSpPr>
+          <p:cNvPr id="4" name="Date Placeholder 3">
+            <a:extLst>
+              <a:ext uri="{FF2B5EF4-FFF2-40B4-BE49-F238E27FC236}">
+                <a16:creationId xmlns:a16="http://schemas.microsoft.com/office/drawing/2014/main" id="{8FDE3585-E720-46C0-833E-F175CF8BA031}"/>
+              </a:ext>
+            </a:extLst>
+          </p:cNvPr>
+          <p:cNvSpPr>
+            <a:spLocks noGrp="1"/>
+          </p:cNvSpPr>
+          <p:nvPr>
+            <p:ph type="dt" sz="half" idx="10"/>
+          </p:nvPr>
+        </p:nvSpPr>
+        <p:spPr/>
+        <p:txBody>
+          <a:bodyPr/>
+          <a:lstStyle/>
+          <a:p>
+            <a:fld id="{019E29B9-5584-4737-9C98-1B926378C778}" type="datetime1">
+              <a:rPr lang="en-US" smtClean="0"/>
+              <a:t>5/13/2021</a:t>
+            </a:fld>
+            <a:endParaRPr lang="da-DK"/>
+          </a:p>
+        </p:txBody>
+      </p:sp>
+      <p:sp>
+        <p:nvSpPr>
+          <p:cNvPr id="5" name="Footer Placeholder 4">
+            <a:extLst>
+              <a:ext uri="{FF2B5EF4-FFF2-40B4-BE49-F238E27FC236}">
+                <a16:creationId xmlns:a16="http://schemas.microsoft.com/office/drawing/2014/main" id="{767C9310-195E-4210-AADE-3C5DE42CF185}"/>
+              </a:ext>
+            </a:extLst>
+          </p:cNvPr>
+          <p:cNvSpPr>
+            <a:spLocks noGrp="1"/>
+          </p:cNvSpPr>
+          <p:nvPr>
+            <p:ph type="ftr" sz="quarter" idx="11"/>
+          </p:nvPr>
+        </p:nvSpPr>
+        <p:spPr/>
+        <p:txBody>
+          <a:bodyPr/>
+          <a:lstStyle/>
+          <a:p>
+            <a:r>
+              <a:rPr lang="da-DK"/>
+              <a:t>Nicki Skafte Detlefsen</a:t>
+            </a:r>
+          </a:p>
+        </p:txBody>
+      </p:sp>
+      <p:sp>
+        <p:nvSpPr>
+          <p:cNvPr id="6" name="Slide Number Placeholder 5">
+            <a:extLst>
+              <a:ext uri="{FF2B5EF4-FFF2-40B4-BE49-F238E27FC236}">
+                <a16:creationId xmlns:a16="http://schemas.microsoft.com/office/drawing/2014/main" id="{2B37452C-28B9-4BDA-AAC9-2F25A667A22F}"/>
+              </a:ext>
+            </a:extLst>
+          </p:cNvPr>
+          <p:cNvSpPr>
+            <a:spLocks noGrp="1"/>
+          </p:cNvSpPr>
+          <p:nvPr>
+            <p:ph type="sldNum" sz="quarter" idx="12"/>
+          </p:nvPr>
+        </p:nvSpPr>
+        <p:spPr/>
+        <p:txBody>
+          <a:bodyPr/>
+          <a:lstStyle/>
+          <a:p>
+            <a:fld id="{F6FEDE24-D50C-481B-A7B4-8AF13899101A}" type="slidenum">
+              <a:rPr lang="da-DK" smtClean="0"/>
+              <a:t>8</a:t>
             </a:fld>
             <a:endParaRPr lang="da-DK"/>
           </a:p>
@@ -6955,7 +8493,7 @@
 </p:sld>
 </file>
 
-<file path=ppt/slides/slide8.xml><?xml version="1.0" encoding="utf-8"?>
+<file path=ppt/slides/slide9.xml><?xml version="1.0" encoding="utf-8"?>
 <p:sld xmlns:a="http://schemas.openxmlformats.org/drawingml/2006/main" xmlns:r="http://schemas.openxmlformats.org/officeDocument/2006/relationships" xmlns:p="http://schemas.openxmlformats.org/presentationml/2006/main">
   <p:cSld>
     <p:bg>
@@ -7038,7 +8576,7 @@
         </p:blipFill>
         <p:spPr>
           <a:xfrm>
-            <a:off x="2479807" y="1343025"/>
+            <a:off x="4569870" y="1343025"/>
             <a:ext cx="7232385" cy="4833938"/>
           </a:xfrm>
         </p:spPr>
@@ -7066,7 +8604,7 @@
           <a:p>
             <a:fld id="{0DE03C17-2118-466B-9E30-BC2A82864501}" type="datetime1">
               <a:rPr lang="en-US" smtClean="0"/>
-              <a:t>5/6/2021</a:t>
+              <a:t>5/13/2021</a:t>
             </a:fld>
             <a:endParaRPr lang="da-DK"/>
           </a:p>
@@ -7078,178 +8616,6 @@
             <a:extLst>
               <a:ext uri="{FF2B5EF4-FFF2-40B4-BE49-F238E27FC236}">
                 <a16:creationId xmlns:a16="http://schemas.microsoft.com/office/drawing/2014/main" id="{F22AB04B-B5F7-47D0-B9D7-674DB1073AB4}"/>
-              </a:ext>
-            </a:extLst>
-          </p:cNvPr>
-          <p:cNvSpPr>
-            <a:spLocks noGrp="1"/>
-          </p:cNvSpPr>
-          <p:nvPr>
-            <p:ph type="sldNum" sz="quarter" idx="12"/>
-          </p:nvPr>
-        </p:nvSpPr>
-        <p:spPr/>
-        <p:txBody>
-          <a:bodyPr/>
-          <a:lstStyle/>
-          <a:p>
-            <a:fld id="{F6FEDE24-D50C-481B-A7B4-8AF13899101A}" type="slidenum">
-              <a:rPr lang="da-DK" smtClean="0"/>
-              <a:t>8</a:t>
-            </a:fld>
-            <a:endParaRPr lang="da-DK"/>
-          </a:p>
-        </p:txBody>
-      </p:sp>
-      <p:sp>
-        <p:nvSpPr>
-          <p:cNvPr id="6" name="Footer Placeholder 5">
-            <a:extLst>
-              <a:ext uri="{FF2B5EF4-FFF2-40B4-BE49-F238E27FC236}">
-                <a16:creationId xmlns:a16="http://schemas.microsoft.com/office/drawing/2014/main" id="{69DB3193-F603-411B-B7EF-1217FBFED035}"/>
-              </a:ext>
-            </a:extLst>
-          </p:cNvPr>
-          <p:cNvSpPr>
-            <a:spLocks noGrp="1"/>
-          </p:cNvSpPr>
-          <p:nvPr>
-            <p:ph type="ftr" sz="quarter" idx="11"/>
-          </p:nvPr>
-        </p:nvSpPr>
-        <p:spPr/>
-        <p:txBody>
-          <a:bodyPr/>
-          <a:lstStyle/>
-          <a:p>
-            <a:r>
-              <a:rPr lang="da-DK"/>
-              <a:t>Nicki Skafte Detlefsen</a:t>
-            </a:r>
-          </a:p>
-        </p:txBody>
-      </p:sp>
-    </p:spTree>
-    <p:extLst>
-      <p:ext uri="{BB962C8B-B14F-4D97-AF65-F5344CB8AC3E}">
-        <p14:creationId xmlns:p14="http://schemas.microsoft.com/office/powerpoint/2010/main" val="805747189"/>
-      </p:ext>
-    </p:extLst>
-  </p:cSld>
-  <p:clrMapOvr>
-    <a:masterClrMapping/>
-  </p:clrMapOvr>
-</p:sld>
-</file>
-
-<file path=ppt/slides/slide9.xml><?xml version="1.0" encoding="utf-8"?>
-<p:sld xmlns:a="http://schemas.openxmlformats.org/drawingml/2006/main" xmlns:r="http://schemas.openxmlformats.org/officeDocument/2006/relationships" xmlns:p="http://schemas.openxmlformats.org/presentationml/2006/main">
-  <p:cSld>
-    <p:spTree>
-      <p:nvGrpSpPr>
-        <p:cNvPr id="1" name=""/>
-        <p:cNvGrpSpPr/>
-        <p:nvPr/>
-      </p:nvGrpSpPr>
-      <p:grpSpPr>
-        <a:xfrm>
-          <a:off x="0" y="0"/>
-          <a:ext cx="0" cy="0"/>
-          <a:chOff x="0" y="0"/>
-          <a:chExt cx="0" cy="0"/>
-        </a:xfrm>
-      </p:grpSpPr>
-      <p:sp>
-        <p:nvSpPr>
-          <p:cNvPr id="2" name="Title 1">
-            <a:extLst>
-              <a:ext uri="{FF2B5EF4-FFF2-40B4-BE49-F238E27FC236}">
-                <a16:creationId xmlns:a16="http://schemas.microsoft.com/office/drawing/2014/main" id="{81497318-FC28-4911-B129-D1F77AA1B4F6}"/>
-              </a:ext>
-            </a:extLst>
-          </p:cNvPr>
-          <p:cNvSpPr>
-            <a:spLocks noGrp="1"/>
-          </p:cNvSpPr>
-          <p:nvPr>
-            <p:ph type="title"/>
-          </p:nvPr>
-        </p:nvSpPr>
-        <p:spPr/>
-        <p:txBody>
-          <a:bodyPr/>
-          <a:lstStyle/>
-          <a:p>
-            <a:r>
-              <a:rPr lang="da-DK" dirty="0"/>
-              <a:t>What has changed?</a:t>
-            </a:r>
-          </a:p>
-        </p:txBody>
-      </p:sp>
-      <p:sp>
-        <p:nvSpPr>
-          <p:cNvPr id="4" name="Date Placeholder 3">
-            <a:extLst>
-              <a:ext uri="{FF2B5EF4-FFF2-40B4-BE49-F238E27FC236}">
-                <a16:creationId xmlns:a16="http://schemas.microsoft.com/office/drawing/2014/main" id="{DAEFEB3D-1C42-463F-B2E7-4D2CB68294AC}"/>
-              </a:ext>
-            </a:extLst>
-          </p:cNvPr>
-          <p:cNvSpPr>
-            <a:spLocks noGrp="1"/>
-          </p:cNvSpPr>
-          <p:nvPr>
-            <p:ph type="dt" sz="half" idx="10"/>
-          </p:nvPr>
-        </p:nvSpPr>
-        <p:spPr/>
-        <p:txBody>
-          <a:bodyPr/>
-          <a:lstStyle/>
-          <a:p>
-            <a:fld id="{019E29B9-5584-4737-9C98-1B926378C778}" type="datetime1">
-              <a:rPr lang="en-US" smtClean="0"/>
-              <a:t>5/6/2021</a:t>
-            </a:fld>
-            <a:endParaRPr lang="da-DK"/>
-          </a:p>
-        </p:txBody>
-      </p:sp>
-      <p:sp>
-        <p:nvSpPr>
-          <p:cNvPr id="5" name="Footer Placeholder 4">
-            <a:extLst>
-              <a:ext uri="{FF2B5EF4-FFF2-40B4-BE49-F238E27FC236}">
-                <a16:creationId xmlns:a16="http://schemas.microsoft.com/office/drawing/2014/main" id="{20DB3BB7-83AD-4B1A-A3B9-CD0845CF77A5}"/>
-              </a:ext>
-            </a:extLst>
-          </p:cNvPr>
-          <p:cNvSpPr>
-            <a:spLocks noGrp="1"/>
-          </p:cNvSpPr>
-          <p:nvPr>
-            <p:ph type="ftr" sz="quarter" idx="11"/>
-          </p:nvPr>
-        </p:nvSpPr>
-        <p:spPr/>
-        <p:txBody>
-          <a:bodyPr/>
-          <a:lstStyle/>
-          <a:p>
-            <a:r>
-              <a:rPr lang="da-DK"/>
-              <a:t>Nicki Skafte Detlefsen</a:t>
-            </a:r>
-          </a:p>
-        </p:txBody>
-      </p:sp>
-      <p:sp>
-        <p:nvSpPr>
-          <p:cNvPr id="6" name="Slide Number Placeholder 5">
-            <a:extLst>
-              <a:ext uri="{FF2B5EF4-FFF2-40B4-BE49-F238E27FC236}">
-                <a16:creationId xmlns:a16="http://schemas.microsoft.com/office/drawing/2014/main" id="{D4D6810B-0AEC-4CC3-8F2F-28833D36EA46}"/>
               </a:ext>
             </a:extLst>
           </p:cNvPr>
@@ -7275,602 +8641,72 @@
       </p:sp>
       <p:sp>
         <p:nvSpPr>
-          <p:cNvPr id="7" name="Oval 6">
-            <a:extLst>
-              <a:ext uri="{FF2B5EF4-FFF2-40B4-BE49-F238E27FC236}">
-                <a16:creationId xmlns:a16="http://schemas.microsoft.com/office/drawing/2014/main" id="{9EC0629C-3EBF-4373-8245-0C3A6695D7E8}"/>
-              </a:ext>
-            </a:extLst>
-          </p:cNvPr>
-          <p:cNvSpPr/>
+          <p:cNvPr id="6" name="Footer Placeholder 5">
+            <a:extLst>
+              <a:ext uri="{FF2B5EF4-FFF2-40B4-BE49-F238E27FC236}">
+                <a16:creationId xmlns:a16="http://schemas.microsoft.com/office/drawing/2014/main" id="{69DB3193-F603-411B-B7EF-1217FBFED035}"/>
+              </a:ext>
+            </a:extLst>
+          </p:cNvPr>
+          <p:cNvSpPr>
+            <a:spLocks noGrp="1"/>
+          </p:cNvSpPr>
+          <p:nvPr>
+            <p:ph type="ftr" sz="quarter" idx="11"/>
+          </p:nvPr>
+        </p:nvSpPr>
+        <p:spPr/>
+        <p:txBody>
+          <a:bodyPr/>
+          <a:lstStyle/>
+          <a:p>
+            <a:r>
+              <a:rPr lang="da-DK"/>
+              <a:t>Nicki Skafte Detlefsen</a:t>
+            </a:r>
+          </a:p>
+        </p:txBody>
+      </p:sp>
+      <p:pic>
+        <p:nvPicPr>
+          <p:cNvPr id="7" name="Picture 6" descr="A picture containing many, shop, sale&#10;&#10;Description automatically generated">
+            <a:extLst>
+              <a:ext uri="{FF2B5EF4-FFF2-40B4-BE49-F238E27FC236}">
+                <a16:creationId xmlns:a16="http://schemas.microsoft.com/office/drawing/2014/main" id="{D5C757DC-5D31-4C1D-B4A2-F516DDE7A940}"/>
+              </a:ext>
+            </a:extLst>
+          </p:cNvPr>
+          <p:cNvPicPr>
+            <a:picLocks noChangeAspect="1"/>
+          </p:cNvPicPr>
           <p:nvPr/>
-        </p:nvSpPr>
+        </p:nvPicPr>
+        <p:blipFill>
+          <a:blip r:embed="rId3">
+            <a:extLst>
+              <a:ext uri="{28A0092B-C50C-407E-A947-70E740481C1C}">
+                <a14:useLocalDpi xmlns:a14="http://schemas.microsoft.com/office/drawing/2010/main" val="0"/>
+              </a:ext>
+            </a:extLst>
+          </a:blip>
+          <a:stretch>
+            <a:fillRect/>
+          </a:stretch>
+        </p:blipFill>
         <p:spPr>
           <a:xfrm>
-            <a:off x="744518" y="2214522"/>
-            <a:ext cx="1800000" cy="1800000"/>
-          </a:xfrm>
-          <a:prstGeom prst="ellipse">
-            <a:avLst/>
-          </a:prstGeom>
-        </p:spPr>
-        <p:style>
-          <a:lnRef idx="2">
-            <a:schemeClr val="accent1">
-              <a:shade val="50000"/>
-            </a:schemeClr>
-          </a:lnRef>
-          <a:fillRef idx="1">
-            <a:schemeClr val="accent1"/>
-          </a:fillRef>
-          <a:effectRef idx="0">
-            <a:schemeClr val="accent1"/>
-          </a:effectRef>
-          <a:fontRef idx="minor">
-            <a:schemeClr val="lt1"/>
-          </a:fontRef>
-        </p:style>
-        <p:txBody>
-          <a:bodyPr rtlCol="0" anchor="ctr"/>
-          <a:lstStyle/>
-          <a:p>
-            <a:pPr algn="ctr"/>
-            <a:r>
-              <a:rPr lang="da-DK" dirty="0"/>
-              <a:t>Big Data</a:t>
-            </a:r>
-          </a:p>
-        </p:txBody>
-      </p:sp>
-      <p:sp>
-        <p:nvSpPr>
-          <p:cNvPr id="8" name="Oval 7">
-            <a:extLst>
-              <a:ext uri="{FF2B5EF4-FFF2-40B4-BE49-F238E27FC236}">
-                <a16:creationId xmlns:a16="http://schemas.microsoft.com/office/drawing/2014/main" id="{55342872-E60A-4BC6-BB50-9978AC9720D6}"/>
-              </a:ext>
-            </a:extLst>
-          </p:cNvPr>
-          <p:cNvSpPr/>
-          <p:nvPr/>
-        </p:nvSpPr>
-        <p:spPr>
-          <a:xfrm>
-            <a:off x="2872806" y="2214522"/>
-            <a:ext cx="1800000" cy="1800000"/>
-          </a:xfrm>
-          <a:prstGeom prst="ellipse">
-            <a:avLst/>
-          </a:prstGeom>
-        </p:spPr>
-        <p:style>
-          <a:lnRef idx="2">
-            <a:schemeClr val="accent1">
-              <a:shade val="50000"/>
-            </a:schemeClr>
-          </a:lnRef>
-          <a:fillRef idx="1">
-            <a:schemeClr val="accent1"/>
-          </a:fillRef>
-          <a:effectRef idx="0">
-            <a:schemeClr val="accent1"/>
-          </a:effectRef>
-          <a:fontRef idx="minor">
-            <a:schemeClr val="lt1"/>
-          </a:fontRef>
-        </p:style>
-        <p:txBody>
-          <a:bodyPr rtlCol="0" anchor="ctr"/>
-          <a:lstStyle/>
-          <a:p>
-            <a:pPr algn="ctr"/>
-            <a:r>
-              <a:rPr lang="da-DK" dirty="0"/>
-              <a:t>Hardware</a:t>
-            </a:r>
-          </a:p>
-        </p:txBody>
-      </p:sp>
-      <p:sp>
-        <p:nvSpPr>
-          <p:cNvPr id="9" name="Oval 8">
-            <a:extLst>
-              <a:ext uri="{FF2B5EF4-FFF2-40B4-BE49-F238E27FC236}">
-                <a16:creationId xmlns:a16="http://schemas.microsoft.com/office/drawing/2014/main" id="{37B499A6-6048-47E6-9F71-BF24B9C96791}"/>
-              </a:ext>
-            </a:extLst>
-          </p:cNvPr>
-          <p:cNvSpPr/>
-          <p:nvPr/>
-        </p:nvSpPr>
-        <p:spPr>
-          <a:xfrm>
-            <a:off x="5001094" y="2172216"/>
-            <a:ext cx="1800000" cy="1800000"/>
-          </a:xfrm>
-          <a:prstGeom prst="ellipse">
-            <a:avLst/>
-          </a:prstGeom>
-        </p:spPr>
-        <p:style>
-          <a:lnRef idx="2">
-            <a:schemeClr val="accent1">
-              <a:shade val="50000"/>
-            </a:schemeClr>
-          </a:lnRef>
-          <a:fillRef idx="1">
-            <a:schemeClr val="accent1"/>
-          </a:fillRef>
-          <a:effectRef idx="0">
-            <a:schemeClr val="accent1"/>
-          </a:effectRef>
-          <a:fontRef idx="minor">
-            <a:schemeClr val="lt1"/>
-          </a:fontRef>
-        </p:style>
-        <p:txBody>
-          <a:bodyPr rtlCol="0" anchor="ctr"/>
-          <a:lstStyle/>
-          <a:p>
-            <a:pPr algn="ctr"/>
-            <a:r>
-              <a:rPr lang="da-DK" dirty="0"/>
-              <a:t>Deep</a:t>
-            </a:r>
-          </a:p>
-        </p:txBody>
-      </p:sp>
-      <p:sp>
-        <p:nvSpPr>
-          <p:cNvPr id="10" name="Oval 9">
-            <a:extLst>
-              <a:ext uri="{FF2B5EF4-FFF2-40B4-BE49-F238E27FC236}">
-                <a16:creationId xmlns:a16="http://schemas.microsoft.com/office/drawing/2014/main" id="{3EC5B04C-3675-451A-A946-32616FDE598F}"/>
-              </a:ext>
-            </a:extLst>
-          </p:cNvPr>
-          <p:cNvSpPr/>
-          <p:nvPr/>
-        </p:nvSpPr>
-        <p:spPr>
-          <a:xfrm>
-            <a:off x="7129382" y="2172216"/>
-            <a:ext cx="1800000" cy="1800000"/>
-          </a:xfrm>
-          <a:prstGeom prst="ellipse">
-            <a:avLst/>
-          </a:prstGeom>
-        </p:spPr>
-        <p:style>
-          <a:lnRef idx="2">
-            <a:schemeClr val="accent1">
-              <a:shade val="50000"/>
-            </a:schemeClr>
-          </a:lnRef>
-          <a:fillRef idx="1">
-            <a:schemeClr val="accent1"/>
-          </a:fillRef>
-          <a:effectRef idx="0">
-            <a:schemeClr val="accent1"/>
-          </a:effectRef>
-          <a:fontRef idx="minor">
-            <a:schemeClr val="lt1"/>
-          </a:fontRef>
-        </p:style>
-        <p:txBody>
-          <a:bodyPr rtlCol="0" anchor="ctr"/>
-          <a:lstStyle/>
-          <a:p>
-            <a:pPr algn="ctr"/>
-            <a:r>
-              <a:rPr lang="da-DK" dirty="0"/>
-              <a:t>Hype</a:t>
-            </a:r>
-          </a:p>
-        </p:txBody>
-      </p:sp>
-      <p:sp>
-        <p:nvSpPr>
-          <p:cNvPr id="11" name="TextBox 10">
-            <a:extLst>
-              <a:ext uri="{FF2B5EF4-FFF2-40B4-BE49-F238E27FC236}">
-                <a16:creationId xmlns:a16="http://schemas.microsoft.com/office/drawing/2014/main" id="{66BE1890-C681-4EF6-91CB-E88405C7A6C8}"/>
-              </a:ext>
-            </a:extLst>
-          </p:cNvPr>
-          <p:cNvSpPr txBox="1"/>
-          <p:nvPr/>
-        </p:nvSpPr>
-        <p:spPr>
-          <a:xfrm>
-            <a:off x="870353" y="4127212"/>
-            <a:ext cx="1426128" cy="646331"/>
+            <a:off x="167172" y="1276014"/>
+            <a:ext cx="4310743" cy="4310743"/>
           </a:xfrm>
           <a:prstGeom prst="rect">
             <a:avLst/>
           </a:prstGeom>
-          <a:noFill/>
         </p:spPr>
-        <p:txBody>
-          <a:bodyPr wrap="square" rtlCol="0">
-            <a:spAutoFit/>
-          </a:bodyPr>
-          <a:lstStyle/>
-          <a:p>
-            <a:r>
-              <a:rPr lang="da-DK" dirty="0"/>
-              <a:t>Models can generalize</a:t>
-            </a:r>
-          </a:p>
-        </p:txBody>
-      </p:sp>
-      <p:sp>
-        <p:nvSpPr>
-          <p:cNvPr id="12" name="TextBox 11">
-            <a:extLst>
-              <a:ext uri="{FF2B5EF4-FFF2-40B4-BE49-F238E27FC236}">
-                <a16:creationId xmlns:a16="http://schemas.microsoft.com/office/drawing/2014/main" id="{8CA6F35D-8FA4-48A0-BA2F-573EB45C9729}"/>
-              </a:ext>
-            </a:extLst>
-          </p:cNvPr>
-          <p:cNvSpPr txBox="1"/>
-          <p:nvPr/>
-        </p:nvSpPr>
-        <p:spPr>
-          <a:xfrm>
-            <a:off x="3312947" y="4127211"/>
-            <a:ext cx="1426128" cy="646331"/>
-          </a:xfrm>
-          <a:prstGeom prst="rect">
-            <a:avLst/>
-          </a:prstGeom>
-          <a:noFill/>
-        </p:spPr>
-        <p:txBody>
-          <a:bodyPr wrap="square" rtlCol="0">
-            <a:spAutoFit/>
-          </a:bodyPr>
-          <a:lstStyle/>
-          <a:p>
-            <a:r>
-              <a:rPr lang="da-DK" dirty="0"/>
-              <a:t>Models are trainable</a:t>
-            </a:r>
-          </a:p>
-        </p:txBody>
-      </p:sp>
-      <p:sp>
-        <p:nvSpPr>
-          <p:cNvPr id="13" name="TextBox 12">
-            <a:extLst>
-              <a:ext uri="{FF2B5EF4-FFF2-40B4-BE49-F238E27FC236}">
-                <a16:creationId xmlns:a16="http://schemas.microsoft.com/office/drawing/2014/main" id="{BE07B5FA-1245-4C5E-92FB-4658A181EA63}"/>
-              </a:ext>
-            </a:extLst>
-          </p:cNvPr>
-          <p:cNvSpPr txBox="1"/>
-          <p:nvPr/>
-        </p:nvSpPr>
-        <p:spPr>
-          <a:xfrm>
-            <a:off x="5374966" y="4127210"/>
-            <a:ext cx="1426128" cy="646331"/>
-          </a:xfrm>
-          <a:prstGeom prst="rect">
-            <a:avLst/>
-          </a:prstGeom>
-          <a:noFill/>
-        </p:spPr>
-        <p:txBody>
-          <a:bodyPr wrap="square" rtlCol="0">
-            <a:spAutoFit/>
-          </a:bodyPr>
-          <a:lstStyle/>
-          <a:p>
-            <a:r>
-              <a:rPr lang="da-DK" dirty="0"/>
-              <a:t>Models are complex</a:t>
-            </a:r>
-          </a:p>
-        </p:txBody>
-      </p:sp>
-      <p:sp>
-        <p:nvSpPr>
-          <p:cNvPr id="14" name="TextBox 13">
-            <a:extLst>
-              <a:ext uri="{FF2B5EF4-FFF2-40B4-BE49-F238E27FC236}">
-                <a16:creationId xmlns:a16="http://schemas.microsoft.com/office/drawing/2014/main" id="{16399E68-47B4-47B0-8756-3460529D272A}"/>
-              </a:ext>
-            </a:extLst>
-          </p:cNvPr>
-          <p:cNvSpPr txBox="1"/>
-          <p:nvPr/>
-        </p:nvSpPr>
-        <p:spPr>
-          <a:xfrm>
-            <a:off x="7503254" y="4127210"/>
-            <a:ext cx="1426128" cy="646331"/>
-          </a:xfrm>
-          <a:prstGeom prst="rect">
-            <a:avLst/>
-          </a:prstGeom>
-          <a:noFill/>
-        </p:spPr>
-        <p:txBody>
-          <a:bodyPr wrap="square" rtlCol="0">
-            <a:spAutoFit/>
-          </a:bodyPr>
-          <a:lstStyle/>
-          <a:p>
-            <a:r>
-              <a:rPr lang="da-DK" dirty="0"/>
-              <a:t>Attacts more people</a:t>
-            </a:r>
-          </a:p>
-        </p:txBody>
-      </p:sp>
-      <p:sp>
-        <p:nvSpPr>
-          <p:cNvPr id="15" name="Oval 14">
-            <a:extLst>
-              <a:ext uri="{FF2B5EF4-FFF2-40B4-BE49-F238E27FC236}">
-                <a16:creationId xmlns:a16="http://schemas.microsoft.com/office/drawing/2014/main" id="{73AF4A8E-5D6B-499E-8CA4-485EB75D80A6}"/>
-              </a:ext>
-            </a:extLst>
-          </p:cNvPr>
-          <p:cNvSpPr/>
-          <p:nvPr/>
-        </p:nvSpPr>
-        <p:spPr>
-          <a:xfrm>
-            <a:off x="9257670" y="2172216"/>
-            <a:ext cx="1800000" cy="1800000"/>
-          </a:xfrm>
-          <a:prstGeom prst="ellipse">
-            <a:avLst/>
-          </a:prstGeom>
-        </p:spPr>
-        <p:style>
-          <a:lnRef idx="2">
-            <a:schemeClr val="accent1">
-              <a:shade val="50000"/>
-            </a:schemeClr>
-          </a:lnRef>
-          <a:fillRef idx="1">
-            <a:schemeClr val="accent1"/>
-          </a:fillRef>
-          <a:effectRef idx="0">
-            <a:schemeClr val="accent1"/>
-          </a:effectRef>
-          <a:fontRef idx="minor">
-            <a:schemeClr val="lt1"/>
-          </a:fontRef>
-        </p:style>
-        <p:txBody>
-          <a:bodyPr rtlCol="0" anchor="ctr"/>
-          <a:lstStyle/>
-          <a:p>
-            <a:pPr algn="ctr"/>
-            <a:r>
-              <a:rPr lang="da-DK" dirty="0"/>
-              <a:t>Software</a:t>
-            </a:r>
-          </a:p>
-        </p:txBody>
-      </p:sp>
-      <p:sp>
-        <p:nvSpPr>
-          <p:cNvPr id="16" name="TextBox 15">
-            <a:extLst>
-              <a:ext uri="{FF2B5EF4-FFF2-40B4-BE49-F238E27FC236}">
-                <a16:creationId xmlns:a16="http://schemas.microsoft.com/office/drawing/2014/main" id="{21C21F75-6D95-4BA7-BDCA-9471A09EF3A5}"/>
-              </a:ext>
-            </a:extLst>
-          </p:cNvPr>
-          <p:cNvSpPr txBox="1"/>
-          <p:nvPr/>
-        </p:nvSpPr>
-        <p:spPr>
-          <a:xfrm>
-            <a:off x="9444606" y="4127210"/>
-            <a:ext cx="1426128" cy="646331"/>
-          </a:xfrm>
-          <a:prstGeom prst="rect">
-            <a:avLst/>
-          </a:prstGeom>
-          <a:noFill/>
-        </p:spPr>
-        <p:txBody>
-          <a:bodyPr wrap="square" rtlCol="0">
-            <a:spAutoFit/>
-          </a:bodyPr>
-          <a:lstStyle/>
-          <a:p>
-            <a:r>
-              <a:rPr lang="da-DK" dirty="0"/>
-              <a:t>Models are easy to code</a:t>
-            </a:r>
-          </a:p>
-        </p:txBody>
-      </p:sp>
-      <p:sp>
-        <p:nvSpPr>
-          <p:cNvPr id="3" name="Rectangle 2">
-            <a:extLst>
-              <a:ext uri="{FF2B5EF4-FFF2-40B4-BE49-F238E27FC236}">
-                <a16:creationId xmlns:a16="http://schemas.microsoft.com/office/drawing/2014/main" id="{9D4F7AA3-35FF-45F8-A861-F9B7D7478D2C}"/>
-              </a:ext>
-            </a:extLst>
-          </p:cNvPr>
-          <p:cNvSpPr/>
-          <p:nvPr/>
-        </p:nvSpPr>
-        <p:spPr>
-          <a:xfrm>
-            <a:off x="494950" y="1619075"/>
-            <a:ext cx="6493080" cy="3456264"/>
-          </a:xfrm>
-          <a:prstGeom prst="rect">
-            <a:avLst/>
-          </a:prstGeom>
-          <a:noFill/>
-          <a:ln w="38100">
-            <a:solidFill>
-              <a:schemeClr val="tx1"/>
-            </a:solidFill>
-          </a:ln>
-        </p:spPr>
-        <p:style>
-          <a:lnRef idx="2">
-            <a:schemeClr val="accent1">
-              <a:shade val="50000"/>
-            </a:schemeClr>
-          </a:lnRef>
-          <a:fillRef idx="1">
-            <a:schemeClr val="accent1"/>
-          </a:fillRef>
-          <a:effectRef idx="0">
-            <a:schemeClr val="accent1"/>
-          </a:effectRef>
-          <a:fontRef idx="minor">
-            <a:schemeClr val="lt1"/>
-          </a:fontRef>
-        </p:style>
-        <p:txBody>
-          <a:bodyPr rtlCol="0" anchor="ctr"/>
-          <a:lstStyle/>
-          <a:p>
-            <a:pPr algn="ctr"/>
-            <a:endParaRPr lang="da-DK"/>
-          </a:p>
-        </p:txBody>
-      </p:sp>
-      <p:sp>
-        <p:nvSpPr>
-          <p:cNvPr id="17" name="Rectangle 16">
-            <a:extLst>
-              <a:ext uri="{FF2B5EF4-FFF2-40B4-BE49-F238E27FC236}">
-                <a16:creationId xmlns:a16="http://schemas.microsoft.com/office/drawing/2014/main" id="{0D8859F1-7253-4F52-AF22-8805521FD547}"/>
-              </a:ext>
-            </a:extLst>
-          </p:cNvPr>
-          <p:cNvSpPr/>
-          <p:nvPr/>
-        </p:nvSpPr>
-        <p:spPr>
-          <a:xfrm>
-            <a:off x="7050662" y="1619075"/>
-            <a:ext cx="4114800" cy="3456264"/>
-          </a:xfrm>
-          <a:prstGeom prst="rect">
-            <a:avLst/>
-          </a:prstGeom>
-          <a:noFill/>
-          <a:ln w="38100">
-            <a:solidFill>
-              <a:schemeClr val="tx1"/>
-            </a:solidFill>
-          </a:ln>
-        </p:spPr>
-        <p:style>
-          <a:lnRef idx="2">
-            <a:schemeClr val="accent1">
-              <a:shade val="50000"/>
-            </a:schemeClr>
-          </a:lnRef>
-          <a:fillRef idx="1">
-            <a:schemeClr val="accent1"/>
-          </a:fillRef>
-          <a:effectRef idx="0">
-            <a:schemeClr val="accent1"/>
-          </a:effectRef>
-          <a:fontRef idx="minor">
-            <a:schemeClr val="lt1"/>
-          </a:fontRef>
-        </p:style>
-        <p:txBody>
-          <a:bodyPr rtlCol="0" anchor="ctr"/>
-          <a:lstStyle/>
-          <a:p>
-            <a:pPr algn="ctr"/>
-            <a:endParaRPr lang="da-DK"/>
-          </a:p>
-        </p:txBody>
-      </p:sp>
-      <p:sp>
-        <p:nvSpPr>
-          <p:cNvPr id="18" name="TextBox 17">
-            <a:extLst>
-              <a:ext uri="{FF2B5EF4-FFF2-40B4-BE49-F238E27FC236}">
-                <a16:creationId xmlns:a16="http://schemas.microsoft.com/office/drawing/2014/main" id="{FE74C8DD-F46A-43EE-B778-810937CA8694}"/>
-              </a:ext>
-            </a:extLst>
-          </p:cNvPr>
-          <p:cNvSpPr txBox="1"/>
-          <p:nvPr/>
-        </p:nvSpPr>
-        <p:spPr>
-          <a:xfrm>
-            <a:off x="2704889" y="5110867"/>
-            <a:ext cx="3196205" cy="369332"/>
-          </a:xfrm>
-          <a:prstGeom prst="rect">
-            <a:avLst/>
-          </a:prstGeom>
-          <a:noFill/>
-        </p:spPr>
-        <p:txBody>
-          <a:bodyPr wrap="square" rtlCol="0">
-            <a:spAutoFit/>
-          </a:bodyPr>
-          <a:lstStyle/>
-          <a:p>
-            <a:r>
-              <a:rPr lang="da-DK" dirty="0"/>
-              <a:t>Commonly agreed on </a:t>
-            </a:r>
-          </a:p>
-        </p:txBody>
-      </p:sp>
-      <p:sp>
-        <p:nvSpPr>
-          <p:cNvPr id="19" name="TextBox 18">
-            <a:extLst>
-              <a:ext uri="{FF2B5EF4-FFF2-40B4-BE49-F238E27FC236}">
-                <a16:creationId xmlns:a16="http://schemas.microsoft.com/office/drawing/2014/main" id="{15FC470D-3777-4A39-9117-87B31791ECA4}"/>
-              </a:ext>
-            </a:extLst>
-          </p:cNvPr>
-          <p:cNvSpPr txBox="1"/>
-          <p:nvPr/>
-        </p:nvSpPr>
-        <p:spPr>
-          <a:xfrm>
-            <a:off x="8216318" y="5110867"/>
-            <a:ext cx="3196205" cy="369332"/>
-          </a:xfrm>
-          <a:prstGeom prst="rect">
-            <a:avLst/>
-          </a:prstGeom>
-          <a:noFill/>
-        </p:spPr>
-        <p:txBody>
-          <a:bodyPr wrap="square" rtlCol="0">
-            <a:spAutoFit/>
-          </a:bodyPr>
-          <a:lstStyle/>
-          <a:p>
-            <a:r>
-              <a:rPr lang="da-DK" dirty="0"/>
-              <a:t>Not talked about</a:t>
-            </a:r>
-          </a:p>
-        </p:txBody>
-      </p:sp>
+      </p:pic>
     </p:spTree>
     <p:extLst>
       <p:ext uri="{BB962C8B-B14F-4D97-AF65-F5344CB8AC3E}">
-        <p14:creationId xmlns:p14="http://schemas.microsoft.com/office/powerpoint/2010/main" val="4129615894"/>
+        <p14:creationId xmlns:p14="http://schemas.microsoft.com/office/powerpoint/2010/main" val="805747189"/>
       </p:ext>
     </p:extLst>
   </p:cSld>

--- a/01_introduction/How_autodiff_changed_the_world.pptx
+++ b/01_introduction/How_autodiff_changed_the_world.pptx
@@ -5,10 +5,10 @@
     <p:sldMasterId id="2147483648" r:id="rId1"/>
   </p:sldMasterIdLst>
   <p:notesMasterIdLst>
-    <p:notesMasterId r:id="rId17"/>
+    <p:notesMasterId r:id="rId18"/>
   </p:notesMasterIdLst>
   <p:handoutMasterIdLst>
-    <p:handoutMasterId r:id="rId18"/>
+    <p:handoutMasterId r:id="rId19"/>
   </p:handoutMasterIdLst>
   <p:sldIdLst>
     <p:sldId id="256" r:id="rId2"/>
@@ -24,8 +24,9 @@
     <p:sldId id="258" r:id="rId12"/>
     <p:sldId id="259" r:id="rId13"/>
     <p:sldId id="260" r:id="rId14"/>
-    <p:sldId id="263" r:id="rId15"/>
-    <p:sldId id="262" r:id="rId16"/>
+    <p:sldId id="271" r:id="rId15"/>
+    <p:sldId id="263" r:id="rId16"/>
+    <p:sldId id="262" r:id="rId17"/>
   </p:sldIdLst>
   <p:sldSz cx="12192000" cy="6858000"/>
   <p:notesSz cx="6858000" cy="9144000"/>
@@ -229,7 +230,7 @@
           <a:p>
             <a:fld id="{D75CAE95-D2DD-4998-876A-092BFD628C65}" type="datetimeFigureOut">
               <a:rPr lang="da-DK" smtClean="0"/>
-              <a:t>13-05-2021</a:t>
+              <a:t>24-05-2021</a:t>
             </a:fld>
             <a:endParaRPr lang="da-DK"/>
           </a:p>
@@ -407,7 +408,7 @@
           <a:p>
             <a:fld id="{1DA8E099-58AA-4136-B409-1CAD1943D842}" type="datetimeFigureOut">
               <a:rPr lang="da-DK" smtClean="0"/>
-              <a:t>13-05-2021</a:t>
+              <a:t>24-05-2021</a:t>
             </a:fld>
             <a:endParaRPr lang="da-DK"/>
           </a:p>
@@ -825,7 +826,7 @@
           <a:p>
             <a:fld id="{C85334AD-9960-4065-BF34-86ED0345A76D}" type="datetime1">
               <a:rPr lang="en-US" smtClean="0"/>
-              <a:t>5/13/2021</a:t>
+              <a:t>5/24/2021</a:t>
             </a:fld>
             <a:endParaRPr lang="da-DK"/>
           </a:p>
@@ -1064,7 +1065,7 @@
           <a:p>
             <a:fld id="{C5669758-3775-48D7-A841-693E908C3BF4}" type="datetime1">
               <a:rPr lang="en-US" smtClean="0"/>
-              <a:t>5/13/2021</a:t>
+              <a:t>5/24/2021</a:t>
             </a:fld>
             <a:endParaRPr lang="da-DK"/>
           </a:p>
@@ -1277,7 +1278,7 @@
           <a:p>
             <a:fld id="{1E0C3FF1-EDBD-4F2A-8366-34A4E3728310}" type="datetime1">
               <a:rPr lang="en-US" smtClean="0"/>
-              <a:t>5/13/2021</a:t>
+              <a:t>5/24/2021</a:t>
             </a:fld>
             <a:endParaRPr lang="da-DK"/>
           </a:p>
@@ -1498,7 +1499,7 @@
           <a:p>
             <a:fld id="{019E29B9-5584-4737-9C98-1B926378C778}" type="datetime1">
               <a:rPr lang="en-US" smtClean="0"/>
-              <a:t>5/13/2021</a:t>
+              <a:t>5/24/2021</a:t>
             </a:fld>
             <a:endParaRPr lang="da-DK"/>
           </a:p>
@@ -1813,7 +1814,7 @@
           <a:p>
             <a:fld id="{FCE38F03-F67D-4508-A858-99FCD085087C}" type="datetime1">
               <a:rPr lang="en-US" smtClean="0"/>
-              <a:t>5/13/2021</a:t>
+              <a:t>5/24/2021</a:t>
             </a:fld>
             <a:endParaRPr lang="da-DK"/>
           </a:p>
@@ -2084,7 +2085,7 @@
           <a:p>
             <a:fld id="{B43F2930-3FFD-4F93-A4BD-4F0D1A0B4514}" type="datetime1">
               <a:rPr lang="en-US" smtClean="0"/>
-              <a:t>5/13/2021</a:t>
+              <a:t>5/24/2021</a:t>
             </a:fld>
             <a:endParaRPr lang="da-DK"/>
           </a:p>
@@ -2502,7 +2503,7 @@
           <a:p>
             <a:fld id="{8E0F9B9B-30CC-4693-8E0F-1A94A979E2C5}" type="datetime1">
               <a:rPr lang="en-US" smtClean="0"/>
-              <a:t>5/13/2021</a:t>
+              <a:t>5/24/2021</a:t>
             </a:fld>
             <a:endParaRPr lang="da-DK"/>
           </a:p>
@@ -2647,7 +2648,7 @@
           <a:p>
             <a:fld id="{6FE1433B-E6A7-44FF-8B55-539471B4D7C5}" type="datetime1">
               <a:rPr lang="en-US" smtClean="0"/>
-              <a:t>5/13/2021</a:t>
+              <a:t>5/24/2021</a:t>
             </a:fld>
             <a:endParaRPr lang="da-DK"/>
           </a:p>
@@ -2763,7 +2764,7 @@
           <a:p>
             <a:fld id="{624F4001-6A8C-42DA-824F-B5CC1375B861}" type="datetime1">
               <a:rPr lang="en-US" smtClean="0"/>
-              <a:t>5/13/2021</a:t>
+              <a:t>5/24/2021</a:t>
             </a:fld>
             <a:endParaRPr lang="da-DK"/>
           </a:p>
@@ -3079,7 +3080,7 @@
           <a:p>
             <a:fld id="{2D3BE137-2C5E-4078-8BA2-7D42D7E67218}" type="datetime1">
               <a:rPr lang="en-US" smtClean="0"/>
-              <a:t>5/13/2021</a:t>
+              <a:t>5/24/2021</a:t>
             </a:fld>
             <a:endParaRPr lang="da-DK"/>
           </a:p>
@@ -3371,7 +3372,7 @@
           <a:p>
             <a:fld id="{0D1436FF-56D3-4E93-92E8-71121EAB120E}" type="datetime1">
               <a:rPr lang="en-US" smtClean="0"/>
-              <a:t>5/13/2021</a:t>
+              <a:t>5/24/2021</a:t>
             </a:fld>
             <a:endParaRPr lang="da-DK"/>
           </a:p>
@@ -3617,7 +3618,7 @@
           <a:p>
             <a:fld id="{16601EF2-4BCA-4009-ACCF-B97F259DEF6F}" type="datetime1">
               <a:rPr lang="en-US" smtClean="0"/>
-              <a:t>5/13/2021</a:t>
+              <a:t>5/24/2021</a:t>
             </a:fld>
             <a:endParaRPr lang="da-DK"/>
           </a:p>
@@ -4208,7 +4209,7 @@
           <a:p>
             <a:fld id="{019E29B9-5584-4737-9C98-1B926378C778}" type="datetime1">
               <a:rPr lang="en-US" smtClean="0"/>
-              <a:t>5/13/2021</a:t>
+              <a:t>5/24/2021</a:t>
             </a:fld>
             <a:endParaRPr lang="da-DK"/>
           </a:p>
@@ -4660,7 +4661,7 @@
           <a:p>
             <a:fld id="{019E29B9-5584-4737-9C98-1B926378C778}" type="datetime1">
               <a:rPr lang="en-US" smtClean="0"/>
-              <a:t>5/13/2021</a:t>
+              <a:t>5/24/2021</a:t>
             </a:fld>
             <a:endParaRPr lang="da-DK"/>
           </a:p>
@@ -5435,7 +5436,7 @@
           <a:p>
             <a:fld id="{019E29B9-5584-4737-9C98-1B926378C778}" type="datetime1">
               <a:rPr lang="en-US" smtClean="0"/>
-              <a:t>5/13/2021</a:t>
+              <a:t>5/24/2021</a:t>
             </a:fld>
             <a:endParaRPr lang="da-DK"/>
           </a:p>
@@ -5682,7 +5683,7 @@
           <a:p>
             <a:fld id="{019E29B9-5584-4737-9C98-1B926378C778}" type="datetime1">
               <a:rPr lang="en-US" smtClean="0"/>
-              <a:t>5/13/2021</a:t>
+              <a:t>5/24/2021</a:t>
             </a:fld>
             <a:endParaRPr lang="da-DK"/>
           </a:p>
@@ -6020,7 +6021,7 @@
           <p:cNvPr id="2" name="Title 1">
             <a:extLst>
               <a:ext uri="{FF2B5EF4-FFF2-40B4-BE49-F238E27FC236}">
-                <a16:creationId xmlns:a16="http://schemas.microsoft.com/office/drawing/2014/main" id="{3B196954-D4EE-488B-B250-B4A352C7A845}"/>
+                <a16:creationId xmlns:a16="http://schemas.microsoft.com/office/drawing/2014/main" id="{251811DB-2D3B-4CDA-8907-9617CBB23318}"/>
               </a:ext>
             </a:extLst>
           </p:cNvPr>
@@ -6033,8 +6034,8 @@
         </p:nvSpPr>
         <p:spPr>
           <a:xfrm>
-            <a:off x="838200" y="-44580"/>
-            <a:ext cx="10515600" cy="1325563"/>
+            <a:off x="-130629" y="-228936"/>
+            <a:ext cx="11484429" cy="1325563"/>
           </a:xfrm>
         </p:spPr>
         <p:txBody>
@@ -6042,49 +6043,53 @@
           <a:lstStyle/>
           <a:p>
             <a:r>
-              <a:rPr lang="da-DK" dirty="0"/>
-              <a:t>How to make a modern deep learning framework</a:t>
-            </a:r>
-          </a:p>
-        </p:txBody>
-      </p:sp>
-      <p:sp>
-        <p:nvSpPr>
-          <p:cNvPr id="3" name="Content Placeholder 2">
-            <a:extLst>
-              <a:ext uri="{FF2B5EF4-FFF2-40B4-BE49-F238E27FC236}">
-                <a16:creationId xmlns:a16="http://schemas.microsoft.com/office/drawing/2014/main" id="{67BAF2C6-3100-47AD-AFBC-101D716A7503}"/>
-              </a:ext>
-            </a:extLst>
-          </p:cNvPr>
-          <p:cNvSpPr>
-            <a:spLocks noGrp="1"/>
-          </p:cNvSpPr>
+              <a:rPr lang="en-US" dirty="0"/>
+              <a:t>If you have the time, I recommend learning both</a:t>
+            </a:r>
+          </a:p>
+        </p:txBody>
+      </p:sp>
+      <p:pic>
+        <p:nvPicPr>
+          <p:cNvPr id="8" name="Content Placeholder 7" descr="A picture containing logo&#10;&#10;Description automatically generated">
+            <a:extLst>
+              <a:ext uri="{FF2B5EF4-FFF2-40B4-BE49-F238E27FC236}">
+                <a16:creationId xmlns:a16="http://schemas.microsoft.com/office/drawing/2014/main" id="{17DD6F83-A831-44AD-B1A8-03327522387C}"/>
+              </a:ext>
+            </a:extLst>
+          </p:cNvPr>
+          <p:cNvPicPr>
+            <a:picLocks noGrp="1" noChangeAspect="1"/>
+          </p:cNvPicPr>
           <p:nvPr>
             <p:ph idx="1"/>
           </p:nvPr>
-        </p:nvSpPr>
-        <p:spPr/>
-        <p:txBody>
-          <a:bodyPr/>
-          <a:lstStyle/>
-          <a:p>
-            <a:pPr marL="0" indent="0">
-              <a:buNone/>
-            </a:pPr>
-            <a:r>
-              <a:rPr lang="da-DK" dirty="0"/>
-              <a:t>3 key elements</a:t>
-            </a:r>
-          </a:p>
-        </p:txBody>
-      </p:sp>
+        </p:nvPicPr>
+        <p:blipFill>
+          <a:blip r:embed="rId2">
+            <a:extLst>
+              <a:ext uri="{28A0092B-C50C-407E-A947-70E740481C1C}">
+                <a14:useLocalDpi xmlns:a14="http://schemas.microsoft.com/office/drawing/2010/main" val="0"/>
+              </a:ext>
+            </a:extLst>
+          </a:blip>
+          <a:stretch>
+            <a:fillRect/>
+          </a:stretch>
+        </p:blipFill>
+        <p:spPr>
+          <a:xfrm>
+            <a:off x="3200308" y="1309519"/>
+            <a:ext cx="5791384" cy="4833938"/>
+          </a:xfrm>
+        </p:spPr>
+      </p:pic>
       <p:sp>
         <p:nvSpPr>
           <p:cNvPr id="4" name="Date Placeholder 3">
             <a:extLst>
               <a:ext uri="{FF2B5EF4-FFF2-40B4-BE49-F238E27FC236}">
-                <a16:creationId xmlns:a16="http://schemas.microsoft.com/office/drawing/2014/main" id="{3C082D71-621F-4D79-8A34-878DFF70AC94}"/>
+                <a16:creationId xmlns:a16="http://schemas.microsoft.com/office/drawing/2014/main" id="{B1E8E6AA-BA3D-4B57-B76B-011CA3F79801}"/>
               </a:ext>
             </a:extLst>
           </p:cNvPr>
@@ -6102,7 +6107,7 @@
           <a:p>
             <a:fld id="{019E29B9-5584-4737-9C98-1B926378C778}" type="datetime1">
               <a:rPr lang="en-US" smtClean="0"/>
-              <a:t>5/13/2021</a:t>
+              <a:t>5/24/2021</a:t>
             </a:fld>
             <a:endParaRPr lang="da-DK"/>
           </a:p>
@@ -6113,7 +6118,7 @@
           <p:cNvPr id="5" name="Footer Placeholder 4">
             <a:extLst>
               <a:ext uri="{FF2B5EF4-FFF2-40B4-BE49-F238E27FC236}">
-                <a16:creationId xmlns:a16="http://schemas.microsoft.com/office/drawing/2014/main" id="{EC3AB0CB-DB29-408A-A980-2902500B31EF}"/>
+                <a16:creationId xmlns:a16="http://schemas.microsoft.com/office/drawing/2014/main" id="{A0432056-466C-44F0-AB0F-57E43B994AF5}"/>
               </a:ext>
             </a:extLst>
           </p:cNvPr>
@@ -6141,7 +6146,7 @@
           <p:cNvPr id="6" name="Slide Number Placeholder 5">
             <a:extLst>
               <a:ext uri="{FF2B5EF4-FFF2-40B4-BE49-F238E27FC236}">
-                <a16:creationId xmlns:a16="http://schemas.microsoft.com/office/drawing/2014/main" id="{05290D20-0CAA-4245-879F-66A38F0100B4}"/>
+                <a16:creationId xmlns:a16="http://schemas.microsoft.com/office/drawing/2014/main" id="{0A2EAB4E-0C00-454D-84A3-B2B07DBE8CE4}"/>
               </a:ext>
             </a:extLst>
           </p:cNvPr>
@@ -6165,264 +6170,10 @@
           </a:p>
         </p:txBody>
       </p:sp>
-      <p:sp>
-        <p:nvSpPr>
-          <p:cNvPr id="8" name="Oval 7">
-            <a:extLst>
-              <a:ext uri="{FF2B5EF4-FFF2-40B4-BE49-F238E27FC236}">
-                <a16:creationId xmlns:a16="http://schemas.microsoft.com/office/drawing/2014/main" id="{9079CECD-657D-4CD2-A48D-792D57A2AA81}"/>
-              </a:ext>
-            </a:extLst>
-          </p:cNvPr>
-          <p:cNvSpPr/>
-          <p:nvPr/>
-        </p:nvSpPr>
-        <p:spPr>
-          <a:xfrm>
-            <a:off x="2238600" y="2316479"/>
-            <a:ext cx="2088000" cy="2088000"/>
-          </a:xfrm>
-          <a:prstGeom prst="ellipse">
-            <a:avLst/>
-          </a:prstGeom>
-        </p:spPr>
-        <p:style>
-          <a:lnRef idx="2">
-            <a:schemeClr val="accent1">
-              <a:shade val="50000"/>
-            </a:schemeClr>
-          </a:lnRef>
-          <a:fillRef idx="1">
-            <a:schemeClr val="accent1"/>
-          </a:fillRef>
-          <a:effectRef idx="0">
-            <a:schemeClr val="accent1"/>
-          </a:effectRef>
-          <a:fontRef idx="minor">
-            <a:schemeClr val="lt1"/>
-          </a:fontRef>
-        </p:style>
-        <p:txBody>
-          <a:bodyPr rtlCol="0" anchor="ctr"/>
-          <a:lstStyle/>
-          <a:p>
-            <a:pPr algn="ctr"/>
-            <a:r>
-              <a:rPr lang="da-DK" dirty="0"/>
-              <a:t>Tensors</a:t>
-            </a:r>
-          </a:p>
-        </p:txBody>
-      </p:sp>
-      <p:sp>
-        <p:nvSpPr>
-          <p:cNvPr id="9" name="Oval 8">
-            <a:extLst>
-              <a:ext uri="{FF2B5EF4-FFF2-40B4-BE49-F238E27FC236}">
-                <a16:creationId xmlns:a16="http://schemas.microsoft.com/office/drawing/2014/main" id="{AB420AE8-4276-4DF0-AA32-8B6D46408DEA}"/>
-              </a:ext>
-            </a:extLst>
-          </p:cNvPr>
-          <p:cNvSpPr/>
-          <p:nvPr/>
-        </p:nvSpPr>
-        <p:spPr>
-          <a:xfrm>
-            <a:off x="4938601" y="2316479"/>
-            <a:ext cx="2088000" cy="2088000"/>
-          </a:xfrm>
-          <a:prstGeom prst="ellipse">
-            <a:avLst/>
-          </a:prstGeom>
-        </p:spPr>
-        <p:style>
-          <a:lnRef idx="2">
-            <a:schemeClr val="accent1">
-              <a:shade val="50000"/>
-            </a:schemeClr>
-          </a:lnRef>
-          <a:fillRef idx="1">
-            <a:schemeClr val="accent1"/>
-          </a:fillRef>
-          <a:effectRef idx="0">
-            <a:schemeClr val="accent1"/>
-          </a:effectRef>
-          <a:fontRef idx="minor">
-            <a:schemeClr val="lt1"/>
-          </a:fontRef>
-        </p:style>
-        <p:txBody>
-          <a:bodyPr rtlCol="0" anchor="ctr"/>
-          <a:lstStyle/>
-          <a:p>
-            <a:pPr algn="ctr"/>
-            <a:r>
-              <a:rPr lang="da-DK" dirty="0"/>
-              <a:t>Hardware acceleration</a:t>
-            </a:r>
-          </a:p>
-        </p:txBody>
-      </p:sp>
-      <p:sp>
-        <p:nvSpPr>
-          <p:cNvPr id="10" name="Oval 9">
-            <a:extLst>
-              <a:ext uri="{FF2B5EF4-FFF2-40B4-BE49-F238E27FC236}">
-                <a16:creationId xmlns:a16="http://schemas.microsoft.com/office/drawing/2014/main" id="{928F16EF-A68D-4ECA-94B2-28ACA2C52F94}"/>
-              </a:ext>
-            </a:extLst>
-          </p:cNvPr>
-          <p:cNvSpPr/>
-          <p:nvPr/>
-        </p:nvSpPr>
-        <p:spPr>
-          <a:xfrm>
-            <a:off x="7638602" y="2316479"/>
-            <a:ext cx="2088000" cy="2088000"/>
-          </a:xfrm>
-          <a:prstGeom prst="ellipse">
-            <a:avLst/>
-          </a:prstGeom>
-        </p:spPr>
-        <p:style>
-          <a:lnRef idx="2">
-            <a:schemeClr val="accent1">
-              <a:shade val="50000"/>
-            </a:schemeClr>
-          </a:lnRef>
-          <a:fillRef idx="1">
-            <a:schemeClr val="accent1"/>
-          </a:fillRef>
-          <a:effectRef idx="0">
-            <a:schemeClr val="accent1"/>
-          </a:effectRef>
-          <a:fontRef idx="minor">
-            <a:schemeClr val="lt1"/>
-          </a:fontRef>
-        </p:style>
-        <p:txBody>
-          <a:bodyPr rtlCol="0" anchor="ctr"/>
-          <a:lstStyle/>
-          <a:p>
-            <a:pPr algn="ctr"/>
-            <a:r>
-              <a:rPr lang="da-DK" dirty="0"/>
-              <a:t>Automatic differentation</a:t>
-            </a:r>
-          </a:p>
-        </p:txBody>
-      </p:sp>
-      <p:sp>
-        <p:nvSpPr>
-          <p:cNvPr id="11" name="TextBox 10">
-            <a:extLst>
-              <a:ext uri="{FF2B5EF4-FFF2-40B4-BE49-F238E27FC236}">
-                <a16:creationId xmlns:a16="http://schemas.microsoft.com/office/drawing/2014/main" id="{D5F6B155-ED5D-4394-A1EF-68CC8DF974B4}"/>
-              </a:ext>
-            </a:extLst>
-          </p:cNvPr>
-          <p:cNvSpPr txBox="1"/>
-          <p:nvPr/>
-        </p:nvSpPr>
-        <p:spPr>
-          <a:xfrm>
-            <a:off x="2268301" y="4404479"/>
-            <a:ext cx="2028598" cy="646331"/>
-          </a:xfrm>
-          <a:prstGeom prst="rect">
-            <a:avLst/>
-          </a:prstGeom>
-          <a:noFill/>
-        </p:spPr>
-        <p:txBody>
-          <a:bodyPr wrap="square" rtlCol="0">
-            <a:spAutoFit/>
-          </a:bodyPr>
-          <a:lstStyle/>
-          <a:p>
-            <a:pPr algn="ctr"/>
-            <a:r>
-              <a:rPr lang="da-DK" dirty="0"/>
-              <a:t>Abstraction to higher order data</a:t>
-            </a:r>
-          </a:p>
-        </p:txBody>
-      </p:sp>
-      <p:sp>
-        <p:nvSpPr>
-          <p:cNvPr id="12" name="TextBox 11">
-            <a:extLst>
-              <a:ext uri="{FF2B5EF4-FFF2-40B4-BE49-F238E27FC236}">
-                <a16:creationId xmlns:a16="http://schemas.microsoft.com/office/drawing/2014/main" id="{E8EAEA57-6185-4970-A384-2C70F55586B1}"/>
-              </a:ext>
-            </a:extLst>
-          </p:cNvPr>
-          <p:cNvSpPr txBox="1"/>
-          <p:nvPr/>
-        </p:nvSpPr>
-        <p:spPr>
-          <a:xfrm>
-            <a:off x="5111404" y="4400879"/>
-            <a:ext cx="1800000" cy="646331"/>
-          </a:xfrm>
-          <a:prstGeom prst="rect">
-            <a:avLst/>
-          </a:prstGeom>
-          <a:noFill/>
-        </p:spPr>
-        <p:txBody>
-          <a:bodyPr wrap="square" rtlCol="0">
-            <a:spAutoFit/>
-          </a:bodyPr>
-          <a:lstStyle/>
-          <a:p>
-            <a:pPr algn="ctr"/>
-            <a:r>
-              <a:rPr lang="da-DK" dirty="0"/>
-              <a:t>Faster computations</a:t>
-            </a:r>
-          </a:p>
-        </p:txBody>
-      </p:sp>
-      <p:sp>
-        <p:nvSpPr>
-          <p:cNvPr id="13" name="TextBox 12">
-            <a:extLst>
-              <a:ext uri="{FF2B5EF4-FFF2-40B4-BE49-F238E27FC236}">
-                <a16:creationId xmlns:a16="http://schemas.microsoft.com/office/drawing/2014/main" id="{30832BCE-C61E-4C30-A8C3-50CCB30FB5D4}"/>
-              </a:ext>
-            </a:extLst>
-          </p:cNvPr>
-          <p:cNvSpPr txBox="1"/>
-          <p:nvPr/>
-        </p:nvSpPr>
-        <p:spPr>
-          <a:xfrm>
-            <a:off x="8064788" y="4400879"/>
-            <a:ext cx="1426128" cy="369332"/>
-          </a:xfrm>
-          <a:prstGeom prst="rect">
-            <a:avLst/>
-          </a:prstGeom>
-          <a:noFill/>
-        </p:spPr>
-        <p:txBody>
-          <a:bodyPr wrap="square" rtlCol="0">
-            <a:spAutoFit/>
-          </a:bodyPr>
-          <a:lstStyle/>
-          <a:p>
-            <a:r>
-              <a:rPr lang="da-DK" dirty="0"/>
-              <a:t>Ease of use</a:t>
-            </a:r>
-          </a:p>
-        </p:txBody>
-      </p:sp>
     </p:spTree>
     <p:extLst>
       <p:ext uri="{BB962C8B-B14F-4D97-AF65-F5344CB8AC3E}">
-        <p14:creationId xmlns:p14="http://schemas.microsoft.com/office/powerpoint/2010/main" val="411016925"/>
+        <p14:creationId xmlns:p14="http://schemas.microsoft.com/office/powerpoint/2010/main" val="222319251"/>
       </p:ext>
     </p:extLst>
   </p:cSld>
@@ -6454,7 +6205,7 @@
           <p:cNvPr id="2" name="Title 1">
             <a:extLst>
               <a:ext uri="{FF2B5EF4-FFF2-40B4-BE49-F238E27FC236}">
-                <a16:creationId xmlns:a16="http://schemas.microsoft.com/office/drawing/2014/main" id="{E6807CFB-04BE-43AB-B950-303DCBE4B926}"/>
+                <a16:creationId xmlns:a16="http://schemas.microsoft.com/office/drawing/2014/main" id="{3B196954-D4EE-488B-B250-B4A352C7A845}"/>
               </a:ext>
             </a:extLst>
           </p:cNvPr>
@@ -6465,14 +6216,50 @@
             <p:ph type="title"/>
           </p:nvPr>
         </p:nvSpPr>
-        <p:spPr/>
+        <p:spPr>
+          <a:xfrm>
+            <a:off x="838200" y="-44580"/>
+            <a:ext cx="10515600" cy="1325563"/>
+          </a:xfrm>
+        </p:spPr>
         <p:txBody>
           <a:bodyPr/>
           <a:lstStyle/>
           <a:p>
             <a:r>
               <a:rPr lang="da-DK" dirty="0"/>
-              <a:t>Meme of the day</a:t>
+              <a:t>How to make a modern deep learning framework</a:t>
+            </a:r>
+          </a:p>
+        </p:txBody>
+      </p:sp>
+      <p:sp>
+        <p:nvSpPr>
+          <p:cNvPr id="3" name="Content Placeholder 2">
+            <a:extLst>
+              <a:ext uri="{FF2B5EF4-FFF2-40B4-BE49-F238E27FC236}">
+                <a16:creationId xmlns:a16="http://schemas.microsoft.com/office/drawing/2014/main" id="{67BAF2C6-3100-47AD-AFBC-101D716A7503}"/>
+              </a:ext>
+            </a:extLst>
+          </p:cNvPr>
+          <p:cNvSpPr>
+            <a:spLocks noGrp="1"/>
+          </p:cNvSpPr>
+          <p:nvPr>
+            <p:ph idx="1"/>
+          </p:nvPr>
+        </p:nvSpPr>
+        <p:spPr/>
+        <p:txBody>
+          <a:bodyPr/>
+          <a:lstStyle/>
+          <a:p>
+            <a:pPr marL="0" indent="0">
+              <a:buNone/>
+            </a:pPr>
+            <a:r>
+              <a:rPr lang="da-DK" dirty="0"/>
+              <a:t>3 key elements</a:t>
             </a:r>
           </a:p>
         </p:txBody>
@@ -6482,7 +6269,7 @@
           <p:cNvPr id="4" name="Date Placeholder 3">
             <a:extLst>
               <a:ext uri="{FF2B5EF4-FFF2-40B4-BE49-F238E27FC236}">
-                <a16:creationId xmlns:a16="http://schemas.microsoft.com/office/drawing/2014/main" id="{06BBBB3D-7152-4915-9678-39322E5CE246}"/>
+                <a16:creationId xmlns:a16="http://schemas.microsoft.com/office/drawing/2014/main" id="{3C082D71-621F-4D79-8A34-878DFF70AC94}"/>
               </a:ext>
             </a:extLst>
           </p:cNvPr>
@@ -6500,7 +6287,7 @@
           <a:p>
             <a:fld id="{019E29B9-5584-4737-9C98-1B926378C778}" type="datetime1">
               <a:rPr lang="en-US" smtClean="0"/>
-              <a:t>5/13/2021</a:t>
+              <a:t>5/24/2021</a:t>
             </a:fld>
             <a:endParaRPr lang="da-DK"/>
           </a:p>
@@ -6511,7 +6298,7 @@
           <p:cNvPr id="5" name="Footer Placeholder 4">
             <a:extLst>
               <a:ext uri="{FF2B5EF4-FFF2-40B4-BE49-F238E27FC236}">
-                <a16:creationId xmlns:a16="http://schemas.microsoft.com/office/drawing/2014/main" id="{2191107E-5C57-432C-94A1-7E7659056F7D}"/>
+                <a16:creationId xmlns:a16="http://schemas.microsoft.com/office/drawing/2014/main" id="{EC3AB0CB-DB29-408A-A980-2902500B31EF}"/>
               </a:ext>
             </a:extLst>
           </p:cNvPr>
@@ -6539,7 +6326,7 @@
           <p:cNvPr id="6" name="Slide Number Placeholder 5">
             <a:extLst>
               <a:ext uri="{FF2B5EF4-FFF2-40B4-BE49-F238E27FC236}">
-                <a16:creationId xmlns:a16="http://schemas.microsoft.com/office/drawing/2014/main" id="{566C5839-2F07-4488-9415-1B25BC34E3CE}"/>
+                <a16:creationId xmlns:a16="http://schemas.microsoft.com/office/drawing/2014/main" id="{05290D20-0CAA-4245-879F-66A38F0100B4}"/>
               </a:ext>
             </a:extLst>
           </p:cNvPr>
@@ -6558,6 +6345,404 @@
             <a:fld id="{F6FEDE24-D50C-481B-A7B4-8AF13899101A}" type="slidenum">
               <a:rPr lang="da-DK" smtClean="0"/>
               <a:t>15</a:t>
+            </a:fld>
+            <a:endParaRPr lang="da-DK"/>
+          </a:p>
+        </p:txBody>
+      </p:sp>
+      <p:sp>
+        <p:nvSpPr>
+          <p:cNvPr id="8" name="Oval 7">
+            <a:extLst>
+              <a:ext uri="{FF2B5EF4-FFF2-40B4-BE49-F238E27FC236}">
+                <a16:creationId xmlns:a16="http://schemas.microsoft.com/office/drawing/2014/main" id="{9079CECD-657D-4CD2-A48D-792D57A2AA81}"/>
+              </a:ext>
+            </a:extLst>
+          </p:cNvPr>
+          <p:cNvSpPr/>
+          <p:nvPr/>
+        </p:nvSpPr>
+        <p:spPr>
+          <a:xfrm>
+            <a:off x="2238600" y="2316479"/>
+            <a:ext cx="2088000" cy="2088000"/>
+          </a:xfrm>
+          <a:prstGeom prst="ellipse">
+            <a:avLst/>
+          </a:prstGeom>
+        </p:spPr>
+        <p:style>
+          <a:lnRef idx="2">
+            <a:schemeClr val="accent1">
+              <a:shade val="50000"/>
+            </a:schemeClr>
+          </a:lnRef>
+          <a:fillRef idx="1">
+            <a:schemeClr val="accent1"/>
+          </a:fillRef>
+          <a:effectRef idx="0">
+            <a:schemeClr val="accent1"/>
+          </a:effectRef>
+          <a:fontRef idx="minor">
+            <a:schemeClr val="lt1"/>
+          </a:fontRef>
+        </p:style>
+        <p:txBody>
+          <a:bodyPr rtlCol="0" anchor="ctr"/>
+          <a:lstStyle/>
+          <a:p>
+            <a:pPr algn="ctr"/>
+            <a:r>
+              <a:rPr lang="da-DK" dirty="0"/>
+              <a:t>Tensors</a:t>
+            </a:r>
+          </a:p>
+        </p:txBody>
+      </p:sp>
+      <p:sp>
+        <p:nvSpPr>
+          <p:cNvPr id="9" name="Oval 8">
+            <a:extLst>
+              <a:ext uri="{FF2B5EF4-FFF2-40B4-BE49-F238E27FC236}">
+                <a16:creationId xmlns:a16="http://schemas.microsoft.com/office/drawing/2014/main" id="{AB420AE8-4276-4DF0-AA32-8B6D46408DEA}"/>
+              </a:ext>
+            </a:extLst>
+          </p:cNvPr>
+          <p:cNvSpPr/>
+          <p:nvPr/>
+        </p:nvSpPr>
+        <p:spPr>
+          <a:xfrm>
+            <a:off x="4938601" y="2316479"/>
+            <a:ext cx="2088000" cy="2088000"/>
+          </a:xfrm>
+          <a:prstGeom prst="ellipse">
+            <a:avLst/>
+          </a:prstGeom>
+        </p:spPr>
+        <p:style>
+          <a:lnRef idx="2">
+            <a:schemeClr val="accent1">
+              <a:shade val="50000"/>
+            </a:schemeClr>
+          </a:lnRef>
+          <a:fillRef idx="1">
+            <a:schemeClr val="accent1"/>
+          </a:fillRef>
+          <a:effectRef idx="0">
+            <a:schemeClr val="accent1"/>
+          </a:effectRef>
+          <a:fontRef idx="minor">
+            <a:schemeClr val="lt1"/>
+          </a:fontRef>
+        </p:style>
+        <p:txBody>
+          <a:bodyPr rtlCol="0" anchor="ctr"/>
+          <a:lstStyle/>
+          <a:p>
+            <a:pPr algn="ctr"/>
+            <a:r>
+              <a:rPr lang="da-DK" dirty="0"/>
+              <a:t>Hardware acceleration</a:t>
+            </a:r>
+          </a:p>
+        </p:txBody>
+      </p:sp>
+      <p:sp>
+        <p:nvSpPr>
+          <p:cNvPr id="10" name="Oval 9">
+            <a:extLst>
+              <a:ext uri="{FF2B5EF4-FFF2-40B4-BE49-F238E27FC236}">
+                <a16:creationId xmlns:a16="http://schemas.microsoft.com/office/drawing/2014/main" id="{928F16EF-A68D-4ECA-94B2-28ACA2C52F94}"/>
+              </a:ext>
+            </a:extLst>
+          </p:cNvPr>
+          <p:cNvSpPr/>
+          <p:nvPr/>
+        </p:nvSpPr>
+        <p:spPr>
+          <a:xfrm>
+            <a:off x="7638602" y="2316479"/>
+            <a:ext cx="2088000" cy="2088000"/>
+          </a:xfrm>
+          <a:prstGeom prst="ellipse">
+            <a:avLst/>
+          </a:prstGeom>
+        </p:spPr>
+        <p:style>
+          <a:lnRef idx="2">
+            <a:schemeClr val="accent1">
+              <a:shade val="50000"/>
+            </a:schemeClr>
+          </a:lnRef>
+          <a:fillRef idx="1">
+            <a:schemeClr val="accent1"/>
+          </a:fillRef>
+          <a:effectRef idx="0">
+            <a:schemeClr val="accent1"/>
+          </a:effectRef>
+          <a:fontRef idx="minor">
+            <a:schemeClr val="lt1"/>
+          </a:fontRef>
+        </p:style>
+        <p:txBody>
+          <a:bodyPr rtlCol="0" anchor="ctr"/>
+          <a:lstStyle/>
+          <a:p>
+            <a:pPr algn="ctr"/>
+            <a:r>
+              <a:rPr lang="da-DK" dirty="0"/>
+              <a:t>Automatic differentation</a:t>
+            </a:r>
+          </a:p>
+        </p:txBody>
+      </p:sp>
+      <p:sp>
+        <p:nvSpPr>
+          <p:cNvPr id="11" name="TextBox 10">
+            <a:extLst>
+              <a:ext uri="{FF2B5EF4-FFF2-40B4-BE49-F238E27FC236}">
+                <a16:creationId xmlns:a16="http://schemas.microsoft.com/office/drawing/2014/main" id="{D5F6B155-ED5D-4394-A1EF-68CC8DF974B4}"/>
+              </a:ext>
+            </a:extLst>
+          </p:cNvPr>
+          <p:cNvSpPr txBox="1"/>
+          <p:nvPr/>
+        </p:nvSpPr>
+        <p:spPr>
+          <a:xfrm>
+            <a:off x="2268301" y="4404479"/>
+            <a:ext cx="2028598" cy="646331"/>
+          </a:xfrm>
+          <a:prstGeom prst="rect">
+            <a:avLst/>
+          </a:prstGeom>
+          <a:noFill/>
+        </p:spPr>
+        <p:txBody>
+          <a:bodyPr wrap="square" rtlCol="0">
+            <a:spAutoFit/>
+          </a:bodyPr>
+          <a:lstStyle/>
+          <a:p>
+            <a:pPr algn="ctr"/>
+            <a:r>
+              <a:rPr lang="da-DK" dirty="0"/>
+              <a:t>Abstraction to higher order data</a:t>
+            </a:r>
+          </a:p>
+        </p:txBody>
+      </p:sp>
+      <p:sp>
+        <p:nvSpPr>
+          <p:cNvPr id="12" name="TextBox 11">
+            <a:extLst>
+              <a:ext uri="{FF2B5EF4-FFF2-40B4-BE49-F238E27FC236}">
+                <a16:creationId xmlns:a16="http://schemas.microsoft.com/office/drawing/2014/main" id="{E8EAEA57-6185-4970-A384-2C70F55586B1}"/>
+              </a:ext>
+            </a:extLst>
+          </p:cNvPr>
+          <p:cNvSpPr txBox="1"/>
+          <p:nvPr/>
+        </p:nvSpPr>
+        <p:spPr>
+          <a:xfrm>
+            <a:off x="5111404" y="4400879"/>
+            <a:ext cx="1800000" cy="646331"/>
+          </a:xfrm>
+          <a:prstGeom prst="rect">
+            <a:avLst/>
+          </a:prstGeom>
+          <a:noFill/>
+        </p:spPr>
+        <p:txBody>
+          <a:bodyPr wrap="square" rtlCol="0">
+            <a:spAutoFit/>
+          </a:bodyPr>
+          <a:lstStyle/>
+          <a:p>
+            <a:pPr algn="ctr"/>
+            <a:r>
+              <a:rPr lang="da-DK" dirty="0"/>
+              <a:t>Faster computations</a:t>
+            </a:r>
+          </a:p>
+        </p:txBody>
+      </p:sp>
+      <p:sp>
+        <p:nvSpPr>
+          <p:cNvPr id="13" name="TextBox 12">
+            <a:extLst>
+              <a:ext uri="{FF2B5EF4-FFF2-40B4-BE49-F238E27FC236}">
+                <a16:creationId xmlns:a16="http://schemas.microsoft.com/office/drawing/2014/main" id="{30832BCE-C61E-4C30-A8C3-50CCB30FB5D4}"/>
+              </a:ext>
+            </a:extLst>
+          </p:cNvPr>
+          <p:cNvSpPr txBox="1"/>
+          <p:nvPr/>
+        </p:nvSpPr>
+        <p:spPr>
+          <a:xfrm>
+            <a:off x="8064788" y="4400879"/>
+            <a:ext cx="1426128" cy="369332"/>
+          </a:xfrm>
+          <a:prstGeom prst="rect">
+            <a:avLst/>
+          </a:prstGeom>
+          <a:noFill/>
+        </p:spPr>
+        <p:txBody>
+          <a:bodyPr wrap="square" rtlCol="0">
+            <a:spAutoFit/>
+          </a:bodyPr>
+          <a:lstStyle/>
+          <a:p>
+            <a:r>
+              <a:rPr lang="da-DK" dirty="0"/>
+              <a:t>Ease of use</a:t>
+            </a:r>
+          </a:p>
+        </p:txBody>
+      </p:sp>
+    </p:spTree>
+    <p:extLst>
+      <p:ext uri="{BB962C8B-B14F-4D97-AF65-F5344CB8AC3E}">
+        <p14:creationId xmlns:p14="http://schemas.microsoft.com/office/powerpoint/2010/main" val="411016925"/>
+      </p:ext>
+    </p:extLst>
+  </p:cSld>
+  <p:clrMapOvr>
+    <a:masterClrMapping/>
+  </p:clrMapOvr>
+</p:sld>
+</file>
+
+<file path=ppt/slides/slide16.xml><?xml version="1.0" encoding="utf-8"?>
+<p:sld xmlns:a="http://schemas.openxmlformats.org/drawingml/2006/main" xmlns:r="http://schemas.openxmlformats.org/officeDocument/2006/relationships" xmlns:p="http://schemas.openxmlformats.org/presentationml/2006/main">
+  <p:cSld>
+    <p:spTree>
+      <p:nvGrpSpPr>
+        <p:cNvPr id="1" name=""/>
+        <p:cNvGrpSpPr/>
+        <p:nvPr/>
+      </p:nvGrpSpPr>
+      <p:grpSpPr>
+        <a:xfrm>
+          <a:off x="0" y="0"/>
+          <a:ext cx="0" cy="0"/>
+          <a:chOff x="0" y="0"/>
+          <a:chExt cx="0" cy="0"/>
+        </a:xfrm>
+      </p:grpSpPr>
+      <p:sp>
+        <p:nvSpPr>
+          <p:cNvPr id="2" name="Title 1">
+            <a:extLst>
+              <a:ext uri="{FF2B5EF4-FFF2-40B4-BE49-F238E27FC236}">
+                <a16:creationId xmlns:a16="http://schemas.microsoft.com/office/drawing/2014/main" id="{E6807CFB-04BE-43AB-B950-303DCBE4B926}"/>
+              </a:ext>
+            </a:extLst>
+          </p:cNvPr>
+          <p:cNvSpPr>
+            <a:spLocks noGrp="1"/>
+          </p:cNvSpPr>
+          <p:nvPr>
+            <p:ph type="title"/>
+          </p:nvPr>
+        </p:nvSpPr>
+        <p:spPr/>
+        <p:txBody>
+          <a:bodyPr/>
+          <a:lstStyle/>
+          <a:p>
+            <a:r>
+              <a:rPr lang="da-DK" dirty="0"/>
+              <a:t>Meme of the day</a:t>
+            </a:r>
+          </a:p>
+        </p:txBody>
+      </p:sp>
+      <p:sp>
+        <p:nvSpPr>
+          <p:cNvPr id="4" name="Date Placeholder 3">
+            <a:extLst>
+              <a:ext uri="{FF2B5EF4-FFF2-40B4-BE49-F238E27FC236}">
+                <a16:creationId xmlns:a16="http://schemas.microsoft.com/office/drawing/2014/main" id="{06BBBB3D-7152-4915-9678-39322E5CE246}"/>
+              </a:ext>
+            </a:extLst>
+          </p:cNvPr>
+          <p:cNvSpPr>
+            <a:spLocks noGrp="1"/>
+          </p:cNvSpPr>
+          <p:nvPr>
+            <p:ph type="dt" sz="half" idx="10"/>
+          </p:nvPr>
+        </p:nvSpPr>
+        <p:spPr/>
+        <p:txBody>
+          <a:bodyPr/>
+          <a:lstStyle/>
+          <a:p>
+            <a:fld id="{019E29B9-5584-4737-9C98-1B926378C778}" type="datetime1">
+              <a:rPr lang="en-US" smtClean="0"/>
+              <a:t>5/24/2021</a:t>
+            </a:fld>
+            <a:endParaRPr lang="da-DK"/>
+          </a:p>
+        </p:txBody>
+      </p:sp>
+      <p:sp>
+        <p:nvSpPr>
+          <p:cNvPr id="5" name="Footer Placeholder 4">
+            <a:extLst>
+              <a:ext uri="{FF2B5EF4-FFF2-40B4-BE49-F238E27FC236}">
+                <a16:creationId xmlns:a16="http://schemas.microsoft.com/office/drawing/2014/main" id="{2191107E-5C57-432C-94A1-7E7659056F7D}"/>
+              </a:ext>
+            </a:extLst>
+          </p:cNvPr>
+          <p:cNvSpPr>
+            <a:spLocks noGrp="1"/>
+          </p:cNvSpPr>
+          <p:nvPr>
+            <p:ph type="ftr" sz="quarter" idx="11"/>
+          </p:nvPr>
+        </p:nvSpPr>
+        <p:spPr/>
+        <p:txBody>
+          <a:bodyPr/>
+          <a:lstStyle/>
+          <a:p>
+            <a:r>
+              <a:rPr lang="da-DK"/>
+              <a:t>Nicki Skafte Detlefsen</a:t>
+            </a:r>
+          </a:p>
+        </p:txBody>
+      </p:sp>
+      <p:sp>
+        <p:nvSpPr>
+          <p:cNvPr id="6" name="Slide Number Placeholder 5">
+            <a:extLst>
+              <a:ext uri="{FF2B5EF4-FFF2-40B4-BE49-F238E27FC236}">
+                <a16:creationId xmlns:a16="http://schemas.microsoft.com/office/drawing/2014/main" id="{566C5839-2F07-4488-9415-1B25BC34E3CE}"/>
+              </a:ext>
+            </a:extLst>
+          </p:cNvPr>
+          <p:cNvSpPr>
+            <a:spLocks noGrp="1"/>
+          </p:cNvSpPr>
+          <p:nvPr>
+            <p:ph type="sldNum" sz="quarter" idx="12"/>
+          </p:nvPr>
+        </p:nvSpPr>
+        <p:spPr/>
+        <p:txBody>
+          <a:bodyPr/>
+          <a:lstStyle/>
+          <a:p>
+            <a:fld id="{F6FEDE24-D50C-481B-A7B4-8AF13899101A}" type="slidenum">
+              <a:rPr lang="da-DK" smtClean="0"/>
+              <a:t>16</a:t>
             </a:fld>
             <a:endParaRPr lang="da-DK"/>
           </a:p>
@@ -6725,7 +6910,7 @@
           <a:p>
             <a:fld id="{019E29B9-5584-4737-9C98-1B926378C778}" type="datetime1">
               <a:rPr lang="en-US" smtClean="0"/>
-              <a:t>5/13/2021</a:t>
+              <a:t>5/24/2021</a:t>
             </a:fld>
             <a:endParaRPr lang="da-DK"/>
           </a:p>
@@ -7012,7 +7197,7 @@
           <a:p>
             <a:fld id="{019E29B9-5584-4737-9C98-1B926378C778}" type="datetime1">
               <a:rPr lang="en-US" smtClean="0"/>
-              <a:t>5/13/2021</a:t>
+              <a:t>5/24/2021</a:t>
             </a:fld>
             <a:endParaRPr lang="da-DK"/>
           </a:p>
@@ -7156,7 +7341,7 @@
           <a:p>
             <a:fld id="{019E29B9-5584-4737-9C98-1B926378C778}" type="datetime1">
               <a:rPr lang="en-US" smtClean="0"/>
-              <a:t>5/13/2021</a:t>
+              <a:t>5/24/2021</a:t>
             </a:fld>
             <a:endParaRPr lang="da-DK"/>
           </a:p>
@@ -7477,7 +7662,7 @@
           <a:p>
             <a:fld id="{019E29B9-5584-4737-9C98-1B926378C778}" type="datetime1">
               <a:rPr lang="en-US" smtClean="0"/>
-              <a:t>5/13/2021</a:t>
+              <a:t>5/24/2021</a:t>
             </a:fld>
             <a:endParaRPr lang="da-DK"/>
           </a:p>
@@ -7954,8 +8139,13 @@
           <a:p>
             <a:r>
               <a:rPr lang="da-DK" dirty="0"/>
-              <a:t>Have fun!</a:t>
-            </a:r>
+              <a:t>Have </a:t>
+            </a:r>
+            <a:r>
+              <a:rPr lang="da-DK"/>
+              <a:t>fun!</a:t>
+            </a:r>
+            <a:endParaRPr lang="da-DK" dirty="0"/>
           </a:p>
           <a:p>
             <a:r>
@@ -7997,7 +8187,7 @@
           <a:p>
             <a:fld id="{019E29B9-5584-4737-9C98-1B926378C778}" type="datetime1">
               <a:rPr lang="en-US" smtClean="0"/>
-              <a:t>5/13/2021</a:t>
+              <a:t>5/24/2021</a:t>
             </a:fld>
             <a:endParaRPr lang="da-DK"/>
           </a:p>
@@ -8124,8 +8314,8 @@
         </p:blipFill>
         <p:spPr>
           <a:xfrm>
-            <a:off x="2052354" y="3043237"/>
-            <a:ext cx="4443696" cy="2862263"/>
+            <a:off x="2529218" y="2966570"/>
+            <a:ext cx="4984172" cy="3210393"/>
           </a:xfrm>
           <a:prstGeom prst="rect">
             <a:avLst/>
@@ -8218,7 +8408,7 @@
           <a:p>
             <a:fld id="{019E29B9-5584-4737-9C98-1B926378C778}" type="datetime1">
               <a:rPr lang="en-US" smtClean="0"/>
-              <a:t>5/13/2021</a:t>
+              <a:t>5/24/2021</a:t>
             </a:fld>
             <a:endParaRPr lang="da-DK"/>
           </a:p>
@@ -8387,7 +8577,7 @@
           <a:p>
             <a:fld id="{019E29B9-5584-4737-9C98-1B926378C778}" type="datetime1">
               <a:rPr lang="en-US" smtClean="0"/>
-              <a:t>5/13/2021</a:t>
+              <a:t>5/24/2021</a:t>
             </a:fld>
             <a:endParaRPr lang="da-DK"/>
           </a:p>
@@ -8604,7 +8794,7 @@
           <a:p>
             <a:fld id="{0DE03C17-2118-466B-9E30-BC2A82864501}" type="datetime1">
               <a:rPr lang="en-US" smtClean="0"/>
-              <a:t>5/13/2021</a:t>
+              <a:t>5/24/2021</a:t>
             </a:fld>
             <a:endParaRPr lang="da-DK"/>
           </a:p>

--- a/01_introduction/How_autodiff_changed_the_world.pptx
+++ b/01_introduction/How_autodiff_changed_the_world.pptx
@@ -230,7 +230,7 @@
           <a:p>
             <a:fld id="{D75CAE95-D2DD-4998-876A-092BFD628C65}" type="datetimeFigureOut">
               <a:rPr lang="da-DK" smtClean="0"/>
-              <a:t>24-05-2021</a:t>
+              <a:t>28-05-2021</a:t>
             </a:fld>
             <a:endParaRPr lang="da-DK"/>
           </a:p>
@@ -408,7 +408,7 @@
           <a:p>
             <a:fld id="{1DA8E099-58AA-4136-B409-1CAD1943D842}" type="datetimeFigureOut">
               <a:rPr lang="da-DK" smtClean="0"/>
-              <a:t>24-05-2021</a:t>
+              <a:t>28-05-2021</a:t>
             </a:fld>
             <a:endParaRPr lang="da-DK"/>
           </a:p>
@@ -826,7 +826,7 @@
           <a:p>
             <a:fld id="{C85334AD-9960-4065-BF34-86ED0345A76D}" type="datetime1">
               <a:rPr lang="en-US" smtClean="0"/>
-              <a:t>5/24/2021</a:t>
+              <a:t>5/28/2021</a:t>
             </a:fld>
             <a:endParaRPr lang="da-DK"/>
           </a:p>
@@ -1065,7 +1065,7 @@
           <a:p>
             <a:fld id="{C5669758-3775-48D7-A841-693E908C3BF4}" type="datetime1">
               <a:rPr lang="en-US" smtClean="0"/>
-              <a:t>5/24/2021</a:t>
+              <a:t>5/28/2021</a:t>
             </a:fld>
             <a:endParaRPr lang="da-DK"/>
           </a:p>
@@ -1278,7 +1278,7 @@
           <a:p>
             <a:fld id="{1E0C3FF1-EDBD-4F2A-8366-34A4E3728310}" type="datetime1">
               <a:rPr lang="en-US" smtClean="0"/>
-              <a:t>5/24/2021</a:t>
+              <a:t>5/28/2021</a:t>
             </a:fld>
             <a:endParaRPr lang="da-DK"/>
           </a:p>
@@ -1499,7 +1499,7 @@
           <a:p>
             <a:fld id="{019E29B9-5584-4737-9C98-1B926378C778}" type="datetime1">
               <a:rPr lang="en-US" smtClean="0"/>
-              <a:t>5/24/2021</a:t>
+              <a:t>5/28/2021</a:t>
             </a:fld>
             <a:endParaRPr lang="da-DK"/>
           </a:p>
@@ -1814,7 +1814,7 @@
           <a:p>
             <a:fld id="{FCE38F03-F67D-4508-A858-99FCD085087C}" type="datetime1">
               <a:rPr lang="en-US" smtClean="0"/>
-              <a:t>5/24/2021</a:t>
+              <a:t>5/28/2021</a:t>
             </a:fld>
             <a:endParaRPr lang="da-DK"/>
           </a:p>
@@ -2085,7 +2085,7 @@
           <a:p>
             <a:fld id="{B43F2930-3FFD-4F93-A4BD-4F0D1A0B4514}" type="datetime1">
               <a:rPr lang="en-US" smtClean="0"/>
-              <a:t>5/24/2021</a:t>
+              <a:t>5/28/2021</a:t>
             </a:fld>
             <a:endParaRPr lang="da-DK"/>
           </a:p>
@@ -2503,7 +2503,7 @@
           <a:p>
             <a:fld id="{8E0F9B9B-30CC-4693-8E0F-1A94A979E2C5}" type="datetime1">
               <a:rPr lang="en-US" smtClean="0"/>
-              <a:t>5/24/2021</a:t>
+              <a:t>5/28/2021</a:t>
             </a:fld>
             <a:endParaRPr lang="da-DK"/>
           </a:p>
@@ -2648,7 +2648,7 @@
           <a:p>
             <a:fld id="{6FE1433B-E6A7-44FF-8B55-539471B4D7C5}" type="datetime1">
               <a:rPr lang="en-US" smtClean="0"/>
-              <a:t>5/24/2021</a:t>
+              <a:t>5/28/2021</a:t>
             </a:fld>
             <a:endParaRPr lang="da-DK"/>
           </a:p>
@@ -2764,7 +2764,7 @@
           <a:p>
             <a:fld id="{624F4001-6A8C-42DA-824F-B5CC1375B861}" type="datetime1">
               <a:rPr lang="en-US" smtClean="0"/>
-              <a:t>5/24/2021</a:t>
+              <a:t>5/28/2021</a:t>
             </a:fld>
             <a:endParaRPr lang="da-DK"/>
           </a:p>
@@ -3080,7 +3080,7 @@
           <a:p>
             <a:fld id="{2D3BE137-2C5E-4078-8BA2-7D42D7E67218}" type="datetime1">
               <a:rPr lang="en-US" smtClean="0"/>
-              <a:t>5/24/2021</a:t>
+              <a:t>5/28/2021</a:t>
             </a:fld>
             <a:endParaRPr lang="da-DK"/>
           </a:p>
@@ -3372,7 +3372,7 @@
           <a:p>
             <a:fld id="{0D1436FF-56D3-4E93-92E8-71121EAB120E}" type="datetime1">
               <a:rPr lang="en-US" smtClean="0"/>
-              <a:t>5/24/2021</a:t>
+              <a:t>5/28/2021</a:t>
             </a:fld>
             <a:endParaRPr lang="da-DK"/>
           </a:p>
@@ -3618,7 +3618,7 @@
           <a:p>
             <a:fld id="{16601EF2-4BCA-4009-ACCF-B97F259DEF6F}" type="datetime1">
               <a:rPr lang="en-US" smtClean="0"/>
-              <a:t>5/24/2021</a:t>
+              <a:t>5/28/2021</a:t>
             </a:fld>
             <a:endParaRPr lang="da-DK"/>
           </a:p>
@@ -4209,7 +4209,7 @@
           <a:p>
             <a:fld id="{019E29B9-5584-4737-9C98-1B926378C778}" type="datetime1">
               <a:rPr lang="en-US" smtClean="0"/>
-              <a:t>5/24/2021</a:t>
+              <a:t>5/28/2021</a:t>
             </a:fld>
             <a:endParaRPr lang="da-DK"/>
           </a:p>
@@ -4661,7 +4661,7 @@
           <a:p>
             <a:fld id="{019E29B9-5584-4737-9C98-1B926378C778}" type="datetime1">
               <a:rPr lang="en-US" smtClean="0"/>
-              <a:t>5/24/2021</a:t>
+              <a:t>5/28/2021</a:t>
             </a:fld>
             <a:endParaRPr lang="da-DK"/>
           </a:p>
@@ -5436,7 +5436,7 @@
           <a:p>
             <a:fld id="{019E29B9-5584-4737-9C98-1B926378C778}" type="datetime1">
               <a:rPr lang="en-US" smtClean="0"/>
-              <a:t>5/24/2021</a:t>
+              <a:t>5/28/2021</a:t>
             </a:fld>
             <a:endParaRPr lang="da-DK"/>
           </a:p>
@@ -5683,7 +5683,7 @@
           <a:p>
             <a:fld id="{019E29B9-5584-4737-9C98-1B926378C778}" type="datetime1">
               <a:rPr lang="en-US" smtClean="0"/>
-              <a:t>5/24/2021</a:t>
+              <a:t>5/28/2021</a:t>
             </a:fld>
             <a:endParaRPr lang="da-DK"/>
           </a:p>
@@ -6107,7 +6107,7 @@
           <a:p>
             <a:fld id="{019E29B9-5584-4737-9C98-1B926378C778}" type="datetime1">
               <a:rPr lang="en-US" smtClean="0"/>
-              <a:t>5/24/2021</a:t>
+              <a:t>5/28/2021</a:t>
             </a:fld>
             <a:endParaRPr lang="da-DK"/>
           </a:p>
@@ -6287,7 +6287,7 @@
           <a:p>
             <a:fld id="{019E29B9-5584-4737-9C98-1B926378C778}" type="datetime1">
               <a:rPr lang="en-US" smtClean="0"/>
-              <a:t>5/24/2021</a:t>
+              <a:t>5/28/2021</a:t>
             </a:fld>
             <a:endParaRPr lang="da-DK"/>
           </a:p>
@@ -6685,7 +6685,7 @@
           <a:p>
             <a:fld id="{019E29B9-5584-4737-9C98-1B926378C778}" type="datetime1">
               <a:rPr lang="en-US" smtClean="0"/>
-              <a:t>5/24/2021</a:t>
+              <a:t>5/28/2021</a:t>
             </a:fld>
             <a:endParaRPr lang="da-DK"/>
           </a:p>
@@ -6910,7 +6910,7 @@
           <a:p>
             <a:fld id="{019E29B9-5584-4737-9C98-1B926378C778}" type="datetime1">
               <a:rPr lang="en-US" smtClean="0"/>
-              <a:t>5/24/2021</a:t>
+              <a:t>5/28/2021</a:t>
             </a:fld>
             <a:endParaRPr lang="da-DK"/>
           </a:p>
@@ -7123,51 +7123,22 @@
             <a:pPr lvl="1"/>
             <a:r>
               <a:rPr lang="en-US" dirty="0"/>
-              <a:t>General understanding of machine learning (datasets, probability, classifiers, overfitting </a:t>
-            </a:r>
-            <a:r>
-              <a:rPr lang="en-US" dirty="0" err="1"/>
-              <a:t>ect</a:t>
-            </a:r>
+              <a:t>General understanding of machine learning (datasets, probability, classifiers, overfitting etc..) and </a:t>
+            </a:r>
+          </a:p>
+          <a:p>
+            <a:pPr lvl="1"/>
             <a:r>
               <a:rPr lang="en-US" dirty="0"/>
-              <a:t>.) and </a:t>
+              <a:t>Basic knowledge about deep learning (backpropagation, convolutional neural network, auto-encoders etc..)</a:t>
             </a:r>
           </a:p>
           <a:p>
             <a:pPr lvl="1"/>
             <a:r>
               <a:rPr lang="en-US" dirty="0"/>
-              <a:t>Basic knowledge about deep learning (</a:t>
-            </a:r>
-            <a:r>
-              <a:rPr lang="en-US" dirty="0" err="1"/>
-              <a:t>backpropergation</a:t>
-            </a:r>
-            <a:r>
-              <a:rPr lang="en-US" dirty="0"/>
-              <a:t>, convolutional neural network, auto-encoders </a:t>
-            </a:r>
-            <a:r>
-              <a:rPr lang="en-US" dirty="0" err="1"/>
-              <a:t>ect</a:t>
-            </a:r>
-            <a:r>
-              <a:rPr lang="en-US" dirty="0"/>
-              <a:t>.)</a:t>
-            </a:r>
-          </a:p>
-          <a:p>
-            <a:pPr lvl="1"/>
-            <a:r>
-              <a:rPr lang="en-US" dirty="0"/>
-              <a:t>Coding in </a:t>
-            </a:r>
-            <a:r>
-              <a:rPr lang="en-US" dirty="0" err="1"/>
-              <a:t>Pytorch</a:t>
-            </a:r>
-            <a:endParaRPr lang="en-US" dirty="0"/>
+              <a:t>Coding in Pytorch</a:t>
+            </a:r>
           </a:p>
           <a:p>
             <a:endParaRPr lang="da-DK" dirty="0"/>
@@ -7197,7 +7168,7 @@
           <a:p>
             <a:fld id="{019E29B9-5584-4737-9C98-1B926378C778}" type="datetime1">
               <a:rPr lang="en-US" smtClean="0"/>
-              <a:t>5/24/2021</a:t>
+              <a:t>5/28/2021</a:t>
             </a:fld>
             <a:endParaRPr lang="da-DK"/>
           </a:p>
@@ -7341,7 +7312,7 @@
           <a:p>
             <a:fld id="{019E29B9-5584-4737-9C98-1B926378C778}" type="datetime1">
               <a:rPr lang="en-US" smtClean="0"/>
-              <a:t>5/24/2021</a:t>
+              <a:t>5/28/2021</a:t>
             </a:fld>
             <a:endParaRPr lang="da-DK"/>
           </a:p>
@@ -7662,7 +7633,7 @@
           <a:p>
             <a:fld id="{019E29B9-5584-4737-9C98-1B926378C778}" type="datetime1">
               <a:rPr lang="en-US" smtClean="0"/>
-              <a:t>5/24/2021</a:t>
+              <a:t>5/28/2021</a:t>
             </a:fld>
             <a:endParaRPr lang="da-DK"/>
           </a:p>
@@ -8187,7 +8158,7 @@
           <a:p>
             <a:fld id="{019E29B9-5584-4737-9C98-1B926378C778}" type="datetime1">
               <a:rPr lang="en-US" smtClean="0"/>
-              <a:t>5/24/2021</a:t>
+              <a:t>5/28/2021</a:t>
             </a:fld>
             <a:endParaRPr lang="da-DK"/>
           </a:p>
@@ -8408,7 +8379,7 @@
           <a:p>
             <a:fld id="{019E29B9-5584-4737-9C98-1B926378C778}" type="datetime1">
               <a:rPr lang="en-US" smtClean="0"/>
-              <a:t>5/24/2021</a:t>
+              <a:t>5/28/2021</a:t>
             </a:fld>
             <a:endParaRPr lang="da-DK"/>
           </a:p>
@@ -8577,7 +8548,7 @@
           <a:p>
             <a:fld id="{019E29B9-5584-4737-9C98-1B926378C778}" type="datetime1">
               <a:rPr lang="en-US" smtClean="0"/>
-              <a:t>5/24/2021</a:t>
+              <a:t>5/28/2021</a:t>
             </a:fld>
             <a:endParaRPr lang="da-DK"/>
           </a:p>
@@ -8794,7 +8765,7 @@
           <a:p>
             <a:fld id="{0DE03C17-2118-466B-9E30-BC2A82864501}" type="datetime1">
               <a:rPr lang="en-US" smtClean="0"/>
-              <a:t>5/24/2021</a:t>
+              <a:t>5/28/2021</a:t>
             </a:fld>
             <a:endParaRPr lang="da-DK"/>
           </a:p>

--- a/01_introduction/How_autodiff_changed_the_world.pptx
+++ b/01_introduction/How_autodiff_changed_the_world.pptx
@@ -5,28 +5,29 @@
     <p:sldMasterId id="2147483648" r:id="rId1"/>
   </p:sldMasterIdLst>
   <p:notesMasterIdLst>
-    <p:notesMasterId r:id="rId18"/>
+    <p:notesMasterId r:id="rId19"/>
   </p:notesMasterIdLst>
   <p:handoutMasterIdLst>
-    <p:handoutMasterId r:id="rId19"/>
+    <p:handoutMasterId r:id="rId20"/>
   </p:handoutMasterIdLst>
   <p:sldIdLst>
     <p:sldId id="256" r:id="rId2"/>
     <p:sldId id="266" r:id="rId3"/>
     <p:sldId id="268" r:id="rId4"/>
-    <p:sldId id="264" r:id="rId5"/>
-    <p:sldId id="265" r:id="rId6"/>
-    <p:sldId id="269" r:id="rId7"/>
-    <p:sldId id="267" r:id="rId8"/>
-    <p:sldId id="261" r:id="rId9"/>
-    <p:sldId id="257" r:id="rId10"/>
-    <p:sldId id="270" r:id="rId11"/>
-    <p:sldId id="258" r:id="rId12"/>
-    <p:sldId id="259" r:id="rId13"/>
-    <p:sldId id="260" r:id="rId14"/>
-    <p:sldId id="271" r:id="rId15"/>
-    <p:sldId id="263" r:id="rId16"/>
-    <p:sldId id="262" r:id="rId17"/>
+    <p:sldId id="272" r:id="rId5"/>
+    <p:sldId id="264" r:id="rId6"/>
+    <p:sldId id="265" r:id="rId7"/>
+    <p:sldId id="269" r:id="rId8"/>
+    <p:sldId id="267" r:id="rId9"/>
+    <p:sldId id="261" r:id="rId10"/>
+    <p:sldId id="257" r:id="rId11"/>
+    <p:sldId id="270" r:id="rId12"/>
+    <p:sldId id="258" r:id="rId13"/>
+    <p:sldId id="259" r:id="rId14"/>
+    <p:sldId id="260" r:id="rId15"/>
+    <p:sldId id="271" r:id="rId16"/>
+    <p:sldId id="263" r:id="rId17"/>
+    <p:sldId id="262" r:id="rId18"/>
   </p:sldIdLst>
   <p:sldSz cx="12192000" cy="6858000"/>
   <p:notesSz cx="6858000" cy="9144000"/>
@@ -230,7 +231,7 @@
           <a:p>
             <a:fld id="{D75CAE95-D2DD-4998-876A-092BFD628C65}" type="datetimeFigureOut">
               <a:rPr lang="da-DK" smtClean="0"/>
-              <a:t>28-05-2021</a:t>
+              <a:t>02-06-2021</a:t>
             </a:fld>
             <a:endParaRPr lang="da-DK"/>
           </a:p>
@@ -408,7 +409,7 @@
           <a:p>
             <a:fld id="{1DA8E099-58AA-4136-B409-1CAD1943D842}" type="datetimeFigureOut">
               <a:rPr lang="da-DK" smtClean="0"/>
-              <a:t>28-05-2021</a:t>
+              <a:t>02-06-2021</a:t>
             </a:fld>
             <a:endParaRPr lang="da-DK"/>
           </a:p>
@@ -826,7 +827,7 @@
           <a:p>
             <a:fld id="{C85334AD-9960-4065-BF34-86ED0345A76D}" type="datetime1">
               <a:rPr lang="en-US" smtClean="0"/>
-              <a:t>5/28/2021</a:t>
+              <a:t>6/2/2021</a:t>
             </a:fld>
             <a:endParaRPr lang="da-DK"/>
           </a:p>
@@ -1065,7 +1066,7 @@
           <a:p>
             <a:fld id="{C5669758-3775-48D7-A841-693E908C3BF4}" type="datetime1">
               <a:rPr lang="en-US" smtClean="0"/>
-              <a:t>5/28/2021</a:t>
+              <a:t>6/2/2021</a:t>
             </a:fld>
             <a:endParaRPr lang="da-DK"/>
           </a:p>
@@ -1278,7 +1279,7 @@
           <a:p>
             <a:fld id="{1E0C3FF1-EDBD-4F2A-8366-34A4E3728310}" type="datetime1">
               <a:rPr lang="en-US" smtClean="0"/>
-              <a:t>5/28/2021</a:t>
+              <a:t>6/2/2021</a:t>
             </a:fld>
             <a:endParaRPr lang="da-DK"/>
           </a:p>
@@ -1499,7 +1500,7 @@
           <a:p>
             <a:fld id="{019E29B9-5584-4737-9C98-1B926378C778}" type="datetime1">
               <a:rPr lang="en-US" smtClean="0"/>
-              <a:t>5/28/2021</a:t>
+              <a:t>6/2/2021</a:t>
             </a:fld>
             <a:endParaRPr lang="da-DK"/>
           </a:p>
@@ -1814,7 +1815,7 @@
           <a:p>
             <a:fld id="{FCE38F03-F67D-4508-A858-99FCD085087C}" type="datetime1">
               <a:rPr lang="en-US" smtClean="0"/>
-              <a:t>5/28/2021</a:t>
+              <a:t>6/2/2021</a:t>
             </a:fld>
             <a:endParaRPr lang="da-DK"/>
           </a:p>
@@ -2085,7 +2086,7 @@
           <a:p>
             <a:fld id="{B43F2930-3FFD-4F93-A4BD-4F0D1A0B4514}" type="datetime1">
               <a:rPr lang="en-US" smtClean="0"/>
-              <a:t>5/28/2021</a:t>
+              <a:t>6/2/2021</a:t>
             </a:fld>
             <a:endParaRPr lang="da-DK"/>
           </a:p>
@@ -2503,7 +2504,7 @@
           <a:p>
             <a:fld id="{8E0F9B9B-30CC-4693-8E0F-1A94A979E2C5}" type="datetime1">
               <a:rPr lang="en-US" smtClean="0"/>
-              <a:t>5/28/2021</a:t>
+              <a:t>6/2/2021</a:t>
             </a:fld>
             <a:endParaRPr lang="da-DK"/>
           </a:p>
@@ -2648,7 +2649,7 @@
           <a:p>
             <a:fld id="{6FE1433B-E6A7-44FF-8B55-539471B4D7C5}" type="datetime1">
               <a:rPr lang="en-US" smtClean="0"/>
-              <a:t>5/28/2021</a:t>
+              <a:t>6/2/2021</a:t>
             </a:fld>
             <a:endParaRPr lang="da-DK"/>
           </a:p>
@@ -2764,7 +2765,7 @@
           <a:p>
             <a:fld id="{624F4001-6A8C-42DA-824F-B5CC1375B861}" type="datetime1">
               <a:rPr lang="en-US" smtClean="0"/>
-              <a:t>5/28/2021</a:t>
+              <a:t>6/2/2021</a:t>
             </a:fld>
             <a:endParaRPr lang="da-DK"/>
           </a:p>
@@ -3080,7 +3081,7 @@
           <a:p>
             <a:fld id="{2D3BE137-2C5E-4078-8BA2-7D42D7E67218}" type="datetime1">
               <a:rPr lang="en-US" smtClean="0"/>
-              <a:t>5/28/2021</a:t>
+              <a:t>6/2/2021</a:t>
             </a:fld>
             <a:endParaRPr lang="da-DK"/>
           </a:p>
@@ -3372,7 +3373,7 @@
           <a:p>
             <a:fld id="{0D1436FF-56D3-4E93-92E8-71121EAB120E}" type="datetime1">
               <a:rPr lang="en-US" smtClean="0"/>
-              <a:t>5/28/2021</a:t>
+              <a:t>6/2/2021</a:t>
             </a:fld>
             <a:endParaRPr lang="da-DK"/>
           </a:p>
@@ -3618,7 +3619,7 @@
           <a:p>
             <a:fld id="{16601EF2-4BCA-4009-ACCF-B97F259DEF6F}" type="datetime1">
               <a:rPr lang="en-US" smtClean="0"/>
-              <a:t>5/28/2021</a:t>
+              <a:t>6/2/2021</a:t>
             </a:fld>
             <a:endParaRPr lang="da-DK"/>
           </a:p>
@@ -4144,6 +4145,14 @@
 <file path=ppt/slides/slide10.xml><?xml version="1.0" encoding="utf-8"?>
 <p:sld xmlns:a="http://schemas.openxmlformats.org/drawingml/2006/main" xmlns:r="http://schemas.openxmlformats.org/officeDocument/2006/relationships" xmlns:p="http://schemas.openxmlformats.org/presentationml/2006/main">
   <p:cSld>
+    <p:bg>
+      <p:bgPr>
+        <a:solidFill>
+          <a:schemeClr val="bg1"/>
+        </a:solidFill>
+        <a:effectLst/>
+      </p:bgPr>
+    </p:bg>
     <p:spTree>
       <p:nvGrpSpPr>
         <p:cNvPr id="1" name=""/>
@@ -4163,7 +4172,7 @@
           <p:cNvPr id="2" name="Title 1">
             <a:extLst>
               <a:ext uri="{FF2B5EF4-FFF2-40B4-BE49-F238E27FC236}">
-                <a16:creationId xmlns:a16="http://schemas.microsoft.com/office/drawing/2014/main" id="{3F9DA9FA-1B7B-49BC-BF6C-6CE681275C20}"/>
+                <a16:creationId xmlns:a16="http://schemas.microsoft.com/office/drawing/2014/main" id="{BD3F43E9-D451-4F9C-8DA9-4DED62226315}"/>
               </a:ext>
             </a:extLst>
           </p:cNvPr>
@@ -4181,110 +4190,26 @@
           <a:p>
             <a:r>
               <a:rPr lang="da-DK" dirty="0"/>
-              <a:t>Since then...</a:t>
-            </a:r>
-          </a:p>
-        </p:txBody>
-      </p:sp>
-      <p:sp>
-        <p:nvSpPr>
-          <p:cNvPr id="4" name="Date Placeholder 3">
-            <a:extLst>
-              <a:ext uri="{FF2B5EF4-FFF2-40B4-BE49-F238E27FC236}">
-                <a16:creationId xmlns:a16="http://schemas.microsoft.com/office/drawing/2014/main" id="{FABB54C4-4564-43C4-BAB4-AAF5EB244876}"/>
-              </a:ext>
-            </a:extLst>
-          </p:cNvPr>
-          <p:cNvSpPr>
-            <a:spLocks noGrp="1"/>
-          </p:cNvSpPr>
-          <p:nvPr>
-            <p:ph type="dt" sz="half" idx="10"/>
-          </p:nvPr>
-        </p:nvSpPr>
-        <p:spPr/>
-        <p:txBody>
-          <a:bodyPr/>
-          <a:lstStyle/>
-          <a:p>
-            <a:fld id="{019E29B9-5584-4737-9C98-1B926378C778}" type="datetime1">
-              <a:rPr lang="en-US" smtClean="0"/>
-              <a:t>5/28/2021</a:t>
-            </a:fld>
-            <a:endParaRPr lang="da-DK"/>
-          </a:p>
-        </p:txBody>
-      </p:sp>
-      <p:sp>
-        <p:nvSpPr>
-          <p:cNvPr id="5" name="Footer Placeholder 4">
-            <a:extLst>
-              <a:ext uri="{FF2B5EF4-FFF2-40B4-BE49-F238E27FC236}">
-                <a16:creationId xmlns:a16="http://schemas.microsoft.com/office/drawing/2014/main" id="{8B68E2F5-6936-45E5-BEA4-11C8FBA55C6F}"/>
-              </a:ext>
-            </a:extLst>
-          </p:cNvPr>
-          <p:cNvSpPr>
-            <a:spLocks noGrp="1"/>
-          </p:cNvSpPr>
-          <p:nvPr>
-            <p:ph type="ftr" sz="quarter" idx="11"/>
-          </p:nvPr>
-        </p:nvSpPr>
-        <p:spPr/>
-        <p:txBody>
-          <a:bodyPr/>
-          <a:lstStyle/>
-          <a:p>
-            <a:r>
-              <a:rPr lang="da-DK"/>
-              <a:t>Nicki Skafte Detlefsen</a:t>
-            </a:r>
-          </a:p>
-        </p:txBody>
-      </p:sp>
-      <p:sp>
-        <p:nvSpPr>
-          <p:cNvPr id="6" name="Slide Number Placeholder 5">
-            <a:extLst>
-              <a:ext uri="{FF2B5EF4-FFF2-40B4-BE49-F238E27FC236}">
-                <a16:creationId xmlns:a16="http://schemas.microsoft.com/office/drawing/2014/main" id="{B3D1581D-C2AC-44BB-8833-DF146236F317}"/>
-              </a:ext>
-            </a:extLst>
-          </p:cNvPr>
-          <p:cNvSpPr>
-            <a:spLocks noGrp="1"/>
-          </p:cNvSpPr>
-          <p:nvPr>
-            <p:ph type="sldNum" sz="quarter" idx="12"/>
-          </p:nvPr>
-        </p:nvSpPr>
-        <p:spPr/>
-        <p:txBody>
-          <a:bodyPr/>
-          <a:lstStyle/>
-          <a:p>
-            <a:fld id="{F6FEDE24-D50C-481B-A7B4-8AF13899101A}" type="slidenum">
-              <a:rPr lang="da-DK" smtClean="0"/>
-              <a:t>10</a:t>
-            </a:fld>
-            <a:endParaRPr lang="da-DK"/>
+              <a:t>The Deep Learning Revolution</a:t>
+            </a:r>
           </a:p>
         </p:txBody>
       </p:sp>
       <p:pic>
         <p:nvPicPr>
-          <p:cNvPr id="8" name="Picture 7">
-            <a:extLst>
-              <a:ext uri="{FF2B5EF4-FFF2-40B4-BE49-F238E27FC236}">
-                <a16:creationId xmlns:a16="http://schemas.microsoft.com/office/drawing/2014/main" id="{9F262AE0-79EB-47B8-B91C-873A484F9A57}"/>
+          <p:cNvPr id="8" name="Content Placeholder 7" descr="Chart, bar chart&#10;&#10;Description automatically generated">
+            <a:extLst>
+              <a:ext uri="{FF2B5EF4-FFF2-40B4-BE49-F238E27FC236}">
+                <a16:creationId xmlns:a16="http://schemas.microsoft.com/office/drawing/2014/main" id="{4F9F45B1-25A4-4B91-86CC-2599504A2C2F}"/>
               </a:ext>
             </a:extLst>
           </p:cNvPr>
           <p:cNvPicPr>
-            <a:picLocks noChangeAspect="1"/>
+            <a:picLocks noGrp="1" noChangeAspect="1"/>
           </p:cNvPicPr>
-          <p:nvPr/>
+          <p:nvPr>
+            <p:ph idx="1"/>
+          </p:nvPr>
         </p:nvPicPr>
         <p:blipFill>
           <a:blip r:embed="rId2">
@@ -4300,20 +4225,103 @@
         </p:blipFill>
         <p:spPr>
           <a:xfrm>
-            <a:off x="2209800" y="1030340"/>
-            <a:ext cx="3505907" cy="2337271"/>
+            <a:off x="4569870" y="1343025"/>
+            <a:ext cx="7232385" cy="4833938"/>
           </a:xfrm>
-          <a:prstGeom prst="rect">
-            <a:avLst/>
-          </a:prstGeom>
         </p:spPr>
       </p:pic>
+      <p:sp>
+        <p:nvSpPr>
+          <p:cNvPr id="4" name="Date Placeholder 3">
+            <a:extLst>
+              <a:ext uri="{FF2B5EF4-FFF2-40B4-BE49-F238E27FC236}">
+                <a16:creationId xmlns:a16="http://schemas.microsoft.com/office/drawing/2014/main" id="{6AEA63BF-42AC-472F-9C80-2D46E5E9E156}"/>
+              </a:ext>
+            </a:extLst>
+          </p:cNvPr>
+          <p:cNvSpPr>
+            <a:spLocks noGrp="1"/>
+          </p:cNvSpPr>
+          <p:nvPr>
+            <p:ph type="dt" sz="half" idx="10"/>
+          </p:nvPr>
+        </p:nvSpPr>
+        <p:spPr/>
+        <p:txBody>
+          <a:bodyPr/>
+          <a:lstStyle/>
+          <a:p>
+            <a:fld id="{0DE03C17-2118-466B-9E30-BC2A82864501}" type="datetime1">
+              <a:rPr lang="en-US" smtClean="0"/>
+              <a:t>6/2/2021</a:t>
+            </a:fld>
+            <a:endParaRPr lang="da-DK"/>
+          </a:p>
+        </p:txBody>
+      </p:sp>
+      <p:sp>
+        <p:nvSpPr>
+          <p:cNvPr id="5" name="Slide Number Placeholder 4">
+            <a:extLst>
+              <a:ext uri="{FF2B5EF4-FFF2-40B4-BE49-F238E27FC236}">
+                <a16:creationId xmlns:a16="http://schemas.microsoft.com/office/drawing/2014/main" id="{F22AB04B-B5F7-47D0-B9D7-674DB1073AB4}"/>
+              </a:ext>
+            </a:extLst>
+          </p:cNvPr>
+          <p:cNvSpPr>
+            <a:spLocks noGrp="1"/>
+          </p:cNvSpPr>
+          <p:nvPr>
+            <p:ph type="sldNum" sz="quarter" idx="12"/>
+          </p:nvPr>
+        </p:nvSpPr>
+        <p:spPr/>
+        <p:txBody>
+          <a:bodyPr/>
+          <a:lstStyle/>
+          <a:p>
+            <a:fld id="{F6FEDE24-D50C-481B-A7B4-8AF13899101A}" type="slidenum">
+              <a:rPr lang="da-DK" smtClean="0"/>
+              <a:t>10</a:t>
+            </a:fld>
+            <a:endParaRPr lang="da-DK"/>
+          </a:p>
+        </p:txBody>
+      </p:sp>
+      <p:sp>
+        <p:nvSpPr>
+          <p:cNvPr id="6" name="Footer Placeholder 5">
+            <a:extLst>
+              <a:ext uri="{FF2B5EF4-FFF2-40B4-BE49-F238E27FC236}">
+                <a16:creationId xmlns:a16="http://schemas.microsoft.com/office/drawing/2014/main" id="{69DB3193-F603-411B-B7EF-1217FBFED035}"/>
+              </a:ext>
+            </a:extLst>
+          </p:cNvPr>
+          <p:cNvSpPr>
+            <a:spLocks noGrp="1"/>
+          </p:cNvSpPr>
+          <p:nvPr>
+            <p:ph type="ftr" sz="quarter" idx="11"/>
+          </p:nvPr>
+        </p:nvSpPr>
+        <p:spPr/>
+        <p:txBody>
+          <a:bodyPr/>
+          <a:lstStyle/>
+          <a:p>
+            <a:r>
+              <a:rPr lang="da-DK"/>
+              <a:t>Nicki Skafte Detlefsen</a:t>
+            </a:r>
+          </a:p>
+        </p:txBody>
+      </p:sp>
       <p:pic>
         <p:nvPicPr>
-          <p:cNvPr id="12" name="Picture 11" descr="Text, letter, email&#10;&#10;Description automatically generated">
-            <a:extLst>
-              <a:ext uri="{FF2B5EF4-FFF2-40B4-BE49-F238E27FC236}">
-                <a16:creationId xmlns:a16="http://schemas.microsoft.com/office/drawing/2014/main" id="{AA4063B8-27A2-4C43-9B50-A731C33DE43C}"/>
+          <p:cNvPr id="7" name="Picture 6" descr="A picture containing many, shop, sale&#10;&#10;Description automatically generated">
+            <a:extLst>
+              <a:ext uri="{FF2B5EF4-FFF2-40B4-BE49-F238E27FC236}">
+                <a16:creationId xmlns:a16="http://schemas.microsoft.com/office/drawing/2014/main" id="{D5C757DC-5D31-4C1D-B4A2-F516DDE7A940}"/>
               </a:ext>
             </a:extLst>
           </p:cNvPr>
@@ -4336,254 +4344,18 @@
         </p:blipFill>
         <p:spPr>
           <a:xfrm>
-            <a:off x="2105026" y="3710552"/>
-            <a:ext cx="3505907" cy="2075613"/>
+            <a:off x="167172" y="1276014"/>
+            <a:ext cx="4310743" cy="4310743"/>
           </a:xfrm>
           <a:prstGeom prst="rect">
             <a:avLst/>
           </a:prstGeom>
         </p:spPr>
       </p:pic>
-      <p:pic>
-        <p:nvPicPr>
-          <p:cNvPr id="16" name="Picture 15" descr="Graphical user interface&#10;&#10;Description automatically generated with low confidence">
-            <a:extLst>
-              <a:ext uri="{FF2B5EF4-FFF2-40B4-BE49-F238E27FC236}">
-                <a16:creationId xmlns:a16="http://schemas.microsoft.com/office/drawing/2014/main" id="{AB09728F-ECBD-40EF-A028-0918BB14FDE1}"/>
-              </a:ext>
-            </a:extLst>
-          </p:cNvPr>
-          <p:cNvPicPr>
-            <a:picLocks noChangeAspect="1"/>
-          </p:cNvPicPr>
-          <p:nvPr/>
-        </p:nvPicPr>
-        <p:blipFill>
-          <a:blip r:embed="rId4">
-            <a:extLst>
-              <a:ext uri="{28A0092B-C50C-407E-A947-70E740481C1C}">
-                <a14:useLocalDpi xmlns:a14="http://schemas.microsoft.com/office/drawing/2010/main" val="0"/>
-              </a:ext>
-            </a:extLst>
-          </a:blip>
-          <a:stretch>
-            <a:fillRect/>
-          </a:stretch>
-        </p:blipFill>
-        <p:spPr>
-          <a:xfrm>
-            <a:off x="8103176" y="3724701"/>
-            <a:ext cx="3967596" cy="2172117"/>
-          </a:xfrm>
-          <a:prstGeom prst="rect">
-            <a:avLst/>
-          </a:prstGeom>
-        </p:spPr>
-      </p:pic>
-      <p:pic>
-        <p:nvPicPr>
-          <p:cNvPr id="18" name="Picture 17" descr="A screenshot of a video game&#10;&#10;Description automatically generated">
-            <a:extLst>
-              <a:ext uri="{FF2B5EF4-FFF2-40B4-BE49-F238E27FC236}">
-                <a16:creationId xmlns:a16="http://schemas.microsoft.com/office/drawing/2014/main" id="{A58CE479-1570-46E9-8E62-E10F6079F3E6}"/>
-              </a:ext>
-            </a:extLst>
-          </p:cNvPr>
-          <p:cNvPicPr>
-            <a:picLocks noChangeAspect="1"/>
-          </p:cNvPicPr>
-          <p:nvPr/>
-        </p:nvPicPr>
-        <p:blipFill>
-          <a:blip r:embed="rId5">
-            <a:extLst>
-              <a:ext uri="{28A0092B-C50C-407E-A947-70E740481C1C}">
-                <a14:useLocalDpi xmlns:a14="http://schemas.microsoft.com/office/drawing/2010/main" val="0"/>
-              </a:ext>
-            </a:extLst>
-          </a:blip>
-          <a:stretch>
-            <a:fillRect/>
-          </a:stretch>
-        </p:blipFill>
-        <p:spPr>
-          <a:xfrm>
-            <a:off x="8103176" y="961182"/>
-            <a:ext cx="2875582" cy="2406429"/>
-          </a:xfrm>
-          <a:prstGeom prst="rect">
-            <a:avLst/>
-          </a:prstGeom>
-        </p:spPr>
-      </p:pic>
-      <p:sp>
-        <p:nvSpPr>
-          <p:cNvPr id="21" name="TextBox 20">
-            <a:extLst>
-              <a:ext uri="{FF2B5EF4-FFF2-40B4-BE49-F238E27FC236}">
-                <a16:creationId xmlns:a16="http://schemas.microsoft.com/office/drawing/2014/main" id="{52D27070-702D-4412-A414-982E182D29FB}"/>
-              </a:ext>
-            </a:extLst>
-          </p:cNvPr>
-          <p:cNvSpPr txBox="1"/>
-          <p:nvPr/>
-        </p:nvSpPr>
-        <p:spPr>
-          <a:xfrm>
-            <a:off x="285750" y="1743075"/>
-            <a:ext cx="1924050" cy="646331"/>
-          </a:xfrm>
-          <a:prstGeom prst="rect">
-            <a:avLst/>
-          </a:prstGeom>
-          <a:noFill/>
-        </p:spPr>
-        <p:txBody>
-          <a:bodyPr wrap="square" rtlCol="0">
-            <a:spAutoFit/>
-          </a:bodyPr>
-          <a:lstStyle/>
-          <a:p>
-            <a:r>
-              <a:rPr lang="da-DK" dirty="0"/>
-              <a:t>AlphaGO:</a:t>
-            </a:r>
-          </a:p>
-          <a:p>
-            <a:r>
-              <a:rPr lang="da-DK" dirty="0"/>
-              <a:t>Beating humans</a:t>
-            </a:r>
-          </a:p>
-        </p:txBody>
-      </p:sp>
-      <p:sp>
-        <p:nvSpPr>
-          <p:cNvPr id="22" name="TextBox 21">
-            <a:extLst>
-              <a:ext uri="{FF2B5EF4-FFF2-40B4-BE49-F238E27FC236}">
-                <a16:creationId xmlns:a16="http://schemas.microsoft.com/office/drawing/2014/main" id="{43C8FF20-F30C-4C8D-8D7B-50661779AD99}"/>
-              </a:ext>
-            </a:extLst>
-          </p:cNvPr>
-          <p:cNvSpPr txBox="1"/>
-          <p:nvPr/>
-        </p:nvSpPr>
-        <p:spPr>
-          <a:xfrm>
-            <a:off x="285750" y="4425192"/>
-            <a:ext cx="1924050" cy="1200329"/>
-          </a:xfrm>
-          <a:prstGeom prst="rect">
-            <a:avLst/>
-          </a:prstGeom>
-          <a:noFill/>
-        </p:spPr>
-        <p:txBody>
-          <a:bodyPr wrap="square" rtlCol="0">
-            <a:spAutoFit/>
-          </a:bodyPr>
-          <a:lstStyle/>
-          <a:p>
-            <a:r>
-              <a:rPr lang="da-DK" dirty="0"/>
-              <a:t>GPT-3</a:t>
-            </a:r>
-          </a:p>
-          <a:p>
-            <a:r>
-              <a:rPr lang="da-DK" dirty="0"/>
-              <a:t>Having conversations with humans</a:t>
-            </a:r>
-          </a:p>
-        </p:txBody>
-      </p:sp>
-      <p:sp>
-        <p:nvSpPr>
-          <p:cNvPr id="23" name="TextBox 22">
-            <a:extLst>
-              <a:ext uri="{FF2B5EF4-FFF2-40B4-BE49-F238E27FC236}">
-                <a16:creationId xmlns:a16="http://schemas.microsoft.com/office/drawing/2014/main" id="{25457C11-8515-418D-AD90-BF3C7D71F424}"/>
-              </a:ext>
-            </a:extLst>
-          </p:cNvPr>
-          <p:cNvSpPr txBox="1"/>
-          <p:nvPr/>
-        </p:nvSpPr>
-        <p:spPr>
-          <a:xfrm>
-            <a:off x="6476295" y="1841230"/>
-            <a:ext cx="1924050" cy="1200329"/>
-          </a:xfrm>
-          <a:prstGeom prst="rect">
-            <a:avLst/>
-          </a:prstGeom>
-          <a:noFill/>
-        </p:spPr>
-        <p:txBody>
-          <a:bodyPr wrap="square" rtlCol="0">
-            <a:spAutoFit/>
-          </a:bodyPr>
-          <a:lstStyle/>
-          <a:p>
-            <a:r>
-              <a:rPr lang="da-DK" dirty="0"/>
-              <a:t>Unet:</a:t>
-            </a:r>
-          </a:p>
-          <a:p>
-            <a:r>
-              <a:rPr lang="da-DK" dirty="0"/>
-              <a:t>High quality semantic segmentation</a:t>
-            </a:r>
-          </a:p>
-        </p:txBody>
-      </p:sp>
-      <p:sp>
-        <p:nvSpPr>
-          <p:cNvPr id="24" name="TextBox 23">
-            <a:extLst>
-              <a:ext uri="{FF2B5EF4-FFF2-40B4-BE49-F238E27FC236}">
-                <a16:creationId xmlns:a16="http://schemas.microsoft.com/office/drawing/2014/main" id="{FE816B9D-A490-4B5C-9F65-4FA30295BCD1}"/>
-              </a:ext>
-            </a:extLst>
-          </p:cNvPr>
-          <p:cNvSpPr txBox="1"/>
-          <p:nvPr/>
-        </p:nvSpPr>
-        <p:spPr>
-          <a:xfrm>
-            <a:off x="6613003" y="4424842"/>
-            <a:ext cx="1924050" cy="923330"/>
-          </a:xfrm>
-          <a:prstGeom prst="rect">
-            <a:avLst/>
-          </a:prstGeom>
-          <a:noFill/>
-        </p:spPr>
-        <p:txBody>
-          <a:bodyPr wrap="square" rtlCol="0">
-            <a:spAutoFit/>
-          </a:bodyPr>
-          <a:lstStyle/>
-          <a:p>
-            <a:r>
-              <a:rPr lang="da-DK" dirty="0"/>
-              <a:t>AlphaFold:</a:t>
-            </a:r>
-          </a:p>
-          <a:p>
-            <a:r>
-              <a:rPr lang="da-DK" dirty="0"/>
-              <a:t>Solving protein engineering</a:t>
-            </a:r>
-          </a:p>
-        </p:txBody>
-      </p:sp>
     </p:spTree>
     <p:extLst>
       <p:ext uri="{BB962C8B-B14F-4D97-AF65-F5344CB8AC3E}">
-        <p14:creationId xmlns:p14="http://schemas.microsoft.com/office/powerpoint/2010/main" val="2238678770"/>
+        <p14:creationId xmlns:p14="http://schemas.microsoft.com/office/powerpoint/2010/main" val="805747189"/>
       </p:ext>
     </p:extLst>
   </p:cSld>
@@ -4615,7 +4387,7 @@
           <p:cNvPr id="2" name="Title 1">
             <a:extLst>
               <a:ext uri="{FF2B5EF4-FFF2-40B4-BE49-F238E27FC236}">
-                <a16:creationId xmlns:a16="http://schemas.microsoft.com/office/drawing/2014/main" id="{81497318-FC28-4911-B129-D1F77AA1B4F6}"/>
+                <a16:creationId xmlns:a16="http://schemas.microsoft.com/office/drawing/2014/main" id="{3F9DA9FA-1B7B-49BC-BF6C-6CE681275C20}"/>
               </a:ext>
             </a:extLst>
           </p:cNvPr>
@@ -4633,7 +4405,7 @@
           <a:p>
             <a:r>
               <a:rPr lang="da-DK" dirty="0"/>
-              <a:t>What has changed?</a:t>
+              <a:t>Since then...</a:t>
             </a:r>
           </a:p>
         </p:txBody>
@@ -4643,7 +4415,7 @@
           <p:cNvPr id="4" name="Date Placeholder 3">
             <a:extLst>
               <a:ext uri="{FF2B5EF4-FFF2-40B4-BE49-F238E27FC236}">
-                <a16:creationId xmlns:a16="http://schemas.microsoft.com/office/drawing/2014/main" id="{DAEFEB3D-1C42-463F-B2E7-4D2CB68294AC}"/>
+                <a16:creationId xmlns:a16="http://schemas.microsoft.com/office/drawing/2014/main" id="{FABB54C4-4564-43C4-BAB4-AAF5EB244876}"/>
               </a:ext>
             </a:extLst>
           </p:cNvPr>
@@ -4661,7 +4433,7 @@
           <a:p>
             <a:fld id="{019E29B9-5584-4737-9C98-1B926378C778}" type="datetime1">
               <a:rPr lang="en-US" smtClean="0"/>
-              <a:t>5/28/2021</a:t>
+              <a:t>6/2/2021</a:t>
             </a:fld>
             <a:endParaRPr lang="da-DK"/>
           </a:p>
@@ -4672,7 +4444,7 @@
           <p:cNvPr id="5" name="Footer Placeholder 4">
             <a:extLst>
               <a:ext uri="{FF2B5EF4-FFF2-40B4-BE49-F238E27FC236}">
-                <a16:creationId xmlns:a16="http://schemas.microsoft.com/office/drawing/2014/main" id="{20DB3BB7-83AD-4B1A-A3B9-CD0845CF77A5}"/>
+                <a16:creationId xmlns:a16="http://schemas.microsoft.com/office/drawing/2014/main" id="{8B68E2F5-6936-45E5-BEA4-11C8FBA55C6F}"/>
               </a:ext>
             </a:extLst>
           </p:cNvPr>
@@ -4700,7 +4472,7 @@
           <p:cNvPr id="6" name="Slide Number Placeholder 5">
             <a:extLst>
               <a:ext uri="{FF2B5EF4-FFF2-40B4-BE49-F238E27FC236}">
-                <a16:creationId xmlns:a16="http://schemas.microsoft.com/office/drawing/2014/main" id="{D4D6810B-0AEC-4CC3-8F2F-28833D36EA46}"/>
+                <a16:creationId xmlns:a16="http://schemas.microsoft.com/office/drawing/2014/main" id="{B3D1581D-C2AC-44BB-8833-DF146236F317}"/>
               </a:ext>
             </a:extLst>
           </p:cNvPr>
@@ -4719,6 +4491,458 @@
             <a:fld id="{F6FEDE24-D50C-481B-A7B4-8AF13899101A}" type="slidenum">
               <a:rPr lang="da-DK" smtClean="0"/>
               <a:t>11</a:t>
+            </a:fld>
+            <a:endParaRPr lang="da-DK"/>
+          </a:p>
+        </p:txBody>
+      </p:sp>
+      <p:pic>
+        <p:nvPicPr>
+          <p:cNvPr id="8" name="Picture 7">
+            <a:extLst>
+              <a:ext uri="{FF2B5EF4-FFF2-40B4-BE49-F238E27FC236}">
+                <a16:creationId xmlns:a16="http://schemas.microsoft.com/office/drawing/2014/main" id="{9F262AE0-79EB-47B8-B91C-873A484F9A57}"/>
+              </a:ext>
+            </a:extLst>
+          </p:cNvPr>
+          <p:cNvPicPr>
+            <a:picLocks noChangeAspect="1"/>
+          </p:cNvPicPr>
+          <p:nvPr/>
+        </p:nvPicPr>
+        <p:blipFill>
+          <a:blip r:embed="rId2">
+            <a:extLst>
+              <a:ext uri="{28A0092B-C50C-407E-A947-70E740481C1C}">
+                <a14:useLocalDpi xmlns:a14="http://schemas.microsoft.com/office/drawing/2010/main" val="0"/>
+              </a:ext>
+            </a:extLst>
+          </a:blip>
+          <a:stretch>
+            <a:fillRect/>
+          </a:stretch>
+        </p:blipFill>
+        <p:spPr>
+          <a:xfrm>
+            <a:off x="2209800" y="1030340"/>
+            <a:ext cx="3505907" cy="2337271"/>
+          </a:xfrm>
+          <a:prstGeom prst="rect">
+            <a:avLst/>
+          </a:prstGeom>
+        </p:spPr>
+      </p:pic>
+      <p:pic>
+        <p:nvPicPr>
+          <p:cNvPr id="12" name="Picture 11" descr="Text, letter, email&#10;&#10;Description automatically generated">
+            <a:extLst>
+              <a:ext uri="{FF2B5EF4-FFF2-40B4-BE49-F238E27FC236}">
+                <a16:creationId xmlns:a16="http://schemas.microsoft.com/office/drawing/2014/main" id="{AA4063B8-27A2-4C43-9B50-A731C33DE43C}"/>
+              </a:ext>
+            </a:extLst>
+          </p:cNvPr>
+          <p:cNvPicPr>
+            <a:picLocks noChangeAspect="1"/>
+          </p:cNvPicPr>
+          <p:nvPr/>
+        </p:nvPicPr>
+        <p:blipFill>
+          <a:blip r:embed="rId3">
+            <a:extLst>
+              <a:ext uri="{28A0092B-C50C-407E-A947-70E740481C1C}">
+                <a14:useLocalDpi xmlns:a14="http://schemas.microsoft.com/office/drawing/2010/main" val="0"/>
+              </a:ext>
+            </a:extLst>
+          </a:blip>
+          <a:stretch>
+            <a:fillRect/>
+          </a:stretch>
+        </p:blipFill>
+        <p:spPr>
+          <a:xfrm>
+            <a:off x="2105026" y="3710552"/>
+            <a:ext cx="3505907" cy="2075613"/>
+          </a:xfrm>
+          <a:prstGeom prst="rect">
+            <a:avLst/>
+          </a:prstGeom>
+        </p:spPr>
+      </p:pic>
+      <p:pic>
+        <p:nvPicPr>
+          <p:cNvPr id="16" name="Picture 15" descr="Graphical user interface&#10;&#10;Description automatically generated with low confidence">
+            <a:extLst>
+              <a:ext uri="{FF2B5EF4-FFF2-40B4-BE49-F238E27FC236}">
+                <a16:creationId xmlns:a16="http://schemas.microsoft.com/office/drawing/2014/main" id="{AB09728F-ECBD-40EF-A028-0918BB14FDE1}"/>
+              </a:ext>
+            </a:extLst>
+          </p:cNvPr>
+          <p:cNvPicPr>
+            <a:picLocks noChangeAspect="1"/>
+          </p:cNvPicPr>
+          <p:nvPr/>
+        </p:nvPicPr>
+        <p:blipFill>
+          <a:blip r:embed="rId4">
+            <a:extLst>
+              <a:ext uri="{28A0092B-C50C-407E-A947-70E740481C1C}">
+                <a14:useLocalDpi xmlns:a14="http://schemas.microsoft.com/office/drawing/2010/main" val="0"/>
+              </a:ext>
+            </a:extLst>
+          </a:blip>
+          <a:stretch>
+            <a:fillRect/>
+          </a:stretch>
+        </p:blipFill>
+        <p:spPr>
+          <a:xfrm>
+            <a:off x="8103176" y="3724701"/>
+            <a:ext cx="3967596" cy="2172117"/>
+          </a:xfrm>
+          <a:prstGeom prst="rect">
+            <a:avLst/>
+          </a:prstGeom>
+        </p:spPr>
+      </p:pic>
+      <p:pic>
+        <p:nvPicPr>
+          <p:cNvPr id="18" name="Picture 17" descr="A screenshot of a video game&#10;&#10;Description automatically generated">
+            <a:extLst>
+              <a:ext uri="{FF2B5EF4-FFF2-40B4-BE49-F238E27FC236}">
+                <a16:creationId xmlns:a16="http://schemas.microsoft.com/office/drawing/2014/main" id="{A58CE479-1570-46E9-8E62-E10F6079F3E6}"/>
+              </a:ext>
+            </a:extLst>
+          </p:cNvPr>
+          <p:cNvPicPr>
+            <a:picLocks noChangeAspect="1"/>
+          </p:cNvPicPr>
+          <p:nvPr/>
+        </p:nvPicPr>
+        <p:blipFill>
+          <a:blip r:embed="rId5">
+            <a:extLst>
+              <a:ext uri="{28A0092B-C50C-407E-A947-70E740481C1C}">
+                <a14:useLocalDpi xmlns:a14="http://schemas.microsoft.com/office/drawing/2010/main" val="0"/>
+              </a:ext>
+            </a:extLst>
+          </a:blip>
+          <a:stretch>
+            <a:fillRect/>
+          </a:stretch>
+        </p:blipFill>
+        <p:spPr>
+          <a:xfrm>
+            <a:off x="8103176" y="961182"/>
+            <a:ext cx="2875582" cy="2406429"/>
+          </a:xfrm>
+          <a:prstGeom prst="rect">
+            <a:avLst/>
+          </a:prstGeom>
+        </p:spPr>
+      </p:pic>
+      <p:sp>
+        <p:nvSpPr>
+          <p:cNvPr id="21" name="TextBox 20">
+            <a:extLst>
+              <a:ext uri="{FF2B5EF4-FFF2-40B4-BE49-F238E27FC236}">
+                <a16:creationId xmlns:a16="http://schemas.microsoft.com/office/drawing/2014/main" id="{52D27070-702D-4412-A414-982E182D29FB}"/>
+              </a:ext>
+            </a:extLst>
+          </p:cNvPr>
+          <p:cNvSpPr txBox="1"/>
+          <p:nvPr/>
+        </p:nvSpPr>
+        <p:spPr>
+          <a:xfrm>
+            <a:off x="285750" y="1743075"/>
+            <a:ext cx="1924050" cy="646331"/>
+          </a:xfrm>
+          <a:prstGeom prst="rect">
+            <a:avLst/>
+          </a:prstGeom>
+          <a:noFill/>
+        </p:spPr>
+        <p:txBody>
+          <a:bodyPr wrap="square" rtlCol="0">
+            <a:spAutoFit/>
+          </a:bodyPr>
+          <a:lstStyle/>
+          <a:p>
+            <a:r>
+              <a:rPr lang="da-DK" dirty="0"/>
+              <a:t>AlphaGO:</a:t>
+            </a:r>
+          </a:p>
+          <a:p>
+            <a:r>
+              <a:rPr lang="da-DK" dirty="0"/>
+              <a:t>Beating humans</a:t>
+            </a:r>
+          </a:p>
+        </p:txBody>
+      </p:sp>
+      <p:sp>
+        <p:nvSpPr>
+          <p:cNvPr id="22" name="TextBox 21">
+            <a:extLst>
+              <a:ext uri="{FF2B5EF4-FFF2-40B4-BE49-F238E27FC236}">
+                <a16:creationId xmlns:a16="http://schemas.microsoft.com/office/drawing/2014/main" id="{43C8FF20-F30C-4C8D-8D7B-50661779AD99}"/>
+              </a:ext>
+            </a:extLst>
+          </p:cNvPr>
+          <p:cNvSpPr txBox="1"/>
+          <p:nvPr/>
+        </p:nvSpPr>
+        <p:spPr>
+          <a:xfrm>
+            <a:off x="285750" y="4425192"/>
+            <a:ext cx="1924050" cy="1200329"/>
+          </a:xfrm>
+          <a:prstGeom prst="rect">
+            <a:avLst/>
+          </a:prstGeom>
+          <a:noFill/>
+        </p:spPr>
+        <p:txBody>
+          <a:bodyPr wrap="square" rtlCol="0">
+            <a:spAutoFit/>
+          </a:bodyPr>
+          <a:lstStyle/>
+          <a:p>
+            <a:r>
+              <a:rPr lang="da-DK" dirty="0"/>
+              <a:t>GPT-3</a:t>
+            </a:r>
+          </a:p>
+          <a:p>
+            <a:r>
+              <a:rPr lang="da-DK" dirty="0"/>
+              <a:t>Having conversations with humans</a:t>
+            </a:r>
+          </a:p>
+        </p:txBody>
+      </p:sp>
+      <p:sp>
+        <p:nvSpPr>
+          <p:cNvPr id="23" name="TextBox 22">
+            <a:extLst>
+              <a:ext uri="{FF2B5EF4-FFF2-40B4-BE49-F238E27FC236}">
+                <a16:creationId xmlns:a16="http://schemas.microsoft.com/office/drawing/2014/main" id="{25457C11-8515-418D-AD90-BF3C7D71F424}"/>
+              </a:ext>
+            </a:extLst>
+          </p:cNvPr>
+          <p:cNvSpPr txBox="1"/>
+          <p:nvPr/>
+        </p:nvSpPr>
+        <p:spPr>
+          <a:xfrm>
+            <a:off x="6476295" y="1841230"/>
+            <a:ext cx="1924050" cy="1200329"/>
+          </a:xfrm>
+          <a:prstGeom prst="rect">
+            <a:avLst/>
+          </a:prstGeom>
+          <a:noFill/>
+        </p:spPr>
+        <p:txBody>
+          <a:bodyPr wrap="square" rtlCol="0">
+            <a:spAutoFit/>
+          </a:bodyPr>
+          <a:lstStyle/>
+          <a:p>
+            <a:r>
+              <a:rPr lang="da-DK" dirty="0"/>
+              <a:t>Unet:</a:t>
+            </a:r>
+          </a:p>
+          <a:p>
+            <a:r>
+              <a:rPr lang="da-DK" dirty="0"/>
+              <a:t>High quality semantic segmentation</a:t>
+            </a:r>
+          </a:p>
+        </p:txBody>
+      </p:sp>
+      <p:sp>
+        <p:nvSpPr>
+          <p:cNvPr id="24" name="TextBox 23">
+            <a:extLst>
+              <a:ext uri="{FF2B5EF4-FFF2-40B4-BE49-F238E27FC236}">
+                <a16:creationId xmlns:a16="http://schemas.microsoft.com/office/drawing/2014/main" id="{FE816B9D-A490-4B5C-9F65-4FA30295BCD1}"/>
+              </a:ext>
+            </a:extLst>
+          </p:cNvPr>
+          <p:cNvSpPr txBox="1"/>
+          <p:nvPr/>
+        </p:nvSpPr>
+        <p:spPr>
+          <a:xfrm>
+            <a:off x="6613003" y="4424842"/>
+            <a:ext cx="1924050" cy="923330"/>
+          </a:xfrm>
+          <a:prstGeom prst="rect">
+            <a:avLst/>
+          </a:prstGeom>
+          <a:noFill/>
+        </p:spPr>
+        <p:txBody>
+          <a:bodyPr wrap="square" rtlCol="0">
+            <a:spAutoFit/>
+          </a:bodyPr>
+          <a:lstStyle/>
+          <a:p>
+            <a:r>
+              <a:rPr lang="da-DK" dirty="0"/>
+              <a:t>AlphaFold:</a:t>
+            </a:r>
+          </a:p>
+          <a:p>
+            <a:r>
+              <a:rPr lang="da-DK" dirty="0"/>
+              <a:t>Solving protein engineering</a:t>
+            </a:r>
+          </a:p>
+        </p:txBody>
+      </p:sp>
+    </p:spTree>
+    <p:extLst>
+      <p:ext uri="{BB962C8B-B14F-4D97-AF65-F5344CB8AC3E}">
+        <p14:creationId xmlns:p14="http://schemas.microsoft.com/office/powerpoint/2010/main" val="2238678770"/>
+      </p:ext>
+    </p:extLst>
+  </p:cSld>
+  <p:clrMapOvr>
+    <a:masterClrMapping/>
+  </p:clrMapOvr>
+</p:sld>
+</file>
+
+<file path=ppt/slides/slide12.xml><?xml version="1.0" encoding="utf-8"?>
+<p:sld xmlns:a="http://schemas.openxmlformats.org/drawingml/2006/main" xmlns:r="http://schemas.openxmlformats.org/officeDocument/2006/relationships" xmlns:p="http://schemas.openxmlformats.org/presentationml/2006/main">
+  <p:cSld>
+    <p:spTree>
+      <p:nvGrpSpPr>
+        <p:cNvPr id="1" name=""/>
+        <p:cNvGrpSpPr/>
+        <p:nvPr/>
+      </p:nvGrpSpPr>
+      <p:grpSpPr>
+        <a:xfrm>
+          <a:off x="0" y="0"/>
+          <a:ext cx="0" cy="0"/>
+          <a:chOff x="0" y="0"/>
+          <a:chExt cx="0" cy="0"/>
+        </a:xfrm>
+      </p:grpSpPr>
+      <p:sp>
+        <p:nvSpPr>
+          <p:cNvPr id="2" name="Title 1">
+            <a:extLst>
+              <a:ext uri="{FF2B5EF4-FFF2-40B4-BE49-F238E27FC236}">
+                <a16:creationId xmlns:a16="http://schemas.microsoft.com/office/drawing/2014/main" id="{81497318-FC28-4911-B129-D1F77AA1B4F6}"/>
+              </a:ext>
+            </a:extLst>
+          </p:cNvPr>
+          <p:cNvSpPr>
+            <a:spLocks noGrp="1"/>
+          </p:cNvSpPr>
+          <p:nvPr>
+            <p:ph type="title"/>
+          </p:nvPr>
+        </p:nvSpPr>
+        <p:spPr/>
+        <p:txBody>
+          <a:bodyPr/>
+          <a:lstStyle/>
+          <a:p>
+            <a:r>
+              <a:rPr lang="da-DK" dirty="0"/>
+              <a:t>What has changed?</a:t>
+            </a:r>
+          </a:p>
+        </p:txBody>
+      </p:sp>
+      <p:sp>
+        <p:nvSpPr>
+          <p:cNvPr id="4" name="Date Placeholder 3">
+            <a:extLst>
+              <a:ext uri="{FF2B5EF4-FFF2-40B4-BE49-F238E27FC236}">
+                <a16:creationId xmlns:a16="http://schemas.microsoft.com/office/drawing/2014/main" id="{DAEFEB3D-1C42-463F-B2E7-4D2CB68294AC}"/>
+              </a:ext>
+            </a:extLst>
+          </p:cNvPr>
+          <p:cNvSpPr>
+            <a:spLocks noGrp="1"/>
+          </p:cNvSpPr>
+          <p:nvPr>
+            <p:ph type="dt" sz="half" idx="10"/>
+          </p:nvPr>
+        </p:nvSpPr>
+        <p:spPr/>
+        <p:txBody>
+          <a:bodyPr/>
+          <a:lstStyle/>
+          <a:p>
+            <a:fld id="{019E29B9-5584-4737-9C98-1B926378C778}" type="datetime1">
+              <a:rPr lang="en-US" smtClean="0"/>
+              <a:t>6/2/2021</a:t>
+            </a:fld>
+            <a:endParaRPr lang="da-DK"/>
+          </a:p>
+        </p:txBody>
+      </p:sp>
+      <p:sp>
+        <p:nvSpPr>
+          <p:cNvPr id="5" name="Footer Placeholder 4">
+            <a:extLst>
+              <a:ext uri="{FF2B5EF4-FFF2-40B4-BE49-F238E27FC236}">
+                <a16:creationId xmlns:a16="http://schemas.microsoft.com/office/drawing/2014/main" id="{20DB3BB7-83AD-4B1A-A3B9-CD0845CF77A5}"/>
+              </a:ext>
+            </a:extLst>
+          </p:cNvPr>
+          <p:cNvSpPr>
+            <a:spLocks noGrp="1"/>
+          </p:cNvSpPr>
+          <p:nvPr>
+            <p:ph type="ftr" sz="quarter" idx="11"/>
+          </p:nvPr>
+        </p:nvSpPr>
+        <p:spPr/>
+        <p:txBody>
+          <a:bodyPr/>
+          <a:lstStyle/>
+          <a:p>
+            <a:r>
+              <a:rPr lang="da-DK"/>
+              <a:t>Nicki Skafte Detlefsen</a:t>
+            </a:r>
+          </a:p>
+        </p:txBody>
+      </p:sp>
+      <p:sp>
+        <p:nvSpPr>
+          <p:cNvPr id="6" name="Slide Number Placeholder 5">
+            <a:extLst>
+              <a:ext uri="{FF2B5EF4-FFF2-40B4-BE49-F238E27FC236}">
+                <a16:creationId xmlns:a16="http://schemas.microsoft.com/office/drawing/2014/main" id="{D4D6810B-0AEC-4CC3-8F2F-28833D36EA46}"/>
+              </a:ext>
+            </a:extLst>
+          </p:cNvPr>
+          <p:cNvSpPr>
+            <a:spLocks noGrp="1"/>
+          </p:cNvSpPr>
+          <p:nvPr>
+            <p:ph type="sldNum" sz="quarter" idx="12"/>
+          </p:nvPr>
+        </p:nvSpPr>
+        <p:spPr/>
+        <p:txBody>
+          <a:bodyPr/>
+          <a:lstStyle/>
+          <a:p>
+            <a:fld id="{F6FEDE24-D50C-481B-A7B4-8AF13899101A}" type="slidenum">
+              <a:rPr lang="da-DK" smtClean="0"/>
+              <a:t>12</a:t>
             </a:fld>
             <a:endParaRPr lang="da-DK"/>
           </a:p>
@@ -5336,7 +5560,7 @@
 </p:sld>
 </file>
 
-<file path=ppt/slides/slide12.xml><?xml version="1.0" encoding="utf-8"?>
+<file path=ppt/slides/slide13.xml><?xml version="1.0" encoding="utf-8"?>
 <p:sld xmlns:a="http://schemas.openxmlformats.org/drawingml/2006/main" xmlns:r="http://schemas.openxmlformats.org/officeDocument/2006/relationships" xmlns:p="http://schemas.openxmlformats.org/presentationml/2006/main">
   <p:cSld>
     <p:spTree>
@@ -5436,7 +5660,7 @@
           <a:p>
             <a:fld id="{019E29B9-5584-4737-9C98-1B926378C778}" type="datetime1">
               <a:rPr lang="en-US" smtClean="0"/>
-              <a:t>5/28/2021</a:t>
+              <a:t>6/2/2021</a:t>
             </a:fld>
             <a:endParaRPr lang="da-DK"/>
           </a:p>
@@ -5493,7 +5717,7 @@
           <a:p>
             <a:fld id="{F6FEDE24-D50C-481B-A7B4-8AF13899101A}" type="slidenum">
               <a:rPr lang="da-DK" smtClean="0"/>
-              <a:t>12</a:t>
+              <a:t>13</a:t>
             </a:fld>
             <a:endParaRPr lang="da-DK"/>
           </a:p>
@@ -5542,7 +5766,7 @@
 </p:sld>
 </file>
 
-<file path=ppt/slides/slide13.xml><?xml version="1.0" encoding="utf-8"?>
+<file path=ppt/slides/slide14.xml><?xml version="1.0" encoding="utf-8"?>
 <p:sld xmlns:a="http://schemas.openxmlformats.org/drawingml/2006/main" xmlns:r="http://schemas.openxmlformats.org/officeDocument/2006/relationships" xmlns:p="http://schemas.openxmlformats.org/presentationml/2006/main">
   <p:cSld>
     <p:spTree>
@@ -5683,7 +5907,7 @@
           <a:p>
             <a:fld id="{019E29B9-5584-4737-9C98-1B926378C778}" type="datetime1">
               <a:rPr lang="en-US" smtClean="0"/>
-              <a:t>5/28/2021</a:t>
+              <a:t>6/2/2021</a:t>
             </a:fld>
             <a:endParaRPr lang="da-DK"/>
           </a:p>
@@ -5740,7 +5964,7 @@
           <a:p>
             <a:fld id="{F6FEDE24-D50C-481B-A7B4-8AF13899101A}" type="slidenum">
               <a:rPr lang="da-DK" smtClean="0"/>
-              <a:t>13</a:t>
+              <a:t>14</a:t>
             </a:fld>
             <a:endParaRPr lang="da-DK"/>
           </a:p>
@@ -5999,190 +6223,6 @@
 </p:sld>
 </file>
 
-<file path=ppt/slides/slide14.xml><?xml version="1.0" encoding="utf-8"?>
-<p:sld xmlns:a="http://schemas.openxmlformats.org/drawingml/2006/main" xmlns:r="http://schemas.openxmlformats.org/officeDocument/2006/relationships" xmlns:p="http://schemas.openxmlformats.org/presentationml/2006/main">
-  <p:cSld>
-    <p:spTree>
-      <p:nvGrpSpPr>
-        <p:cNvPr id="1" name=""/>
-        <p:cNvGrpSpPr/>
-        <p:nvPr/>
-      </p:nvGrpSpPr>
-      <p:grpSpPr>
-        <a:xfrm>
-          <a:off x="0" y="0"/>
-          <a:ext cx="0" cy="0"/>
-          <a:chOff x="0" y="0"/>
-          <a:chExt cx="0" cy="0"/>
-        </a:xfrm>
-      </p:grpSpPr>
-      <p:sp>
-        <p:nvSpPr>
-          <p:cNvPr id="2" name="Title 1">
-            <a:extLst>
-              <a:ext uri="{FF2B5EF4-FFF2-40B4-BE49-F238E27FC236}">
-                <a16:creationId xmlns:a16="http://schemas.microsoft.com/office/drawing/2014/main" id="{251811DB-2D3B-4CDA-8907-9617CBB23318}"/>
-              </a:ext>
-            </a:extLst>
-          </p:cNvPr>
-          <p:cNvSpPr>
-            <a:spLocks noGrp="1"/>
-          </p:cNvSpPr>
-          <p:nvPr>
-            <p:ph type="title"/>
-          </p:nvPr>
-        </p:nvSpPr>
-        <p:spPr>
-          <a:xfrm>
-            <a:off x="-130629" y="-228936"/>
-            <a:ext cx="11484429" cy="1325563"/>
-          </a:xfrm>
-        </p:spPr>
-        <p:txBody>
-          <a:bodyPr/>
-          <a:lstStyle/>
-          <a:p>
-            <a:r>
-              <a:rPr lang="en-US" dirty="0"/>
-              <a:t>If you have the time, I recommend learning both</a:t>
-            </a:r>
-          </a:p>
-        </p:txBody>
-      </p:sp>
-      <p:pic>
-        <p:nvPicPr>
-          <p:cNvPr id="8" name="Content Placeholder 7" descr="A picture containing logo&#10;&#10;Description automatically generated">
-            <a:extLst>
-              <a:ext uri="{FF2B5EF4-FFF2-40B4-BE49-F238E27FC236}">
-                <a16:creationId xmlns:a16="http://schemas.microsoft.com/office/drawing/2014/main" id="{17DD6F83-A831-44AD-B1A8-03327522387C}"/>
-              </a:ext>
-            </a:extLst>
-          </p:cNvPr>
-          <p:cNvPicPr>
-            <a:picLocks noGrp="1" noChangeAspect="1"/>
-          </p:cNvPicPr>
-          <p:nvPr>
-            <p:ph idx="1"/>
-          </p:nvPr>
-        </p:nvPicPr>
-        <p:blipFill>
-          <a:blip r:embed="rId2">
-            <a:extLst>
-              <a:ext uri="{28A0092B-C50C-407E-A947-70E740481C1C}">
-                <a14:useLocalDpi xmlns:a14="http://schemas.microsoft.com/office/drawing/2010/main" val="0"/>
-              </a:ext>
-            </a:extLst>
-          </a:blip>
-          <a:stretch>
-            <a:fillRect/>
-          </a:stretch>
-        </p:blipFill>
-        <p:spPr>
-          <a:xfrm>
-            <a:off x="3200308" y="1309519"/>
-            <a:ext cx="5791384" cy="4833938"/>
-          </a:xfrm>
-        </p:spPr>
-      </p:pic>
-      <p:sp>
-        <p:nvSpPr>
-          <p:cNvPr id="4" name="Date Placeholder 3">
-            <a:extLst>
-              <a:ext uri="{FF2B5EF4-FFF2-40B4-BE49-F238E27FC236}">
-                <a16:creationId xmlns:a16="http://schemas.microsoft.com/office/drawing/2014/main" id="{B1E8E6AA-BA3D-4B57-B76B-011CA3F79801}"/>
-              </a:ext>
-            </a:extLst>
-          </p:cNvPr>
-          <p:cNvSpPr>
-            <a:spLocks noGrp="1"/>
-          </p:cNvSpPr>
-          <p:nvPr>
-            <p:ph type="dt" sz="half" idx="10"/>
-          </p:nvPr>
-        </p:nvSpPr>
-        <p:spPr/>
-        <p:txBody>
-          <a:bodyPr/>
-          <a:lstStyle/>
-          <a:p>
-            <a:fld id="{019E29B9-5584-4737-9C98-1B926378C778}" type="datetime1">
-              <a:rPr lang="en-US" smtClean="0"/>
-              <a:t>5/28/2021</a:t>
-            </a:fld>
-            <a:endParaRPr lang="da-DK"/>
-          </a:p>
-        </p:txBody>
-      </p:sp>
-      <p:sp>
-        <p:nvSpPr>
-          <p:cNvPr id="5" name="Footer Placeholder 4">
-            <a:extLst>
-              <a:ext uri="{FF2B5EF4-FFF2-40B4-BE49-F238E27FC236}">
-                <a16:creationId xmlns:a16="http://schemas.microsoft.com/office/drawing/2014/main" id="{A0432056-466C-44F0-AB0F-57E43B994AF5}"/>
-              </a:ext>
-            </a:extLst>
-          </p:cNvPr>
-          <p:cNvSpPr>
-            <a:spLocks noGrp="1"/>
-          </p:cNvSpPr>
-          <p:nvPr>
-            <p:ph type="ftr" sz="quarter" idx="11"/>
-          </p:nvPr>
-        </p:nvSpPr>
-        <p:spPr/>
-        <p:txBody>
-          <a:bodyPr/>
-          <a:lstStyle/>
-          <a:p>
-            <a:r>
-              <a:rPr lang="da-DK"/>
-              <a:t>Nicki Skafte Detlefsen</a:t>
-            </a:r>
-          </a:p>
-        </p:txBody>
-      </p:sp>
-      <p:sp>
-        <p:nvSpPr>
-          <p:cNvPr id="6" name="Slide Number Placeholder 5">
-            <a:extLst>
-              <a:ext uri="{FF2B5EF4-FFF2-40B4-BE49-F238E27FC236}">
-                <a16:creationId xmlns:a16="http://schemas.microsoft.com/office/drawing/2014/main" id="{0A2EAB4E-0C00-454D-84A3-B2B07DBE8CE4}"/>
-              </a:ext>
-            </a:extLst>
-          </p:cNvPr>
-          <p:cNvSpPr>
-            <a:spLocks noGrp="1"/>
-          </p:cNvSpPr>
-          <p:nvPr>
-            <p:ph type="sldNum" sz="quarter" idx="12"/>
-          </p:nvPr>
-        </p:nvSpPr>
-        <p:spPr/>
-        <p:txBody>
-          <a:bodyPr/>
-          <a:lstStyle/>
-          <a:p>
-            <a:fld id="{F6FEDE24-D50C-481B-A7B4-8AF13899101A}" type="slidenum">
-              <a:rPr lang="da-DK" smtClean="0"/>
-              <a:t>14</a:t>
-            </a:fld>
-            <a:endParaRPr lang="da-DK"/>
-          </a:p>
-        </p:txBody>
-      </p:sp>
-    </p:spTree>
-    <p:extLst>
-      <p:ext uri="{BB962C8B-B14F-4D97-AF65-F5344CB8AC3E}">
-        <p14:creationId xmlns:p14="http://schemas.microsoft.com/office/powerpoint/2010/main" val="222319251"/>
-      </p:ext>
-    </p:extLst>
-  </p:cSld>
-  <p:clrMapOvr>
-    <a:masterClrMapping/>
-  </p:clrMapOvr>
-</p:sld>
-</file>
-
 <file path=ppt/slides/slide15.xml><?xml version="1.0" encoding="utf-8"?>
 <p:sld xmlns:a="http://schemas.openxmlformats.org/drawingml/2006/main" xmlns:r="http://schemas.openxmlformats.org/officeDocument/2006/relationships" xmlns:p="http://schemas.openxmlformats.org/presentationml/2006/main">
   <p:cSld>
@@ -6205,7 +6245,7 @@
           <p:cNvPr id="2" name="Title 1">
             <a:extLst>
               <a:ext uri="{FF2B5EF4-FFF2-40B4-BE49-F238E27FC236}">
-                <a16:creationId xmlns:a16="http://schemas.microsoft.com/office/drawing/2014/main" id="{3B196954-D4EE-488B-B250-B4A352C7A845}"/>
+                <a16:creationId xmlns:a16="http://schemas.microsoft.com/office/drawing/2014/main" id="{251811DB-2D3B-4CDA-8907-9617CBB23318}"/>
               </a:ext>
             </a:extLst>
           </p:cNvPr>
@@ -6218,8 +6258,8 @@
         </p:nvSpPr>
         <p:spPr>
           <a:xfrm>
-            <a:off x="838200" y="-44580"/>
-            <a:ext cx="10515600" cy="1325563"/>
+            <a:off x="-130629" y="-228936"/>
+            <a:ext cx="11484429" cy="1325563"/>
           </a:xfrm>
         </p:spPr>
         <p:txBody>
@@ -6227,49 +6267,53 @@
           <a:lstStyle/>
           <a:p>
             <a:r>
-              <a:rPr lang="da-DK" dirty="0"/>
-              <a:t>How to make a modern deep learning framework</a:t>
-            </a:r>
-          </a:p>
-        </p:txBody>
-      </p:sp>
-      <p:sp>
-        <p:nvSpPr>
-          <p:cNvPr id="3" name="Content Placeholder 2">
-            <a:extLst>
-              <a:ext uri="{FF2B5EF4-FFF2-40B4-BE49-F238E27FC236}">
-                <a16:creationId xmlns:a16="http://schemas.microsoft.com/office/drawing/2014/main" id="{67BAF2C6-3100-47AD-AFBC-101D716A7503}"/>
-              </a:ext>
-            </a:extLst>
-          </p:cNvPr>
-          <p:cNvSpPr>
-            <a:spLocks noGrp="1"/>
-          </p:cNvSpPr>
+              <a:rPr lang="en-US" dirty="0"/>
+              <a:t>If you have the time, I recommend learning both</a:t>
+            </a:r>
+          </a:p>
+        </p:txBody>
+      </p:sp>
+      <p:pic>
+        <p:nvPicPr>
+          <p:cNvPr id="8" name="Content Placeholder 7" descr="A picture containing logo&#10;&#10;Description automatically generated">
+            <a:extLst>
+              <a:ext uri="{FF2B5EF4-FFF2-40B4-BE49-F238E27FC236}">
+                <a16:creationId xmlns:a16="http://schemas.microsoft.com/office/drawing/2014/main" id="{17DD6F83-A831-44AD-B1A8-03327522387C}"/>
+              </a:ext>
+            </a:extLst>
+          </p:cNvPr>
+          <p:cNvPicPr>
+            <a:picLocks noGrp="1" noChangeAspect="1"/>
+          </p:cNvPicPr>
           <p:nvPr>
             <p:ph idx="1"/>
           </p:nvPr>
-        </p:nvSpPr>
-        <p:spPr/>
-        <p:txBody>
-          <a:bodyPr/>
-          <a:lstStyle/>
-          <a:p>
-            <a:pPr marL="0" indent="0">
-              <a:buNone/>
-            </a:pPr>
-            <a:r>
-              <a:rPr lang="da-DK" dirty="0"/>
-              <a:t>3 key elements</a:t>
-            </a:r>
-          </a:p>
-        </p:txBody>
-      </p:sp>
+        </p:nvPicPr>
+        <p:blipFill>
+          <a:blip r:embed="rId2">
+            <a:extLst>
+              <a:ext uri="{28A0092B-C50C-407E-A947-70E740481C1C}">
+                <a14:useLocalDpi xmlns:a14="http://schemas.microsoft.com/office/drawing/2010/main" val="0"/>
+              </a:ext>
+            </a:extLst>
+          </a:blip>
+          <a:stretch>
+            <a:fillRect/>
+          </a:stretch>
+        </p:blipFill>
+        <p:spPr>
+          <a:xfrm>
+            <a:off x="3200308" y="1309519"/>
+            <a:ext cx="5791384" cy="4833938"/>
+          </a:xfrm>
+        </p:spPr>
+      </p:pic>
       <p:sp>
         <p:nvSpPr>
           <p:cNvPr id="4" name="Date Placeholder 3">
             <a:extLst>
               <a:ext uri="{FF2B5EF4-FFF2-40B4-BE49-F238E27FC236}">
-                <a16:creationId xmlns:a16="http://schemas.microsoft.com/office/drawing/2014/main" id="{3C082D71-621F-4D79-8A34-878DFF70AC94}"/>
+                <a16:creationId xmlns:a16="http://schemas.microsoft.com/office/drawing/2014/main" id="{B1E8E6AA-BA3D-4B57-B76B-011CA3F79801}"/>
               </a:ext>
             </a:extLst>
           </p:cNvPr>
@@ -6287,7 +6331,7 @@
           <a:p>
             <a:fld id="{019E29B9-5584-4737-9C98-1B926378C778}" type="datetime1">
               <a:rPr lang="en-US" smtClean="0"/>
-              <a:t>5/28/2021</a:t>
+              <a:t>6/2/2021</a:t>
             </a:fld>
             <a:endParaRPr lang="da-DK"/>
           </a:p>
@@ -6298,7 +6342,7 @@
           <p:cNvPr id="5" name="Footer Placeholder 4">
             <a:extLst>
               <a:ext uri="{FF2B5EF4-FFF2-40B4-BE49-F238E27FC236}">
-                <a16:creationId xmlns:a16="http://schemas.microsoft.com/office/drawing/2014/main" id="{EC3AB0CB-DB29-408A-A980-2902500B31EF}"/>
+                <a16:creationId xmlns:a16="http://schemas.microsoft.com/office/drawing/2014/main" id="{A0432056-466C-44F0-AB0F-57E43B994AF5}"/>
               </a:ext>
             </a:extLst>
           </p:cNvPr>
@@ -6326,7 +6370,7 @@
           <p:cNvPr id="6" name="Slide Number Placeholder 5">
             <a:extLst>
               <a:ext uri="{FF2B5EF4-FFF2-40B4-BE49-F238E27FC236}">
-                <a16:creationId xmlns:a16="http://schemas.microsoft.com/office/drawing/2014/main" id="{05290D20-0CAA-4245-879F-66A38F0100B4}"/>
+                <a16:creationId xmlns:a16="http://schemas.microsoft.com/office/drawing/2014/main" id="{0A2EAB4E-0C00-454D-84A3-B2B07DBE8CE4}"/>
               </a:ext>
             </a:extLst>
           </p:cNvPr>
@@ -6350,264 +6394,10 @@
           </a:p>
         </p:txBody>
       </p:sp>
-      <p:sp>
-        <p:nvSpPr>
-          <p:cNvPr id="8" name="Oval 7">
-            <a:extLst>
-              <a:ext uri="{FF2B5EF4-FFF2-40B4-BE49-F238E27FC236}">
-                <a16:creationId xmlns:a16="http://schemas.microsoft.com/office/drawing/2014/main" id="{9079CECD-657D-4CD2-A48D-792D57A2AA81}"/>
-              </a:ext>
-            </a:extLst>
-          </p:cNvPr>
-          <p:cNvSpPr/>
-          <p:nvPr/>
-        </p:nvSpPr>
-        <p:spPr>
-          <a:xfrm>
-            <a:off x="2238600" y="2316479"/>
-            <a:ext cx="2088000" cy="2088000"/>
-          </a:xfrm>
-          <a:prstGeom prst="ellipse">
-            <a:avLst/>
-          </a:prstGeom>
-        </p:spPr>
-        <p:style>
-          <a:lnRef idx="2">
-            <a:schemeClr val="accent1">
-              <a:shade val="50000"/>
-            </a:schemeClr>
-          </a:lnRef>
-          <a:fillRef idx="1">
-            <a:schemeClr val="accent1"/>
-          </a:fillRef>
-          <a:effectRef idx="0">
-            <a:schemeClr val="accent1"/>
-          </a:effectRef>
-          <a:fontRef idx="minor">
-            <a:schemeClr val="lt1"/>
-          </a:fontRef>
-        </p:style>
-        <p:txBody>
-          <a:bodyPr rtlCol="0" anchor="ctr"/>
-          <a:lstStyle/>
-          <a:p>
-            <a:pPr algn="ctr"/>
-            <a:r>
-              <a:rPr lang="da-DK" dirty="0"/>
-              <a:t>Tensors</a:t>
-            </a:r>
-          </a:p>
-        </p:txBody>
-      </p:sp>
-      <p:sp>
-        <p:nvSpPr>
-          <p:cNvPr id="9" name="Oval 8">
-            <a:extLst>
-              <a:ext uri="{FF2B5EF4-FFF2-40B4-BE49-F238E27FC236}">
-                <a16:creationId xmlns:a16="http://schemas.microsoft.com/office/drawing/2014/main" id="{AB420AE8-4276-4DF0-AA32-8B6D46408DEA}"/>
-              </a:ext>
-            </a:extLst>
-          </p:cNvPr>
-          <p:cNvSpPr/>
-          <p:nvPr/>
-        </p:nvSpPr>
-        <p:spPr>
-          <a:xfrm>
-            <a:off x="4938601" y="2316479"/>
-            <a:ext cx="2088000" cy="2088000"/>
-          </a:xfrm>
-          <a:prstGeom prst="ellipse">
-            <a:avLst/>
-          </a:prstGeom>
-        </p:spPr>
-        <p:style>
-          <a:lnRef idx="2">
-            <a:schemeClr val="accent1">
-              <a:shade val="50000"/>
-            </a:schemeClr>
-          </a:lnRef>
-          <a:fillRef idx="1">
-            <a:schemeClr val="accent1"/>
-          </a:fillRef>
-          <a:effectRef idx="0">
-            <a:schemeClr val="accent1"/>
-          </a:effectRef>
-          <a:fontRef idx="minor">
-            <a:schemeClr val="lt1"/>
-          </a:fontRef>
-        </p:style>
-        <p:txBody>
-          <a:bodyPr rtlCol="0" anchor="ctr"/>
-          <a:lstStyle/>
-          <a:p>
-            <a:pPr algn="ctr"/>
-            <a:r>
-              <a:rPr lang="da-DK" dirty="0"/>
-              <a:t>Hardware acceleration</a:t>
-            </a:r>
-          </a:p>
-        </p:txBody>
-      </p:sp>
-      <p:sp>
-        <p:nvSpPr>
-          <p:cNvPr id="10" name="Oval 9">
-            <a:extLst>
-              <a:ext uri="{FF2B5EF4-FFF2-40B4-BE49-F238E27FC236}">
-                <a16:creationId xmlns:a16="http://schemas.microsoft.com/office/drawing/2014/main" id="{928F16EF-A68D-4ECA-94B2-28ACA2C52F94}"/>
-              </a:ext>
-            </a:extLst>
-          </p:cNvPr>
-          <p:cNvSpPr/>
-          <p:nvPr/>
-        </p:nvSpPr>
-        <p:spPr>
-          <a:xfrm>
-            <a:off x="7638602" y="2316479"/>
-            <a:ext cx="2088000" cy="2088000"/>
-          </a:xfrm>
-          <a:prstGeom prst="ellipse">
-            <a:avLst/>
-          </a:prstGeom>
-        </p:spPr>
-        <p:style>
-          <a:lnRef idx="2">
-            <a:schemeClr val="accent1">
-              <a:shade val="50000"/>
-            </a:schemeClr>
-          </a:lnRef>
-          <a:fillRef idx="1">
-            <a:schemeClr val="accent1"/>
-          </a:fillRef>
-          <a:effectRef idx="0">
-            <a:schemeClr val="accent1"/>
-          </a:effectRef>
-          <a:fontRef idx="minor">
-            <a:schemeClr val="lt1"/>
-          </a:fontRef>
-        </p:style>
-        <p:txBody>
-          <a:bodyPr rtlCol="0" anchor="ctr"/>
-          <a:lstStyle/>
-          <a:p>
-            <a:pPr algn="ctr"/>
-            <a:r>
-              <a:rPr lang="da-DK" dirty="0"/>
-              <a:t>Automatic differentation</a:t>
-            </a:r>
-          </a:p>
-        </p:txBody>
-      </p:sp>
-      <p:sp>
-        <p:nvSpPr>
-          <p:cNvPr id="11" name="TextBox 10">
-            <a:extLst>
-              <a:ext uri="{FF2B5EF4-FFF2-40B4-BE49-F238E27FC236}">
-                <a16:creationId xmlns:a16="http://schemas.microsoft.com/office/drawing/2014/main" id="{D5F6B155-ED5D-4394-A1EF-68CC8DF974B4}"/>
-              </a:ext>
-            </a:extLst>
-          </p:cNvPr>
-          <p:cNvSpPr txBox="1"/>
-          <p:nvPr/>
-        </p:nvSpPr>
-        <p:spPr>
-          <a:xfrm>
-            <a:off x="2268301" y="4404479"/>
-            <a:ext cx="2028598" cy="646331"/>
-          </a:xfrm>
-          <a:prstGeom prst="rect">
-            <a:avLst/>
-          </a:prstGeom>
-          <a:noFill/>
-        </p:spPr>
-        <p:txBody>
-          <a:bodyPr wrap="square" rtlCol="0">
-            <a:spAutoFit/>
-          </a:bodyPr>
-          <a:lstStyle/>
-          <a:p>
-            <a:pPr algn="ctr"/>
-            <a:r>
-              <a:rPr lang="da-DK" dirty="0"/>
-              <a:t>Abstraction to higher order data</a:t>
-            </a:r>
-          </a:p>
-        </p:txBody>
-      </p:sp>
-      <p:sp>
-        <p:nvSpPr>
-          <p:cNvPr id="12" name="TextBox 11">
-            <a:extLst>
-              <a:ext uri="{FF2B5EF4-FFF2-40B4-BE49-F238E27FC236}">
-                <a16:creationId xmlns:a16="http://schemas.microsoft.com/office/drawing/2014/main" id="{E8EAEA57-6185-4970-A384-2C70F55586B1}"/>
-              </a:ext>
-            </a:extLst>
-          </p:cNvPr>
-          <p:cNvSpPr txBox="1"/>
-          <p:nvPr/>
-        </p:nvSpPr>
-        <p:spPr>
-          <a:xfrm>
-            <a:off x="5111404" y="4400879"/>
-            <a:ext cx="1800000" cy="646331"/>
-          </a:xfrm>
-          <a:prstGeom prst="rect">
-            <a:avLst/>
-          </a:prstGeom>
-          <a:noFill/>
-        </p:spPr>
-        <p:txBody>
-          <a:bodyPr wrap="square" rtlCol="0">
-            <a:spAutoFit/>
-          </a:bodyPr>
-          <a:lstStyle/>
-          <a:p>
-            <a:pPr algn="ctr"/>
-            <a:r>
-              <a:rPr lang="da-DK" dirty="0"/>
-              <a:t>Faster computations</a:t>
-            </a:r>
-          </a:p>
-        </p:txBody>
-      </p:sp>
-      <p:sp>
-        <p:nvSpPr>
-          <p:cNvPr id="13" name="TextBox 12">
-            <a:extLst>
-              <a:ext uri="{FF2B5EF4-FFF2-40B4-BE49-F238E27FC236}">
-                <a16:creationId xmlns:a16="http://schemas.microsoft.com/office/drawing/2014/main" id="{30832BCE-C61E-4C30-A8C3-50CCB30FB5D4}"/>
-              </a:ext>
-            </a:extLst>
-          </p:cNvPr>
-          <p:cNvSpPr txBox="1"/>
-          <p:nvPr/>
-        </p:nvSpPr>
-        <p:spPr>
-          <a:xfrm>
-            <a:off x="8064788" y="4400879"/>
-            <a:ext cx="1426128" cy="369332"/>
-          </a:xfrm>
-          <a:prstGeom prst="rect">
-            <a:avLst/>
-          </a:prstGeom>
-          <a:noFill/>
-        </p:spPr>
-        <p:txBody>
-          <a:bodyPr wrap="square" rtlCol="0">
-            <a:spAutoFit/>
-          </a:bodyPr>
-          <a:lstStyle/>
-          <a:p>
-            <a:r>
-              <a:rPr lang="da-DK" dirty="0"/>
-              <a:t>Ease of use</a:t>
-            </a:r>
-          </a:p>
-        </p:txBody>
-      </p:sp>
     </p:spTree>
     <p:extLst>
       <p:ext uri="{BB962C8B-B14F-4D97-AF65-F5344CB8AC3E}">
-        <p14:creationId xmlns:p14="http://schemas.microsoft.com/office/powerpoint/2010/main" val="411016925"/>
+        <p14:creationId xmlns:p14="http://schemas.microsoft.com/office/powerpoint/2010/main" val="222319251"/>
       </p:ext>
     </p:extLst>
   </p:cSld>
@@ -6639,7 +6429,7 @@
           <p:cNvPr id="2" name="Title 1">
             <a:extLst>
               <a:ext uri="{FF2B5EF4-FFF2-40B4-BE49-F238E27FC236}">
-                <a16:creationId xmlns:a16="http://schemas.microsoft.com/office/drawing/2014/main" id="{E6807CFB-04BE-43AB-B950-303DCBE4B926}"/>
+                <a16:creationId xmlns:a16="http://schemas.microsoft.com/office/drawing/2014/main" id="{3B196954-D4EE-488B-B250-B4A352C7A845}"/>
               </a:ext>
             </a:extLst>
           </p:cNvPr>
@@ -6650,14 +6440,50 @@
             <p:ph type="title"/>
           </p:nvPr>
         </p:nvSpPr>
-        <p:spPr/>
+        <p:spPr>
+          <a:xfrm>
+            <a:off x="838200" y="-44580"/>
+            <a:ext cx="10515600" cy="1325563"/>
+          </a:xfrm>
+        </p:spPr>
         <p:txBody>
           <a:bodyPr/>
           <a:lstStyle/>
           <a:p>
             <a:r>
               <a:rPr lang="da-DK" dirty="0"/>
-              <a:t>Meme of the day</a:t>
+              <a:t>How to make a modern deep learning framework</a:t>
+            </a:r>
+          </a:p>
+        </p:txBody>
+      </p:sp>
+      <p:sp>
+        <p:nvSpPr>
+          <p:cNvPr id="3" name="Content Placeholder 2">
+            <a:extLst>
+              <a:ext uri="{FF2B5EF4-FFF2-40B4-BE49-F238E27FC236}">
+                <a16:creationId xmlns:a16="http://schemas.microsoft.com/office/drawing/2014/main" id="{67BAF2C6-3100-47AD-AFBC-101D716A7503}"/>
+              </a:ext>
+            </a:extLst>
+          </p:cNvPr>
+          <p:cNvSpPr>
+            <a:spLocks noGrp="1"/>
+          </p:cNvSpPr>
+          <p:nvPr>
+            <p:ph idx="1"/>
+          </p:nvPr>
+        </p:nvSpPr>
+        <p:spPr/>
+        <p:txBody>
+          <a:bodyPr/>
+          <a:lstStyle/>
+          <a:p>
+            <a:pPr marL="0" indent="0">
+              <a:buNone/>
+            </a:pPr>
+            <a:r>
+              <a:rPr lang="da-DK" dirty="0"/>
+              <a:t>3 key elements</a:t>
             </a:r>
           </a:p>
         </p:txBody>
@@ -6667,7 +6493,7 @@
           <p:cNvPr id="4" name="Date Placeholder 3">
             <a:extLst>
               <a:ext uri="{FF2B5EF4-FFF2-40B4-BE49-F238E27FC236}">
-                <a16:creationId xmlns:a16="http://schemas.microsoft.com/office/drawing/2014/main" id="{06BBBB3D-7152-4915-9678-39322E5CE246}"/>
+                <a16:creationId xmlns:a16="http://schemas.microsoft.com/office/drawing/2014/main" id="{3C082D71-621F-4D79-8A34-878DFF70AC94}"/>
               </a:ext>
             </a:extLst>
           </p:cNvPr>
@@ -6685,7 +6511,7 @@
           <a:p>
             <a:fld id="{019E29B9-5584-4737-9C98-1B926378C778}" type="datetime1">
               <a:rPr lang="en-US" smtClean="0"/>
-              <a:t>5/28/2021</a:t>
+              <a:t>6/2/2021</a:t>
             </a:fld>
             <a:endParaRPr lang="da-DK"/>
           </a:p>
@@ -6696,7 +6522,7 @@
           <p:cNvPr id="5" name="Footer Placeholder 4">
             <a:extLst>
               <a:ext uri="{FF2B5EF4-FFF2-40B4-BE49-F238E27FC236}">
-                <a16:creationId xmlns:a16="http://schemas.microsoft.com/office/drawing/2014/main" id="{2191107E-5C57-432C-94A1-7E7659056F7D}"/>
+                <a16:creationId xmlns:a16="http://schemas.microsoft.com/office/drawing/2014/main" id="{EC3AB0CB-DB29-408A-A980-2902500B31EF}"/>
               </a:ext>
             </a:extLst>
           </p:cNvPr>
@@ -6724,7 +6550,7 @@
           <p:cNvPr id="6" name="Slide Number Placeholder 5">
             <a:extLst>
               <a:ext uri="{FF2B5EF4-FFF2-40B4-BE49-F238E27FC236}">
-                <a16:creationId xmlns:a16="http://schemas.microsoft.com/office/drawing/2014/main" id="{566C5839-2F07-4488-9415-1B25BC34E3CE}"/>
+                <a16:creationId xmlns:a16="http://schemas.microsoft.com/office/drawing/2014/main" id="{05290D20-0CAA-4245-879F-66A38F0100B4}"/>
               </a:ext>
             </a:extLst>
           </p:cNvPr>
@@ -6743,6 +6569,404 @@
             <a:fld id="{F6FEDE24-D50C-481B-A7B4-8AF13899101A}" type="slidenum">
               <a:rPr lang="da-DK" smtClean="0"/>
               <a:t>16</a:t>
+            </a:fld>
+            <a:endParaRPr lang="da-DK"/>
+          </a:p>
+        </p:txBody>
+      </p:sp>
+      <p:sp>
+        <p:nvSpPr>
+          <p:cNvPr id="8" name="Oval 7">
+            <a:extLst>
+              <a:ext uri="{FF2B5EF4-FFF2-40B4-BE49-F238E27FC236}">
+                <a16:creationId xmlns:a16="http://schemas.microsoft.com/office/drawing/2014/main" id="{9079CECD-657D-4CD2-A48D-792D57A2AA81}"/>
+              </a:ext>
+            </a:extLst>
+          </p:cNvPr>
+          <p:cNvSpPr/>
+          <p:nvPr/>
+        </p:nvSpPr>
+        <p:spPr>
+          <a:xfrm>
+            <a:off x="2238600" y="2316479"/>
+            <a:ext cx="2088000" cy="2088000"/>
+          </a:xfrm>
+          <a:prstGeom prst="ellipse">
+            <a:avLst/>
+          </a:prstGeom>
+        </p:spPr>
+        <p:style>
+          <a:lnRef idx="2">
+            <a:schemeClr val="accent1">
+              <a:shade val="50000"/>
+            </a:schemeClr>
+          </a:lnRef>
+          <a:fillRef idx="1">
+            <a:schemeClr val="accent1"/>
+          </a:fillRef>
+          <a:effectRef idx="0">
+            <a:schemeClr val="accent1"/>
+          </a:effectRef>
+          <a:fontRef idx="minor">
+            <a:schemeClr val="lt1"/>
+          </a:fontRef>
+        </p:style>
+        <p:txBody>
+          <a:bodyPr rtlCol="0" anchor="ctr"/>
+          <a:lstStyle/>
+          <a:p>
+            <a:pPr algn="ctr"/>
+            <a:r>
+              <a:rPr lang="da-DK" dirty="0"/>
+              <a:t>Tensors</a:t>
+            </a:r>
+          </a:p>
+        </p:txBody>
+      </p:sp>
+      <p:sp>
+        <p:nvSpPr>
+          <p:cNvPr id="9" name="Oval 8">
+            <a:extLst>
+              <a:ext uri="{FF2B5EF4-FFF2-40B4-BE49-F238E27FC236}">
+                <a16:creationId xmlns:a16="http://schemas.microsoft.com/office/drawing/2014/main" id="{AB420AE8-4276-4DF0-AA32-8B6D46408DEA}"/>
+              </a:ext>
+            </a:extLst>
+          </p:cNvPr>
+          <p:cNvSpPr/>
+          <p:nvPr/>
+        </p:nvSpPr>
+        <p:spPr>
+          <a:xfrm>
+            <a:off x="4938601" y="2316479"/>
+            <a:ext cx="2088000" cy="2088000"/>
+          </a:xfrm>
+          <a:prstGeom prst="ellipse">
+            <a:avLst/>
+          </a:prstGeom>
+        </p:spPr>
+        <p:style>
+          <a:lnRef idx="2">
+            <a:schemeClr val="accent1">
+              <a:shade val="50000"/>
+            </a:schemeClr>
+          </a:lnRef>
+          <a:fillRef idx="1">
+            <a:schemeClr val="accent1"/>
+          </a:fillRef>
+          <a:effectRef idx="0">
+            <a:schemeClr val="accent1"/>
+          </a:effectRef>
+          <a:fontRef idx="minor">
+            <a:schemeClr val="lt1"/>
+          </a:fontRef>
+        </p:style>
+        <p:txBody>
+          <a:bodyPr rtlCol="0" anchor="ctr"/>
+          <a:lstStyle/>
+          <a:p>
+            <a:pPr algn="ctr"/>
+            <a:r>
+              <a:rPr lang="da-DK" dirty="0"/>
+              <a:t>Hardware acceleration</a:t>
+            </a:r>
+          </a:p>
+        </p:txBody>
+      </p:sp>
+      <p:sp>
+        <p:nvSpPr>
+          <p:cNvPr id="10" name="Oval 9">
+            <a:extLst>
+              <a:ext uri="{FF2B5EF4-FFF2-40B4-BE49-F238E27FC236}">
+                <a16:creationId xmlns:a16="http://schemas.microsoft.com/office/drawing/2014/main" id="{928F16EF-A68D-4ECA-94B2-28ACA2C52F94}"/>
+              </a:ext>
+            </a:extLst>
+          </p:cNvPr>
+          <p:cNvSpPr/>
+          <p:nvPr/>
+        </p:nvSpPr>
+        <p:spPr>
+          <a:xfrm>
+            <a:off x="7638602" y="2316479"/>
+            <a:ext cx="2088000" cy="2088000"/>
+          </a:xfrm>
+          <a:prstGeom prst="ellipse">
+            <a:avLst/>
+          </a:prstGeom>
+        </p:spPr>
+        <p:style>
+          <a:lnRef idx="2">
+            <a:schemeClr val="accent1">
+              <a:shade val="50000"/>
+            </a:schemeClr>
+          </a:lnRef>
+          <a:fillRef idx="1">
+            <a:schemeClr val="accent1"/>
+          </a:fillRef>
+          <a:effectRef idx="0">
+            <a:schemeClr val="accent1"/>
+          </a:effectRef>
+          <a:fontRef idx="minor">
+            <a:schemeClr val="lt1"/>
+          </a:fontRef>
+        </p:style>
+        <p:txBody>
+          <a:bodyPr rtlCol="0" anchor="ctr"/>
+          <a:lstStyle/>
+          <a:p>
+            <a:pPr algn="ctr"/>
+            <a:r>
+              <a:rPr lang="da-DK" dirty="0"/>
+              <a:t>Automatic differentation</a:t>
+            </a:r>
+          </a:p>
+        </p:txBody>
+      </p:sp>
+      <p:sp>
+        <p:nvSpPr>
+          <p:cNvPr id="11" name="TextBox 10">
+            <a:extLst>
+              <a:ext uri="{FF2B5EF4-FFF2-40B4-BE49-F238E27FC236}">
+                <a16:creationId xmlns:a16="http://schemas.microsoft.com/office/drawing/2014/main" id="{D5F6B155-ED5D-4394-A1EF-68CC8DF974B4}"/>
+              </a:ext>
+            </a:extLst>
+          </p:cNvPr>
+          <p:cNvSpPr txBox="1"/>
+          <p:nvPr/>
+        </p:nvSpPr>
+        <p:spPr>
+          <a:xfrm>
+            <a:off x="2268301" y="4404479"/>
+            <a:ext cx="2028598" cy="646331"/>
+          </a:xfrm>
+          <a:prstGeom prst="rect">
+            <a:avLst/>
+          </a:prstGeom>
+          <a:noFill/>
+        </p:spPr>
+        <p:txBody>
+          <a:bodyPr wrap="square" rtlCol="0">
+            <a:spAutoFit/>
+          </a:bodyPr>
+          <a:lstStyle/>
+          <a:p>
+            <a:pPr algn="ctr"/>
+            <a:r>
+              <a:rPr lang="da-DK" dirty="0"/>
+              <a:t>Abstraction to higher order data</a:t>
+            </a:r>
+          </a:p>
+        </p:txBody>
+      </p:sp>
+      <p:sp>
+        <p:nvSpPr>
+          <p:cNvPr id="12" name="TextBox 11">
+            <a:extLst>
+              <a:ext uri="{FF2B5EF4-FFF2-40B4-BE49-F238E27FC236}">
+                <a16:creationId xmlns:a16="http://schemas.microsoft.com/office/drawing/2014/main" id="{E8EAEA57-6185-4970-A384-2C70F55586B1}"/>
+              </a:ext>
+            </a:extLst>
+          </p:cNvPr>
+          <p:cNvSpPr txBox="1"/>
+          <p:nvPr/>
+        </p:nvSpPr>
+        <p:spPr>
+          <a:xfrm>
+            <a:off x="5111404" y="4400879"/>
+            <a:ext cx="1800000" cy="646331"/>
+          </a:xfrm>
+          <a:prstGeom prst="rect">
+            <a:avLst/>
+          </a:prstGeom>
+          <a:noFill/>
+        </p:spPr>
+        <p:txBody>
+          <a:bodyPr wrap="square" rtlCol="0">
+            <a:spAutoFit/>
+          </a:bodyPr>
+          <a:lstStyle/>
+          <a:p>
+            <a:pPr algn="ctr"/>
+            <a:r>
+              <a:rPr lang="da-DK" dirty="0"/>
+              <a:t>Faster computations</a:t>
+            </a:r>
+          </a:p>
+        </p:txBody>
+      </p:sp>
+      <p:sp>
+        <p:nvSpPr>
+          <p:cNvPr id="13" name="TextBox 12">
+            <a:extLst>
+              <a:ext uri="{FF2B5EF4-FFF2-40B4-BE49-F238E27FC236}">
+                <a16:creationId xmlns:a16="http://schemas.microsoft.com/office/drawing/2014/main" id="{30832BCE-C61E-4C30-A8C3-50CCB30FB5D4}"/>
+              </a:ext>
+            </a:extLst>
+          </p:cNvPr>
+          <p:cNvSpPr txBox="1"/>
+          <p:nvPr/>
+        </p:nvSpPr>
+        <p:spPr>
+          <a:xfrm>
+            <a:off x="8064788" y="4400879"/>
+            <a:ext cx="1426128" cy="369332"/>
+          </a:xfrm>
+          <a:prstGeom prst="rect">
+            <a:avLst/>
+          </a:prstGeom>
+          <a:noFill/>
+        </p:spPr>
+        <p:txBody>
+          <a:bodyPr wrap="square" rtlCol="0">
+            <a:spAutoFit/>
+          </a:bodyPr>
+          <a:lstStyle/>
+          <a:p>
+            <a:r>
+              <a:rPr lang="da-DK" dirty="0"/>
+              <a:t>Ease of use</a:t>
+            </a:r>
+          </a:p>
+        </p:txBody>
+      </p:sp>
+    </p:spTree>
+    <p:extLst>
+      <p:ext uri="{BB962C8B-B14F-4D97-AF65-F5344CB8AC3E}">
+        <p14:creationId xmlns:p14="http://schemas.microsoft.com/office/powerpoint/2010/main" val="411016925"/>
+      </p:ext>
+    </p:extLst>
+  </p:cSld>
+  <p:clrMapOvr>
+    <a:masterClrMapping/>
+  </p:clrMapOvr>
+</p:sld>
+</file>
+
+<file path=ppt/slides/slide17.xml><?xml version="1.0" encoding="utf-8"?>
+<p:sld xmlns:a="http://schemas.openxmlformats.org/drawingml/2006/main" xmlns:r="http://schemas.openxmlformats.org/officeDocument/2006/relationships" xmlns:p="http://schemas.openxmlformats.org/presentationml/2006/main">
+  <p:cSld>
+    <p:spTree>
+      <p:nvGrpSpPr>
+        <p:cNvPr id="1" name=""/>
+        <p:cNvGrpSpPr/>
+        <p:nvPr/>
+      </p:nvGrpSpPr>
+      <p:grpSpPr>
+        <a:xfrm>
+          <a:off x="0" y="0"/>
+          <a:ext cx="0" cy="0"/>
+          <a:chOff x="0" y="0"/>
+          <a:chExt cx="0" cy="0"/>
+        </a:xfrm>
+      </p:grpSpPr>
+      <p:sp>
+        <p:nvSpPr>
+          <p:cNvPr id="2" name="Title 1">
+            <a:extLst>
+              <a:ext uri="{FF2B5EF4-FFF2-40B4-BE49-F238E27FC236}">
+                <a16:creationId xmlns:a16="http://schemas.microsoft.com/office/drawing/2014/main" id="{E6807CFB-04BE-43AB-B950-303DCBE4B926}"/>
+              </a:ext>
+            </a:extLst>
+          </p:cNvPr>
+          <p:cNvSpPr>
+            <a:spLocks noGrp="1"/>
+          </p:cNvSpPr>
+          <p:nvPr>
+            <p:ph type="title"/>
+          </p:nvPr>
+        </p:nvSpPr>
+        <p:spPr/>
+        <p:txBody>
+          <a:bodyPr/>
+          <a:lstStyle/>
+          <a:p>
+            <a:r>
+              <a:rPr lang="da-DK" dirty="0"/>
+              <a:t>Meme of the day</a:t>
+            </a:r>
+          </a:p>
+        </p:txBody>
+      </p:sp>
+      <p:sp>
+        <p:nvSpPr>
+          <p:cNvPr id="4" name="Date Placeholder 3">
+            <a:extLst>
+              <a:ext uri="{FF2B5EF4-FFF2-40B4-BE49-F238E27FC236}">
+                <a16:creationId xmlns:a16="http://schemas.microsoft.com/office/drawing/2014/main" id="{06BBBB3D-7152-4915-9678-39322E5CE246}"/>
+              </a:ext>
+            </a:extLst>
+          </p:cNvPr>
+          <p:cNvSpPr>
+            <a:spLocks noGrp="1"/>
+          </p:cNvSpPr>
+          <p:nvPr>
+            <p:ph type="dt" sz="half" idx="10"/>
+          </p:nvPr>
+        </p:nvSpPr>
+        <p:spPr/>
+        <p:txBody>
+          <a:bodyPr/>
+          <a:lstStyle/>
+          <a:p>
+            <a:fld id="{019E29B9-5584-4737-9C98-1B926378C778}" type="datetime1">
+              <a:rPr lang="en-US" smtClean="0"/>
+              <a:t>6/2/2021</a:t>
+            </a:fld>
+            <a:endParaRPr lang="da-DK"/>
+          </a:p>
+        </p:txBody>
+      </p:sp>
+      <p:sp>
+        <p:nvSpPr>
+          <p:cNvPr id="5" name="Footer Placeholder 4">
+            <a:extLst>
+              <a:ext uri="{FF2B5EF4-FFF2-40B4-BE49-F238E27FC236}">
+                <a16:creationId xmlns:a16="http://schemas.microsoft.com/office/drawing/2014/main" id="{2191107E-5C57-432C-94A1-7E7659056F7D}"/>
+              </a:ext>
+            </a:extLst>
+          </p:cNvPr>
+          <p:cNvSpPr>
+            <a:spLocks noGrp="1"/>
+          </p:cNvSpPr>
+          <p:nvPr>
+            <p:ph type="ftr" sz="quarter" idx="11"/>
+          </p:nvPr>
+        </p:nvSpPr>
+        <p:spPr/>
+        <p:txBody>
+          <a:bodyPr/>
+          <a:lstStyle/>
+          <a:p>
+            <a:r>
+              <a:rPr lang="da-DK"/>
+              <a:t>Nicki Skafte Detlefsen</a:t>
+            </a:r>
+          </a:p>
+        </p:txBody>
+      </p:sp>
+      <p:sp>
+        <p:nvSpPr>
+          <p:cNvPr id="6" name="Slide Number Placeholder 5">
+            <a:extLst>
+              <a:ext uri="{FF2B5EF4-FFF2-40B4-BE49-F238E27FC236}">
+                <a16:creationId xmlns:a16="http://schemas.microsoft.com/office/drawing/2014/main" id="{566C5839-2F07-4488-9415-1B25BC34E3CE}"/>
+              </a:ext>
+            </a:extLst>
+          </p:cNvPr>
+          <p:cNvSpPr>
+            <a:spLocks noGrp="1"/>
+          </p:cNvSpPr>
+          <p:nvPr>
+            <p:ph type="sldNum" sz="quarter" idx="12"/>
+          </p:nvPr>
+        </p:nvSpPr>
+        <p:spPr/>
+        <p:txBody>
+          <a:bodyPr/>
+          <a:lstStyle/>
+          <a:p>
+            <a:fld id="{F6FEDE24-D50C-481B-A7B4-8AF13899101A}" type="slidenum">
+              <a:rPr lang="da-DK" smtClean="0"/>
+              <a:t>17</a:t>
             </a:fld>
             <a:endParaRPr lang="da-DK"/>
           </a:p>
@@ -6910,7 +7134,7 @@
           <a:p>
             <a:fld id="{019E29B9-5584-4737-9C98-1B926378C778}" type="datetime1">
               <a:rPr lang="en-US" smtClean="0"/>
-              <a:t>5/28/2021</a:t>
+              <a:t>6/2/2021</a:t>
             </a:fld>
             <a:endParaRPr lang="da-DK"/>
           </a:p>
@@ -7168,7 +7392,7 @@
           <a:p>
             <a:fld id="{019E29B9-5584-4737-9C98-1B926378C778}" type="datetime1">
               <a:rPr lang="en-US" smtClean="0"/>
-              <a:t>5/28/2021</a:t>
+              <a:t>6/2/2021</a:t>
             </a:fld>
             <a:endParaRPr lang="da-DK"/>
           </a:p>
@@ -7266,7 +7490,7 @@
           <p:cNvPr id="2" name="Title 1">
             <a:extLst>
               <a:ext uri="{FF2B5EF4-FFF2-40B4-BE49-F238E27FC236}">
-                <a16:creationId xmlns:a16="http://schemas.microsoft.com/office/drawing/2014/main" id="{CBD645AF-8CEA-41F9-AC2F-73738FE02D95}"/>
+                <a16:creationId xmlns:a16="http://schemas.microsoft.com/office/drawing/2014/main" id="{3E5AFD78-B74C-4FDA-958C-DF0ACE3A6704}"/>
               </a:ext>
             </a:extLst>
           </p:cNvPr>
@@ -7284,8 +7508,89 @@
           <a:p>
             <a:r>
               <a:rPr lang="da-DK" dirty="0"/>
-              <a:t>What is this course/What is it not</a:t>
-            </a:r>
+              <a:t>Course webpage</a:t>
+            </a:r>
+            <a:endParaRPr lang="en-US" dirty="0"/>
+          </a:p>
+        </p:txBody>
+      </p:sp>
+      <p:sp>
+        <p:nvSpPr>
+          <p:cNvPr id="3" name="Content Placeholder 2">
+            <a:extLst>
+              <a:ext uri="{FF2B5EF4-FFF2-40B4-BE49-F238E27FC236}">
+                <a16:creationId xmlns:a16="http://schemas.microsoft.com/office/drawing/2014/main" id="{8B8692AC-5B63-44CB-93D0-193493597202}"/>
+              </a:ext>
+            </a:extLst>
+          </p:cNvPr>
+          <p:cNvSpPr>
+            <a:spLocks noGrp="1"/>
+          </p:cNvSpPr>
+          <p:nvPr>
+            <p:ph idx="1"/>
+          </p:nvPr>
+        </p:nvSpPr>
+        <p:spPr>
+          <a:xfrm>
+            <a:off x="838200" y="1343608"/>
+            <a:ext cx="4757257" cy="4833355"/>
+          </a:xfrm>
+        </p:spPr>
+        <p:txBody>
+          <a:bodyPr>
+            <a:normAutofit/>
+          </a:bodyPr>
+          <a:lstStyle/>
+          <a:p>
+            <a:pPr marL="0" indent="0">
+              <a:buNone/>
+            </a:pPr>
+            <a:r>
+              <a:rPr lang="en-US" sz="2400" dirty="0"/>
+              <a:t>Webpage with lectures + exercises:</a:t>
+            </a:r>
+          </a:p>
+          <a:p>
+            <a:pPr marL="0" indent="0">
+              <a:buNone/>
+            </a:pPr>
+            <a:r>
+              <a:rPr lang="en-US" sz="2400" dirty="0">
+                <a:hlinkClick r:id="rId2"/>
+              </a:rPr>
+              <a:t>https://github.com/SkafteNicki/dtu_mlops</a:t>
+            </a:r>
+            <a:r>
+              <a:rPr lang="en-US" sz="2400" dirty="0"/>
+              <a:t> </a:t>
+            </a:r>
+          </a:p>
+          <a:p>
+            <a:pPr marL="0" indent="0">
+              <a:buNone/>
+            </a:pPr>
+            <a:endParaRPr lang="en-US" sz="2400" dirty="0"/>
+          </a:p>
+          <a:p>
+            <a:pPr marL="0" indent="0">
+              <a:buNone/>
+            </a:pPr>
+            <a:r>
+              <a:rPr lang="en-US" sz="2400" dirty="0"/>
+              <a:t>Join slack for communication:</a:t>
+            </a:r>
+          </a:p>
+          <a:p>
+            <a:pPr marL="0" indent="0">
+              <a:buNone/>
+            </a:pPr>
+            <a:r>
+              <a:rPr lang="en-US" sz="2400" dirty="0">
+                <a:hlinkClick r:id="rId3"/>
+              </a:rPr>
+              <a:t>https://join.slack.com/t/slack-ddr8461/shared_invite/zt-qzk7ho8z-1tBT_SkkkxtpgMU8x197pg</a:t>
+            </a:r>
+            <a:endParaRPr lang="en-US" sz="3600" dirty="0"/>
           </a:p>
         </p:txBody>
       </p:sp>
@@ -7294,7 +7599,7 @@
           <p:cNvPr id="4" name="Date Placeholder 3">
             <a:extLst>
               <a:ext uri="{FF2B5EF4-FFF2-40B4-BE49-F238E27FC236}">
-                <a16:creationId xmlns:a16="http://schemas.microsoft.com/office/drawing/2014/main" id="{84A52050-865F-47FD-8F3E-9034316DD736}"/>
+                <a16:creationId xmlns:a16="http://schemas.microsoft.com/office/drawing/2014/main" id="{868E47A5-31D3-4C52-B332-16CF0558AC95}"/>
               </a:ext>
             </a:extLst>
           </p:cNvPr>
@@ -7312,7 +7617,7 @@
           <a:p>
             <a:fld id="{019E29B9-5584-4737-9C98-1B926378C778}" type="datetime1">
               <a:rPr lang="en-US" smtClean="0"/>
-              <a:t>5/28/2021</a:t>
+              <a:t>6/2/2021</a:t>
             </a:fld>
             <a:endParaRPr lang="da-DK"/>
           </a:p>
@@ -7323,7 +7628,7 @@
           <p:cNvPr id="5" name="Footer Placeholder 4">
             <a:extLst>
               <a:ext uri="{FF2B5EF4-FFF2-40B4-BE49-F238E27FC236}">
-                <a16:creationId xmlns:a16="http://schemas.microsoft.com/office/drawing/2014/main" id="{8EA22393-BA0E-46FA-BAC8-2D4E3CF6CC12}"/>
+                <a16:creationId xmlns:a16="http://schemas.microsoft.com/office/drawing/2014/main" id="{1D77275E-5ABA-4F3A-9335-B74666C95F12}"/>
               </a:ext>
             </a:extLst>
           </p:cNvPr>
@@ -7351,7 +7656,7 @@
           <p:cNvPr id="6" name="Slide Number Placeholder 5">
             <a:extLst>
               <a:ext uri="{FF2B5EF4-FFF2-40B4-BE49-F238E27FC236}">
-                <a16:creationId xmlns:a16="http://schemas.microsoft.com/office/drawing/2014/main" id="{E5D0D7B1-034F-4C1B-B1B7-8AF14387CFE5}"/>
+                <a16:creationId xmlns:a16="http://schemas.microsoft.com/office/drawing/2014/main" id="{756CA081-609F-45EB-8B4F-D858D8BCBC52}"/>
               </a:ext>
             </a:extLst>
           </p:cNvPr>
@@ -7375,121 +7680,40 @@
           </a:p>
         </p:txBody>
       </p:sp>
-      <p:sp>
-        <p:nvSpPr>
-          <p:cNvPr id="10" name="Content Placeholder 9">
-            <a:extLst>
-              <a:ext uri="{FF2B5EF4-FFF2-40B4-BE49-F238E27FC236}">
-                <a16:creationId xmlns:a16="http://schemas.microsoft.com/office/drawing/2014/main" id="{628D77B9-962D-4AA8-9903-972F0EF12FC1}"/>
-              </a:ext>
-            </a:extLst>
-          </p:cNvPr>
-          <p:cNvSpPr>
-            <a:spLocks noGrp="1"/>
-          </p:cNvSpPr>
-          <p:nvPr>
-            <p:ph idx="1"/>
-          </p:nvPr>
-        </p:nvSpPr>
-        <p:spPr/>
-        <p:txBody>
-          <a:bodyPr>
-            <a:normAutofit fontScale="92500" lnSpcReduction="10000"/>
-          </a:bodyPr>
-          <a:lstStyle/>
-          <a:p>
-            <a:r>
-              <a:rPr lang="en-US" dirty="0">
-                <a:solidFill>
-                  <a:schemeClr val="accent6"/>
-                </a:solidFill>
-              </a:rPr>
-              <a:t>Introduce the student to a number of coding practices, that will help them do state-of-the-art research. To provide hands-on experience with a number of frameworks for doing deep learning.</a:t>
-            </a:r>
-          </a:p>
-          <a:p>
-            <a:endParaRPr lang="en-US" dirty="0">
-              <a:solidFill>
-                <a:schemeClr val="accent6"/>
-              </a:solidFill>
-            </a:endParaRPr>
-          </a:p>
-          <a:p>
-            <a:r>
-              <a:rPr lang="en-US" dirty="0">
-                <a:solidFill>
-                  <a:schemeClr val="accent6"/>
-                </a:solidFill>
-              </a:rPr>
-              <a:t>Keywords:</a:t>
-            </a:r>
-          </a:p>
-          <a:p>
-            <a:pPr lvl="1"/>
-            <a:r>
-              <a:rPr lang="en-US" dirty="0">
-                <a:solidFill>
-                  <a:schemeClr val="accent6"/>
-                </a:solidFill>
-              </a:rPr>
-              <a:t>Organization</a:t>
-            </a:r>
-          </a:p>
-          <a:p>
-            <a:pPr lvl="1"/>
-            <a:r>
-              <a:rPr lang="en-US" dirty="0">
-                <a:solidFill>
-                  <a:schemeClr val="accent6"/>
-                </a:solidFill>
-              </a:rPr>
-              <a:t>Scalability</a:t>
-            </a:r>
-          </a:p>
-          <a:p>
-            <a:pPr lvl="1"/>
-            <a:r>
-              <a:rPr lang="en-US" dirty="0">
-                <a:solidFill>
-                  <a:schemeClr val="accent6"/>
-                </a:solidFill>
-              </a:rPr>
-              <a:t>Reproducibility</a:t>
-            </a:r>
-          </a:p>
-          <a:p>
-            <a:pPr lvl="1"/>
-            <a:r>
-              <a:rPr lang="en-US" dirty="0">
-                <a:solidFill>
-                  <a:schemeClr val="accent6"/>
-                </a:solidFill>
-              </a:rPr>
-              <a:t>Hands-on experience</a:t>
-            </a:r>
-          </a:p>
-          <a:p>
-            <a:endParaRPr lang="da-DK" dirty="0"/>
-          </a:p>
-          <a:p>
-            <a:endParaRPr lang="da-DK" dirty="0"/>
-          </a:p>
-          <a:p>
-            <a:r>
-              <a:rPr lang="da-DK" dirty="0">
-                <a:solidFill>
-                  <a:srgbClr val="FF0000"/>
-                </a:solidFill>
-              </a:rPr>
-              <a:t>How deep learning models works (02456)</a:t>
-            </a:r>
-          </a:p>
-        </p:txBody>
-      </p:sp>
+      <p:pic>
+        <p:nvPicPr>
+          <p:cNvPr id="8" name="Picture 7">
+            <a:extLst>
+              <a:ext uri="{FF2B5EF4-FFF2-40B4-BE49-F238E27FC236}">
+                <a16:creationId xmlns:a16="http://schemas.microsoft.com/office/drawing/2014/main" id="{11836257-A141-427C-B548-672C938E377D}"/>
+              </a:ext>
+            </a:extLst>
+          </p:cNvPr>
+          <p:cNvPicPr>
+            <a:picLocks noChangeAspect="1"/>
+          </p:cNvPicPr>
+          <p:nvPr/>
+        </p:nvPicPr>
+        <p:blipFill>
+          <a:blip r:embed="rId4"/>
+          <a:stretch>
+            <a:fillRect/>
+          </a:stretch>
+        </p:blipFill>
+        <p:spPr>
+          <a:xfrm>
+            <a:off x="5696125" y="780209"/>
+            <a:ext cx="5185813" cy="5607600"/>
+          </a:xfrm>
+          <a:prstGeom prst="rect">
+            <a:avLst/>
+          </a:prstGeom>
+        </p:spPr>
+      </p:pic>
     </p:spTree>
     <p:extLst>
       <p:ext uri="{BB962C8B-B14F-4D97-AF65-F5344CB8AC3E}">
-        <p14:creationId xmlns:p14="http://schemas.microsoft.com/office/powerpoint/2010/main" val="2054814454"/>
+        <p14:creationId xmlns:p14="http://schemas.microsoft.com/office/powerpoint/2010/main" val="839825449"/>
       </p:ext>
     </p:extLst>
   </p:cSld>
@@ -7521,7 +7745,7 @@
           <p:cNvPr id="2" name="Title 1">
             <a:extLst>
               <a:ext uri="{FF2B5EF4-FFF2-40B4-BE49-F238E27FC236}">
-                <a16:creationId xmlns:a16="http://schemas.microsoft.com/office/drawing/2014/main" id="{F1E711DA-65EA-4DE5-B30A-D8A698ECF6DC}"/>
+                <a16:creationId xmlns:a16="http://schemas.microsoft.com/office/drawing/2014/main" id="{CBD645AF-8CEA-41F9-AC2F-73738FE02D95}"/>
               </a:ext>
             </a:extLst>
           </p:cNvPr>
@@ -7539,17 +7763,103 @@
           <a:p>
             <a:r>
               <a:rPr lang="da-DK" dirty="0"/>
-              <a:t>What do I expect from you</a:t>
-            </a:r>
-          </a:p>
-        </p:txBody>
-      </p:sp>
-      <p:sp>
-        <p:nvSpPr>
-          <p:cNvPr id="3" name="Content Placeholder 2">
-            <a:extLst>
-              <a:ext uri="{FF2B5EF4-FFF2-40B4-BE49-F238E27FC236}">
-                <a16:creationId xmlns:a16="http://schemas.microsoft.com/office/drawing/2014/main" id="{FFC6612C-48BD-4B00-AFE3-53AA7E6A6183}"/>
+              <a:t>What is this course/What is it not</a:t>
+            </a:r>
+          </a:p>
+        </p:txBody>
+      </p:sp>
+      <p:sp>
+        <p:nvSpPr>
+          <p:cNvPr id="4" name="Date Placeholder 3">
+            <a:extLst>
+              <a:ext uri="{FF2B5EF4-FFF2-40B4-BE49-F238E27FC236}">
+                <a16:creationId xmlns:a16="http://schemas.microsoft.com/office/drawing/2014/main" id="{84A52050-865F-47FD-8F3E-9034316DD736}"/>
+              </a:ext>
+            </a:extLst>
+          </p:cNvPr>
+          <p:cNvSpPr>
+            <a:spLocks noGrp="1"/>
+          </p:cNvSpPr>
+          <p:nvPr>
+            <p:ph type="dt" sz="half" idx="10"/>
+          </p:nvPr>
+        </p:nvSpPr>
+        <p:spPr/>
+        <p:txBody>
+          <a:bodyPr/>
+          <a:lstStyle/>
+          <a:p>
+            <a:fld id="{019E29B9-5584-4737-9C98-1B926378C778}" type="datetime1">
+              <a:rPr lang="en-US" smtClean="0"/>
+              <a:t>6/2/2021</a:t>
+            </a:fld>
+            <a:endParaRPr lang="da-DK"/>
+          </a:p>
+        </p:txBody>
+      </p:sp>
+      <p:sp>
+        <p:nvSpPr>
+          <p:cNvPr id="5" name="Footer Placeholder 4">
+            <a:extLst>
+              <a:ext uri="{FF2B5EF4-FFF2-40B4-BE49-F238E27FC236}">
+                <a16:creationId xmlns:a16="http://schemas.microsoft.com/office/drawing/2014/main" id="{8EA22393-BA0E-46FA-BAC8-2D4E3CF6CC12}"/>
+              </a:ext>
+            </a:extLst>
+          </p:cNvPr>
+          <p:cNvSpPr>
+            <a:spLocks noGrp="1"/>
+          </p:cNvSpPr>
+          <p:nvPr>
+            <p:ph type="ftr" sz="quarter" idx="11"/>
+          </p:nvPr>
+        </p:nvSpPr>
+        <p:spPr/>
+        <p:txBody>
+          <a:bodyPr/>
+          <a:lstStyle/>
+          <a:p>
+            <a:r>
+              <a:rPr lang="da-DK"/>
+              <a:t>Nicki Skafte Detlefsen</a:t>
+            </a:r>
+          </a:p>
+        </p:txBody>
+      </p:sp>
+      <p:sp>
+        <p:nvSpPr>
+          <p:cNvPr id="6" name="Slide Number Placeholder 5">
+            <a:extLst>
+              <a:ext uri="{FF2B5EF4-FFF2-40B4-BE49-F238E27FC236}">
+                <a16:creationId xmlns:a16="http://schemas.microsoft.com/office/drawing/2014/main" id="{E5D0D7B1-034F-4C1B-B1B7-8AF14387CFE5}"/>
+              </a:ext>
+            </a:extLst>
+          </p:cNvPr>
+          <p:cNvSpPr>
+            <a:spLocks noGrp="1"/>
+          </p:cNvSpPr>
+          <p:nvPr>
+            <p:ph type="sldNum" sz="quarter" idx="12"/>
+          </p:nvPr>
+        </p:nvSpPr>
+        <p:spPr/>
+        <p:txBody>
+          <a:bodyPr/>
+          <a:lstStyle/>
+          <a:p>
+            <a:fld id="{F6FEDE24-D50C-481B-A7B4-8AF13899101A}" type="slidenum">
+              <a:rPr lang="da-DK" smtClean="0"/>
+              <a:t>5</a:t>
+            </a:fld>
+            <a:endParaRPr lang="da-DK"/>
+          </a:p>
+        </p:txBody>
+      </p:sp>
+      <p:sp>
+        <p:nvSpPr>
+          <p:cNvPr id="10" name="Content Placeholder 9">
+            <a:extLst>
+              <a:ext uri="{FF2B5EF4-FFF2-40B4-BE49-F238E27FC236}">
+                <a16:creationId xmlns:a16="http://schemas.microsoft.com/office/drawing/2014/main" id="{628D77B9-962D-4AA8-9903-972F0EF12FC1}"/>
               </a:ext>
             </a:extLst>
           </p:cNvPr>
@@ -7568,6 +7878,175 @@
           <a:lstStyle/>
           <a:p>
             <a:r>
+              <a:rPr lang="en-US" dirty="0">
+                <a:solidFill>
+                  <a:schemeClr val="accent6"/>
+                </a:solidFill>
+              </a:rPr>
+              <a:t>Introduce the student to a number of coding practices, that will help them do state-of-the-art research. To provide hands-on experience with a number of frameworks for doing deep learning.</a:t>
+            </a:r>
+          </a:p>
+          <a:p>
+            <a:endParaRPr lang="en-US" dirty="0">
+              <a:solidFill>
+                <a:schemeClr val="accent6"/>
+              </a:solidFill>
+            </a:endParaRPr>
+          </a:p>
+          <a:p>
+            <a:r>
+              <a:rPr lang="en-US" dirty="0">
+                <a:solidFill>
+                  <a:schemeClr val="accent6"/>
+                </a:solidFill>
+              </a:rPr>
+              <a:t>Keywords:</a:t>
+            </a:r>
+          </a:p>
+          <a:p>
+            <a:pPr lvl="1"/>
+            <a:r>
+              <a:rPr lang="en-US" dirty="0">
+                <a:solidFill>
+                  <a:schemeClr val="accent6"/>
+                </a:solidFill>
+              </a:rPr>
+              <a:t>Organization</a:t>
+            </a:r>
+          </a:p>
+          <a:p>
+            <a:pPr lvl="1"/>
+            <a:r>
+              <a:rPr lang="en-US" dirty="0">
+                <a:solidFill>
+                  <a:schemeClr val="accent6"/>
+                </a:solidFill>
+              </a:rPr>
+              <a:t>Scalability</a:t>
+            </a:r>
+          </a:p>
+          <a:p>
+            <a:pPr lvl="1"/>
+            <a:r>
+              <a:rPr lang="en-US" dirty="0">
+                <a:solidFill>
+                  <a:schemeClr val="accent6"/>
+                </a:solidFill>
+              </a:rPr>
+              <a:t>Reproducibility</a:t>
+            </a:r>
+          </a:p>
+          <a:p>
+            <a:pPr lvl="1"/>
+            <a:r>
+              <a:rPr lang="en-US" dirty="0">
+                <a:solidFill>
+                  <a:schemeClr val="accent6"/>
+                </a:solidFill>
+              </a:rPr>
+              <a:t>Hands-on experience</a:t>
+            </a:r>
+          </a:p>
+          <a:p>
+            <a:endParaRPr lang="da-DK" dirty="0"/>
+          </a:p>
+          <a:p>
+            <a:endParaRPr lang="da-DK" dirty="0"/>
+          </a:p>
+          <a:p>
+            <a:r>
+              <a:rPr lang="da-DK" dirty="0">
+                <a:solidFill>
+                  <a:srgbClr val="FF0000"/>
+                </a:solidFill>
+              </a:rPr>
+              <a:t>How deep learning models works (02456)</a:t>
+            </a:r>
+          </a:p>
+        </p:txBody>
+      </p:sp>
+    </p:spTree>
+    <p:extLst>
+      <p:ext uri="{BB962C8B-B14F-4D97-AF65-F5344CB8AC3E}">
+        <p14:creationId xmlns:p14="http://schemas.microsoft.com/office/powerpoint/2010/main" val="2054814454"/>
+      </p:ext>
+    </p:extLst>
+  </p:cSld>
+  <p:clrMapOvr>
+    <a:masterClrMapping/>
+  </p:clrMapOvr>
+</p:sld>
+</file>
+
+<file path=ppt/slides/slide6.xml><?xml version="1.0" encoding="utf-8"?>
+<p:sld xmlns:a="http://schemas.openxmlformats.org/drawingml/2006/main" xmlns:r="http://schemas.openxmlformats.org/officeDocument/2006/relationships" xmlns:p="http://schemas.openxmlformats.org/presentationml/2006/main">
+  <p:cSld>
+    <p:spTree>
+      <p:nvGrpSpPr>
+        <p:cNvPr id="1" name=""/>
+        <p:cNvGrpSpPr/>
+        <p:nvPr/>
+      </p:nvGrpSpPr>
+      <p:grpSpPr>
+        <a:xfrm>
+          <a:off x="0" y="0"/>
+          <a:ext cx="0" cy="0"/>
+          <a:chOff x="0" y="0"/>
+          <a:chExt cx="0" cy="0"/>
+        </a:xfrm>
+      </p:grpSpPr>
+      <p:sp>
+        <p:nvSpPr>
+          <p:cNvPr id="2" name="Title 1">
+            <a:extLst>
+              <a:ext uri="{FF2B5EF4-FFF2-40B4-BE49-F238E27FC236}">
+                <a16:creationId xmlns:a16="http://schemas.microsoft.com/office/drawing/2014/main" id="{F1E711DA-65EA-4DE5-B30A-D8A698ECF6DC}"/>
+              </a:ext>
+            </a:extLst>
+          </p:cNvPr>
+          <p:cNvSpPr>
+            <a:spLocks noGrp="1"/>
+          </p:cNvSpPr>
+          <p:nvPr>
+            <p:ph type="title"/>
+          </p:nvPr>
+        </p:nvSpPr>
+        <p:spPr/>
+        <p:txBody>
+          <a:bodyPr/>
+          <a:lstStyle/>
+          <a:p>
+            <a:r>
+              <a:rPr lang="da-DK" dirty="0"/>
+              <a:t>What do I expect from you</a:t>
+            </a:r>
+          </a:p>
+        </p:txBody>
+      </p:sp>
+      <p:sp>
+        <p:nvSpPr>
+          <p:cNvPr id="3" name="Content Placeholder 2">
+            <a:extLst>
+              <a:ext uri="{FF2B5EF4-FFF2-40B4-BE49-F238E27FC236}">
+                <a16:creationId xmlns:a16="http://schemas.microsoft.com/office/drawing/2014/main" id="{FFC6612C-48BD-4B00-AFE3-53AA7E6A6183}"/>
+              </a:ext>
+            </a:extLst>
+          </p:cNvPr>
+          <p:cNvSpPr>
+            <a:spLocks noGrp="1"/>
+          </p:cNvSpPr>
+          <p:nvPr>
+            <p:ph idx="1"/>
+          </p:nvPr>
+        </p:nvSpPr>
+        <p:spPr/>
+        <p:txBody>
+          <a:bodyPr>
+            <a:normAutofit fontScale="92500" lnSpcReduction="10000"/>
+          </a:bodyPr>
+          <a:lstStyle/>
+          <a:p>
+            <a:r>
               <a:rPr lang="da-DK" dirty="0"/>
               <a:t>This course was developed over 1½ month, meaning that the material may be suboptimal</a:t>
             </a:r>
@@ -7633,7 +8112,7 @@
           <a:p>
             <a:fld id="{019E29B9-5584-4737-9C98-1B926378C778}" type="datetime1">
               <a:rPr lang="en-US" smtClean="0"/>
-              <a:t>5/28/2021</a:t>
+              <a:t>6/2/2021</a:t>
             </a:fld>
             <a:endParaRPr lang="da-DK"/>
           </a:p>
@@ -7690,7 +8169,7 @@
           <a:p>
             <a:fld id="{F6FEDE24-D50C-481B-A7B4-8AF13899101A}" type="slidenum">
               <a:rPr lang="da-DK" smtClean="0"/>
-              <a:t>5</a:t>
+              <a:t>6</a:t>
             </a:fld>
             <a:endParaRPr lang="da-DK"/>
           </a:p>
@@ -8042,7 +8521,7 @@
 </p:sld>
 </file>
 
-<file path=ppt/slides/slide6.xml><?xml version="1.0" encoding="utf-8"?>
+<file path=ppt/slides/slide7.xml><?xml version="1.0" encoding="utf-8"?>
 <p:sld xmlns:a="http://schemas.openxmlformats.org/drawingml/2006/main" xmlns:r="http://schemas.openxmlformats.org/officeDocument/2006/relationships" xmlns:p="http://schemas.openxmlformats.org/presentationml/2006/main">
   <p:cSld>
     <p:spTree>
@@ -8158,7 +8637,7 @@
           <a:p>
             <a:fld id="{019E29B9-5584-4737-9C98-1B926378C778}" type="datetime1">
               <a:rPr lang="en-US" smtClean="0"/>
-              <a:t>5/28/2021</a:t>
+              <a:t>6/2/2021</a:t>
             </a:fld>
             <a:endParaRPr lang="da-DK"/>
           </a:p>
@@ -8215,7 +8694,7 @@
           <a:p>
             <a:fld id="{F6FEDE24-D50C-481B-A7B4-8AF13899101A}" type="slidenum">
               <a:rPr lang="da-DK" smtClean="0"/>
-              <a:t>6</a:t>
+              <a:t>7</a:t>
             </a:fld>
             <a:endParaRPr lang="da-DK"/>
           </a:p>
@@ -8306,155 +8785,6 @@
 </p:sld>
 </file>
 
-<file path=ppt/slides/slide7.xml><?xml version="1.0" encoding="utf-8"?>
-<p:sld xmlns:a="http://schemas.openxmlformats.org/drawingml/2006/main" xmlns:r="http://schemas.openxmlformats.org/officeDocument/2006/relationships" xmlns:p="http://schemas.openxmlformats.org/presentationml/2006/main">
-  <p:cSld>
-    <p:spTree>
-      <p:nvGrpSpPr>
-        <p:cNvPr id="1" name=""/>
-        <p:cNvGrpSpPr/>
-        <p:nvPr/>
-      </p:nvGrpSpPr>
-      <p:grpSpPr>
-        <a:xfrm>
-          <a:off x="0" y="0"/>
-          <a:ext cx="0" cy="0"/>
-          <a:chOff x="0" y="0"/>
-          <a:chExt cx="0" cy="0"/>
-        </a:xfrm>
-      </p:grpSpPr>
-      <p:sp>
-        <p:nvSpPr>
-          <p:cNvPr id="2" name="Title 1">
-            <a:extLst>
-              <a:ext uri="{FF2B5EF4-FFF2-40B4-BE49-F238E27FC236}">
-                <a16:creationId xmlns:a16="http://schemas.microsoft.com/office/drawing/2014/main" id="{C2890881-A8F3-4127-9EBC-5AACB76A56E0}"/>
-              </a:ext>
-            </a:extLst>
-          </p:cNvPr>
-          <p:cNvSpPr>
-            <a:spLocks noGrp="1"/>
-          </p:cNvSpPr>
-          <p:nvPr>
-            <p:ph type="title"/>
-          </p:nvPr>
-        </p:nvSpPr>
-        <p:spPr>
-          <a:xfrm>
-            <a:off x="838200" y="2766218"/>
-            <a:ext cx="10515600" cy="1325563"/>
-          </a:xfrm>
-        </p:spPr>
-        <p:txBody>
-          <a:bodyPr/>
-          <a:lstStyle/>
-          <a:p>
-            <a:r>
-              <a:rPr lang="da-DK" dirty="0"/>
-              <a:t>History of deep learning</a:t>
-            </a:r>
-          </a:p>
-        </p:txBody>
-      </p:sp>
-      <p:sp>
-        <p:nvSpPr>
-          <p:cNvPr id="4" name="Date Placeholder 3">
-            <a:extLst>
-              <a:ext uri="{FF2B5EF4-FFF2-40B4-BE49-F238E27FC236}">
-                <a16:creationId xmlns:a16="http://schemas.microsoft.com/office/drawing/2014/main" id="{6F8F8643-BC00-42A1-9723-B745437A984F}"/>
-              </a:ext>
-            </a:extLst>
-          </p:cNvPr>
-          <p:cNvSpPr>
-            <a:spLocks noGrp="1"/>
-          </p:cNvSpPr>
-          <p:nvPr>
-            <p:ph type="dt" sz="half" idx="10"/>
-          </p:nvPr>
-        </p:nvSpPr>
-        <p:spPr/>
-        <p:txBody>
-          <a:bodyPr/>
-          <a:lstStyle/>
-          <a:p>
-            <a:fld id="{019E29B9-5584-4737-9C98-1B926378C778}" type="datetime1">
-              <a:rPr lang="en-US" smtClean="0"/>
-              <a:t>5/28/2021</a:t>
-            </a:fld>
-            <a:endParaRPr lang="da-DK"/>
-          </a:p>
-        </p:txBody>
-      </p:sp>
-      <p:sp>
-        <p:nvSpPr>
-          <p:cNvPr id="5" name="Footer Placeholder 4">
-            <a:extLst>
-              <a:ext uri="{FF2B5EF4-FFF2-40B4-BE49-F238E27FC236}">
-                <a16:creationId xmlns:a16="http://schemas.microsoft.com/office/drawing/2014/main" id="{7F6747D3-8B4C-43D1-94B5-2BF43D7FCA58}"/>
-              </a:ext>
-            </a:extLst>
-          </p:cNvPr>
-          <p:cNvSpPr>
-            <a:spLocks noGrp="1"/>
-          </p:cNvSpPr>
-          <p:nvPr>
-            <p:ph type="ftr" sz="quarter" idx="11"/>
-          </p:nvPr>
-        </p:nvSpPr>
-        <p:spPr/>
-        <p:txBody>
-          <a:bodyPr/>
-          <a:lstStyle/>
-          <a:p>
-            <a:r>
-              <a:rPr lang="da-DK"/>
-              <a:t>Nicki Skafte Detlefsen</a:t>
-            </a:r>
-          </a:p>
-        </p:txBody>
-      </p:sp>
-      <p:sp>
-        <p:nvSpPr>
-          <p:cNvPr id="6" name="Slide Number Placeholder 5">
-            <a:extLst>
-              <a:ext uri="{FF2B5EF4-FFF2-40B4-BE49-F238E27FC236}">
-                <a16:creationId xmlns:a16="http://schemas.microsoft.com/office/drawing/2014/main" id="{CC6726FE-8275-418C-AD9E-E8EABBB18C8F}"/>
-              </a:ext>
-            </a:extLst>
-          </p:cNvPr>
-          <p:cNvSpPr>
-            <a:spLocks noGrp="1"/>
-          </p:cNvSpPr>
-          <p:nvPr>
-            <p:ph type="sldNum" sz="quarter" idx="12"/>
-          </p:nvPr>
-        </p:nvSpPr>
-        <p:spPr/>
-        <p:txBody>
-          <a:bodyPr/>
-          <a:lstStyle/>
-          <a:p>
-            <a:fld id="{F6FEDE24-D50C-481B-A7B4-8AF13899101A}" type="slidenum">
-              <a:rPr lang="da-DK" smtClean="0"/>
-              <a:t>7</a:t>
-            </a:fld>
-            <a:endParaRPr lang="da-DK"/>
-          </a:p>
-        </p:txBody>
-      </p:sp>
-    </p:spTree>
-    <p:extLst>
-      <p:ext uri="{BB962C8B-B14F-4D97-AF65-F5344CB8AC3E}">
-        <p14:creationId xmlns:p14="http://schemas.microsoft.com/office/powerpoint/2010/main" val="2360885756"/>
-      </p:ext>
-    </p:extLst>
-  </p:cSld>
-  <p:clrMapOvr>
-    <a:masterClrMapping/>
-  </p:clrMapOvr>
-</p:sld>
-</file>
-
 <file path=ppt/slides/slide8.xml><?xml version="1.0" encoding="utf-8"?>
 <p:sld xmlns:a="http://schemas.openxmlformats.org/drawingml/2006/main" xmlns:r="http://schemas.openxmlformats.org/officeDocument/2006/relationships" xmlns:p="http://schemas.openxmlformats.org/presentationml/2006/main">
   <p:cSld>
@@ -8477,7 +8807,7 @@
           <p:cNvPr id="2" name="Title 1">
             <a:extLst>
               <a:ext uri="{FF2B5EF4-FFF2-40B4-BE49-F238E27FC236}">
-                <a16:creationId xmlns:a16="http://schemas.microsoft.com/office/drawing/2014/main" id="{AFA3FB33-E459-44C2-8C3E-2980164944DF}"/>
+                <a16:creationId xmlns:a16="http://schemas.microsoft.com/office/drawing/2014/main" id="{C2890881-A8F3-4127-9EBC-5AACB76A56E0}"/>
               </a:ext>
             </a:extLst>
           </p:cNvPr>
@@ -8488,7 +8818,12 @@
             <p:ph type="title"/>
           </p:nvPr>
         </p:nvSpPr>
-        <p:spPr/>
+        <p:spPr>
+          <a:xfrm>
+            <a:off x="838200" y="2766218"/>
+            <a:ext cx="10515600" cy="1325563"/>
+          </a:xfrm>
+        </p:spPr>
         <p:txBody>
           <a:bodyPr/>
           <a:lstStyle/>
@@ -8502,35 +8837,10 @@
       </p:sp>
       <p:sp>
         <p:nvSpPr>
-          <p:cNvPr id="3" name="Content Placeholder 2">
-            <a:extLst>
-              <a:ext uri="{FF2B5EF4-FFF2-40B4-BE49-F238E27FC236}">
-                <a16:creationId xmlns:a16="http://schemas.microsoft.com/office/drawing/2014/main" id="{E0F4738D-97BD-4C83-B3F1-645790055083}"/>
-              </a:ext>
-            </a:extLst>
-          </p:cNvPr>
-          <p:cNvSpPr>
-            <a:spLocks noGrp="1"/>
-          </p:cNvSpPr>
-          <p:nvPr>
-            <p:ph idx="1"/>
-          </p:nvPr>
-        </p:nvSpPr>
-        <p:spPr/>
-        <p:txBody>
-          <a:bodyPr/>
-          <a:lstStyle/>
-          <a:p>
-            <a:endParaRPr lang="da-DK"/>
-          </a:p>
-        </p:txBody>
-      </p:sp>
-      <p:sp>
-        <p:nvSpPr>
           <p:cNvPr id="4" name="Date Placeholder 3">
             <a:extLst>
               <a:ext uri="{FF2B5EF4-FFF2-40B4-BE49-F238E27FC236}">
-                <a16:creationId xmlns:a16="http://schemas.microsoft.com/office/drawing/2014/main" id="{8FDE3585-E720-46C0-833E-F175CF8BA031}"/>
+                <a16:creationId xmlns:a16="http://schemas.microsoft.com/office/drawing/2014/main" id="{6F8F8643-BC00-42A1-9723-B745437A984F}"/>
               </a:ext>
             </a:extLst>
           </p:cNvPr>
@@ -8548,7 +8858,7 @@
           <a:p>
             <a:fld id="{019E29B9-5584-4737-9C98-1B926378C778}" type="datetime1">
               <a:rPr lang="en-US" smtClean="0"/>
-              <a:t>5/28/2021</a:t>
+              <a:t>6/2/2021</a:t>
             </a:fld>
             <a:endParaRPr lang="da-DK"/>
           </a:p>
@@ -8559,7 +8869,7 @@
           <p:cNvPr id="5" name="Footer Placeholder 4">
             <a:extLst>
               <a:ext uri="{FF2B5EF4-FFF2-40B4-BE49-F238E27FC236}">
-                <a16:creationId xmlns:a16="http://schemas.microsoft.com/office/drawing/2014/main" id="{767C9310-195E-4210-AADE-3C5DE42CF185}"/>
+                <a16:creationId xmlns:a16="http://schemas.microsoft.com/office/drawing/2014/main" id="{7F6747D3-8B4C-43D1-94B5-2BF43D7FCA58}"/>
               </a:ext>
             </a:extLst>
           </p:cNvPr>
@@ -8587,7 +8897,7 @@
           <p:cNvPr id="6" name="Slide Number Placeholder 5">
             <a:extLst>
               <a:ext uri="{FF2B5EF4-FFF2-40B4-BE49-F238E27FC236}">
-                <a16:creationId xmlns:a16="http://schemas.microsoft.com/office/drawing/2014/main" id="{2B37452C-28B9-4BDA-AAC9-2F25A667A22F}"/>
+                <a16:creationId xmlns:a16="http://schemas.microsoft.com/office/drawing/2014/main" id="{CC6726FE-8275-418C-AD9E-E8EABBB18C8F}"/>
               </a:ext>
             </a:extLst>
           </p:cNvPr>
@@ -8606,6 +8916,175 @@
             <a:fld id="{F6FEDE24-D50C-481B-A7B4-8AF13899101A}" type="slidenum">
               <a:rPr lang="da-DK" smtClean="0"/>
               <a:t>8</a:t>
+            </a:fld>
+            <a:endParaRPr lang="da-DK"/>
+          </a:p>
+        </p:txBody>
+      </p:sp>
+    </p:spTree>
+    <p:extLst>
+      <p:ext uri="{BB962C8B-B14F-4D97-AF65-F5344CB8AC3E}">
+        <p14:creationId xmlns:p14="http://schemas.microsoft.com/office/powerpoint/2010/main" val="2360885756"/>
+      </p:ext>
+    </p:extLst>
+  </p:cSld>
+  <p:clrMapOvr>
+    <a:masterClrMapping/>
+  </p:clrMapOvr>
+</p:sld>
+</file>
+
+<file path=ppt/slides/slide9.xml><?xml version="1.0" encoding="utf-8"?>
+<p:sld xmlns:a="http://schemas.openxmlformats.org/drawingml/2006/main" xmlns:r="http://schemas.openxmlformats.org/officeDocument/2006/relationships" xmlns:p="http://schemas.openxmlformats.org/presentationml/2006/main">
+  <p:cSld>
+    <p:spTree>
+      <p:nvGrpSpPr>
+        <p:cNvPr id="1" name=""/>
+        <p:cNvGrpSpPr/>
+        <p:nvPr/>
+      </p:nvGrpSpPr>
+      <p:grpSpPr>
+        <a:xfrm>
+          <a:off x="0" y="0"/>
+          <a:ext cx="0" cy="0"/>
+          <a:chOff x="0" y="0"/>
+          <a:chExt cx="0" cy="0"/>
+        </a:xfrm>
+      </p:grpSpPr>
+      <p:sp>
+        <p:nvSpPr>
+          <p:cNvPr id="2" name="Title 1">
+            <a:extLst>
+              <a:ext uri="{FF2B5EF4-FFF2-40B4-BE49-F238E27FC236}">
+                <a16:creationId xmlns:a16="http://schemas.microsoft.com/office/drawing/2014/main" id="{AFA3FB33-E459-44C2-8C3E-2980164944DF}"/>
+              </a:ext>
+            </a:extLst>
+          </p:cNvPr>
+          <p:cNvSpPr>
+            <a:spLocks noGrp="1"/>
+          </p:cNvSpPr>
+          <p:nvPr>
+            <p:ph type="title"/>
+          </p:nvPr>
+        </p:nvSpPr>
+        <p:spPr/>
+        <p:txBody>
+          <a:bodyPr/>
+          <a:lstStyle/>
+          <a:p>
+            <a:r>
+              <a:rPr lang="da-DK" dirty="0"/>
+              <a:t>History of deep learning</a:t>
+            </a:r>
+          </a:p>
+        </p:txBody>
+      </p:sp>
+      <p:sp>
+        <p:nvSpPr>
+          <p:cNvPr id="3" name="Content Placeholder 2">
+            <a:extLst>
+              <a:ext uri="{FF2B5EF4-FFF2-40B4-BE49-F238E27FC236}">
+                <a16:creationId xmlns:a16="http://schemas.microsoft.com/office/drawing/2014/main" id="{E0F4738D-97BD-4C83-B3F1-645790055083}"/>
+              </a:ext>
+            </a:extLst>
+          </p:cNvPr>
+          <p:cNvSpPr>
+            <a:spLocks noGrp="1"/>
+          </p:cNvSpPr>
+          <p:nvPr>
+            <p:ph idx="1"/>
+          </p:nvPr>
+        </p:nvSpPr>
+        <p:spPr/>
+        <p:txBody>
+          <a:bodyPr/>
+          <a:lstStyle/>
+          <a:p>
+            <a:endParaRPr lang="da-DK"/>
+          </a:p>
+        </p:txBody>
+      </p:sp>
+      <p:sp>
+        <p:nvSpPr>
+          <p:cNvPr id="4" name="Date Placeholder 3">
+            <a:extLst>
+              <a:ext uri="{FF2B5EF4-FFF2-40B4-BE49-F238E27FC236}">
+                <a16:creationId xmlns:a16="http://schemas.microsoft.com/office/drawing/2014/main" id="{8FDE3585-E720-46C0-833E-F175CF8BA031}"/>
+              </a:ext>
+            </a:extLst>
+          </p:cNvPr>
+          <p:cNvSpPr>
+            <a:spLocks noGrp="1"/>
+          </p:cNvSpPr>
+          <p:nvPr>
+            <p:ph type="dt" sz="half" idx="10"/>
+          </p:nvPr>
+        </p:nvSpPr>
+        <p:spPr/>
+        <p:txBody>
+          <a:bodyPr/>
+          <a:lstStyle/>
+          <a:p>
+            <a:fld id="{019E29B9-5584-4737-9C98-1B926378C778}" type="datetime1">
+              <a:rPr lang="en-US" smtClean="0"/>
+              <a:t>6/2/2021</a:t>
+            </a:fld>
+            <a:endParaRPr lang="da-DK"/>
+          </a:p>
+        </p:txBody>
+      </p:sp>
+      <p:sp>
+        <p:nvSpPr>
+          <p:cNvPr id="5" name="Footer Placeholder 4">
+            <a:extLst>
+              <a:ext uri="{FF2B5EF4-FFF2-40B4-BE49-F238E27FC236}">
+                <a16:creationId xmlns:a16="http://schemas.microsoft.com/office/drawing/2014/main" id="{767C9310-195E-4210-AADE-3C5DE42CF185}"/>
+              </a:ext>
+            </a:extLst>
+          </p:cNvPr>
+          <p:cNvSpPr>
+            <a:spLocks noGrp="1"/>
+          </p:cNvSpPr>
+          <p:nvPr>
+            <p:ph type="ftr" sz="quarter" idx="11"/>
+          </p:nvPr>
+        </p:nvSpPr>
+        <p:spPr/>
+        <p:txBody>
+          <a:bodyPr/>
+          <a:lstStyle/>
+          <a:p>
+            <a:r>
+              <a:rPr lang="da-DK"/>
+              <a:t>Nicki Skafte Detlefsen</a:t>
+            </a:r>
+          </a:p>
+        </p:txBody>
+      </p:sp>
+      <p:sp>
+        <p:nvSpPr>
+          <p:cNvPr id="6" name="Slide Number Placeholder 5">
+            <a:extLst>
+              <a:ext uri="{FF2B5EF4-FFF2-40B4-BE49-F238E27FC236}">
+                <a16:creationId xmlns:a16="http://schemas.microsoft.com/office/drawing/2014/main" id="{2B37452C-28B9-4BDA-AAC9-2F25A667A22F}"/>
+              </a:ext>
+            </a:extLst>
+          </p:cNvPr>
+          <p:cNvSpPr>
+            <a:spLocks noGrp="1"/>
+          </p:cNvSpPr>
+          <p:nvPr>
+            <p:ph type="sldNum" sz="quarter" idx="12"/>
+          </p:nvPr>
+        </p:nvSpPr>
+        <p:spPr/>
+        <p:txBody>
+          <a:bodyPr/>
+          <a:lstStyle/>
+          <a:p>
+            <a:fld id="{F6FEDE24-D50C-481B-A7B4-8AF13899101A}" type="slidenum">
+              <a:rPr lang="da-DK" smtClean="0"/>
+              <a:t>9</a:t>
             </a:fld>
             <a:endParaRPr lang="da-DK"/>
           </a:p>
@@ -8645,229 +9124,6 @@
     <p:extLst>
       <p:ext uri="{BB962C8B-B14F-4D97-AF65-F5344CB8AC3E}">
         <p14:creationId xmlns:p14="http://schemas.microsoft.com/office/powerpoint/2010/main" val="1591327753"/>
-      </p:ext>
-    </p:extLst>
-  </p:cSld>
-  <p:clrMapOvr>
-    <a:masterClrMapping/>
-  </p:clrMapOvr>
-</p:sld>
-</file>
-
-<file path=ppt/slides/slide9.xml><?xml version="1.0" encoding="utf-8"?>
-<p:sld xmlns:a="http://schemas.openxmlformats.org/drawingml/2006/main" xmlns:r="http://schemas.openxmlformats.org/officeDocument/2006/relationships" xmlns:p="http://schemas.openxmlformats.org/presentationml/2006/main">
-  <p:cSld>
-    <p:bg>
-      <p:bgPr>
-        <a:solidFill>
-          <a:schemeClr val="bg1"/>
-        </a:solidFill>
-        <a:effectLst/>
-      </p:bgPr>
-    </p:bg>
-    <p:spTree>
-      <p:nvGrpSpPr>
-        <p:cNvPr id="1" name=""/>
-        <p:cNvGrpSpPr/>
-        <p:nvPr/>
-      </p:nvGrpSpPr>
-      <p:grpSpPr>
-        <a:xfrm>
-          <a:off x="0" y="0"/>
-          <a:ext cx="0" cy="0"/>
-          <a:chOff x="0" y="0"/>
-          <a:chExt cx="0" cy="0"/>
-        </a:xfrm>
-      </p:grpSpPr>
-      <p:sp>
-        <p:nvSpPr>
-          <p:cNvPr id="2" name="Title 1">
-            <a:extLst>
-              <a:ext uri="{FF2B5EF4-FFF2-40B4-BE49-F238E27FC236}">
-                <a16:creationId xmlns:a16="http://schemas.microsoft.com/office/drawing/2014/main" id="{BD3F43E9-D451-4F9C-8DA9-4DED62226315}"/>
-              </a:ext>
-            </a:extLst>
-          </p:cNvPr>
-          <p:cNvSpPr>
-            <a:spLocks noGrp="1"/>
-          </p:cNvSpPr>
-          <p:nvPr>
-            <p:ph type="title"/>
-          </p:nvPr>
-        </p:nvSpPr>
-        <p:spPr/>
-        <p:txBody>
-          <a:bodyPr/>
-          <a:lstStyle/>
-          <a:p>
-            <a:r>
-              <a:rPr lang="da-DK" dirty="0"/>
-              <a:t>The Deep Learning Revolution</a:t>
-            </a:r>
-          </a:p>
-        </p:txBody>
-      </p:sp>
-      <p:pic>
-        <p:nvPicPr>
-          <p:cNvPr id="8" name="Content Placeholder 7" descr="Chart, bar chart&#10;&#10;Description automatically generated">
-            <a:extLst>
-              <a:ext uri="{FF2B5EF4-FFF2-40B4-BE49-F238E27FC236}">
-                <a16:creationId xmlns:a16="http://schemas.microsoft.com/office/drawing/2014/main" id="{4F9F45B1-25A4-4B91-86CC-2599504A2C2F}"/>
-              </a:ext>
-            </a:extLst>
-          </p:cNvPr>
-          <p:cNvPicPr>
-            <a:picLocks noGrp="1" noChangeAspect="1"/>
-          </p:cNvPicPr>
-          <p:nvPr>
-            <p:ph idx="1"/>
-          </p:nvPr>
-        </p:nvPicPr>
-        <p:blipFill>
-          <a:blip r:embed="rId2">
-            <a:extLst>
-              <a:ext uri="{28A0092B-C50C-407E-A947-70E740481C1C}">
-                <a14:useLocalDpi xmlns:a14="http://schemas.microsoft.com/office/drawing/2010/main" val="0"/>
-              </a:ext>
-            </a:extLst>
-          </a:blip>
-          <a:stretch>
-            <a:fillRect/>
-          </a:stretch>
-        </p:blipFill>
-        <p:spPr>
-          <a:xfrm>
-            <a:off x="4569870" y="1343025"/>
-            <a:ext cx="7232385" cy="4833938"/>
-          </a:xfrm>
-        </p:spPr>
-      </p:pic>
-      <p:sp>
-        <p:nvSpPr>
-          <p:cNvPr id="4" name="Date Placeholder 3">
-            <a:extLst>
-              <a:ext uri="{FF2B5EF4-FFF2-40B4-BE49-F238E27FC236}">
-                <a16:creationId xmlns:a16="http://schemas.microsoft.com/office/drawing/2014/main" id="{6AEA63BF-42AC-472F-9C80-2D46E5E9E156}"/>
-              </a:ext>
-            </a:extLst>
-          </p:cNvPr>
-          <p:cNvSpPr>
-            <a:spLocks noGrp="1"/>
-          </p:cNvSpPr>
-          <p:nvPr>
-            <p:ph type="dt" sz="half" idx="10"/>
-          </p:nvPr>
-        </p:nvSpPr>
-        <p:spPr/>
-        <p:txBody>
-          <a:bodyPr/>
-          <a:lstStyle/>
-          <a:p>
-            <a:fld id="{0DE03C17-2118-466B-9E30-BC2A82864501}" type="datetime1">
-              <a:rPr lang="en-US" smtClean="0"/>
-              <a:t>5/28/2021</a:t>
-            </a:fld>
-            <a:endParaRPr lang="da-DK"/>
-          </a:p>
-        </p:txBody>
-      </p:sp>
-      <p:sp>
-        <p:nvSpPr>
-          <p:cNvPr id="5" name="Slide Number Placeholder 4">
-            <a:extLst>
-              <a:ext uri="{FF2B5EF4-FFF2-40B4-BE49-F238E27FC236}">
-                <a16:creationId xmlns:a16="http://schemas.microsoft.com/office/drawing/2014/main" id="{F22AB04B-B5F7-47D0-B9D7-674DB1073AB4}"/>
-              </a:ext>
-            </a:extLst>
-          </p:cNvPr>
-          <p:cNvSpPr>
-            <a:spLocks noGrp="1"/>
-          </p:cNvSpPr>
-          <p:nvPr>
-            <p:ph type="sldNum" sz="quarter" idx="12"/>
-          </p:nvPr>
-        </p:nvSpPr>
-        <p:spPr/>
-        <p:txBody>
-          <a:bodyPr/>
-          <a:lstStyle/>
-          <a:p>
-            <a:fld id="{F6FEDE24-D50C-481B-A7B4-8AF13899101A}" type="slidenum">
-              <a:rPr lang="da-DK" smtClean="0"/>
-              <a:t>9</a:t>
-            </a:fld>
-            <a:endParaRPr lang="da-DK"/>
-          </a:p>
-        </p:txBody>
-      </p:sp>
-      <p:sp>
-        <p:nvSpPr>
-          <p:cNvPr id="6" name="Footer Placeholder 5">
-            <a:extLst>
-              <a:ext uri="{FF2B5EF4-FFF2-40B4-BE49-F238E27FC236}">
-                <a16:creationId xmlns:a16="http://schemas.microsoft.com/office/drawing/2014/main" id="{69DB3193-F603-411B-B7EF-1217FBFED035}"/>
-              </a:ext>
-            </a:extLst>
-          </p:cNvPr>
-          <p:cNvSpPr>
-            <a:spLocks noGrp="1"/>
-          </p:cNvSpPr>
-          <p:nvPr>
-            <p:ph type="ftr" sz="quarter" idx="11"/>
-          </p:nvPr>
-        </p:nvSpPr>
-        <p:spPr/>
-        <p:txBody>
-          <a:bodyPr/>
-          <a:lstStyle/>
-          <a:p>
-            <a:r>
-              <a:rPr lang="da-DK"/>
-              <a:t>Nicki Skafte Detlefsen</a:t>
-            </a:r>
-          </a:p>
-        </p:txBody>
-      </p:sp>
-      <p:pic>
-        <p:nvPicPr>
-          <p:cNvPr id="7" name="Picture 6" descr="A picture containing many, shop, sale&#10;&#10;Description automatically generated">
-            <a:extLst>
-              <a:ext uri="{FF2B5EF4-FFF2-40B4-BE49-F238E27FC236}">
-                <a16:creationId xmlns:a16="http://schemas.microsoft.com/office/drawing/2014/main" id="{D5C757DC-5D31-4C1D-B4A2-F516DDE7A940}"/>
-              </a:ext>
-            </a:extLst>
-          </p:cNvPr>
-          <p:cNvPicPr>
-            <a:picLocks noChangeAspect="1"/>
-          </p:cNvPicPr>
-          <p:nvPr/>
-        </p:nvPicPr>
-        <p:blipFill>
-          <a:blip r:embed="rId3">
-            <a:extLst>
-              <a:ext uri="{28A0092B-C50C-407E-A947-70E740481C1C}">
-                <a14:useLocalDpi xmlns:a14="http://schemas.microsoft.com/office/drawing/2010/main" val="0"/>
-              </a:ext>
-            </a:extLst>
-          </a:blip>
-          <a:stretch>
-            <a:fillRect/>
-          </a:stretch>
-        </p:blipFill>
-        <p:spPr>
-          <a:xfrm>
-            <a:off x="167172" y="1276014"/>
-            <a:ext cx="4310743" cy="4310743"/>
-          </a:xfrm>
-          <a:prstGeom prst="rect">
-            <a:avLst/>
-          </a:prstGeom>
-        </p:spPr>
-      </p:pic>
-    </p:spTree>
-    <p:extLst>
-      <p:ext uri="{BB962C8B-B14F-4D97-AF65-F5344CB8AC3E}">
-        <p14:creationId xmlns:p14="http://schemas.microsoft.com/office/powerpoint/2010/main" val="805747189"/>
       </p:ext>
     </p:extLst>
   </p:cSld>

--- a/01_introduction/How_autodiff_changed_the_world.pptx
+++ b/01_introduction/How_autodiff_changed_the_world.pptx
@@ -231,7 +231,7 @@
           <a:p>
             <a:fld id="{D75CAE95-D2DD-4998-876A-092BFD628C65}" type="datetimeFigureOut">
               <a:rPr lang="da-DK" smtClean="0"/>
-              <a:t>02-06-2021</a:t>
+              <a:t>03-06-2021</a:t>
             </a:fld>
             <a:endParaRPr lang="da-DK"/>
           </a:p>
@@ -409,7 +409,7 @@
           <a:p>
             <a:fld id="{1DA8E099-58AA-4136-B409-1CAD1943D842}" type="datetimeFigureOut">
               <a:rPr lang="da-DK" smtClean="0"/>
-              <a:t>02-06-2021</a:t>
+              <a:t>03-06-2021</a:t>
             </a:fld>
             <a:endParaRPr lang="da-DK"/>
           </a:p>
@@ -678,6 +678,142 @@
 </p:notesMaster>
 </file>
 
+<file path=ppt/notesSlides/notesSlide1.xml><?xml version="1.0" encoding="utf-8"?>
+<p:notes xmlns:a="http://schemas.openxmlformats.org/drawingml/2006/main" xmlns:r="http://schemas.openxmlformats.org/officeDocument/2006/relationships" xmlns:p="http://schemas.openxmlformats.org/presentationml/2006/main">
+  <p:cSld>
+    <p:spTree>
+      <p:nvGrpSpPr>
+        <p:cNvPr id="1" name=""/>
+        <p:cNvGrpSpPr/>
+        <p:nvPr/>
+      </p:nvGrpSpPr>
+      <p:grpSpPr>
+        <a:xfrm>
+          <a:off x="0" y="0"/>
+          <a:ext cx="0" cy="0"/>
+          <a:chOff x="0" y="0"/>
+          <a:chExt cx="0" cy="0"/>
+        </a:xfrm>
+      </p:grpSpPr>
+      <p:sp>
+        <p:nvSpPr>
+          <p:cNvPr id="2" name="Slide Image Placeholder 1"/>
+          <p:cNvSpPr>
+            <a:spLocks noGrp="1" noRot="1" noChangeAspect="1"/>
+          </p:cNvSpPr>
+          <p:nvPr>
+            <p:ph type="sldImg"/>
+          </p:nvPr>
+        </p:nvSpPr>
+        <p:spPr/>
+      </p:sp>
+      <p:sp>
+        <p:nvSpPr>
+          <p:cNvPr id="3" name="Notes Placeholder 2"/>
+          <p:cNvSpPr>
+            <a:spLocks noGrp="1"/>
+          </p:cNvSpPr>
+          <p:nvPr>
+            <p:ph type="body" idx="1"/>
+          </p:nvPr>
+        </p:nvSpPr>
+        <p:spPr/>
+        <p:txBody>
+          <a:bodyPr/>
+          <a:lstStyle/>
+          <a:p>
+            <a:r>
+              <a:rPr lang="en-US" dirty="0"/>
+              <a:t>Alexey </a:t>
+            </a:r>
+            <a:r>
+              <a:rPr lang="en-US" dirty="0" err="1"/>
+              <a:t>Grigoryevich</a:t>
+            </a:r>
+            <a:r>
+              <a:rPr lang="en-US" dirty="0"/>
+              <a:t> </a:t>
+            </a:r>
+            <a:r>
+              <a:rPr lang="en-US" dirty="0" err="1"/>
+              <a:t>Ivakhnenko</a:t>
+            </a:r>
+            <a:r>
+              <a:rPr lang="en-US" dirty="0"/>
+              <a:t> 1965</a:t>
+            </a:r>
+          </a:p>
+          <a:p>
+            <a:r>
+              <a:rPr lang="en-US" dirty="0"/>
+              <a:t>Yann </a:t>
+            </a:r>
+            <a:r>
+              <a:rPr lang="en-US" dirty="0" err="1"/>
+              <a:t>LeCun</a:t>
+            </a:r>
+            <a:r>
+              <a:rPr lang="en-US" dirty="0"/>
+              <a:t> 1989</a:t>
+            </a:r>
+          </a:p>
+        </p:txBody>
+      </p:sp>
+      <p:sp>
+        <p:nvSpPr>
+          <p:cNvPr id="4" name="Header Placeholder 3"/>
+          <p:cNvSpPr>
+            <a:spLocks noGrp="1"/>
+          </p:cNvSpPr>
+          <p:nvPr>
+            <p:ph type="hdr" sz="quarter"/>
+          </p:nvPr>
+        </p:nvSpPr>
+        <p:spPr/>
+        <p:txBody>
+          <a:bodyPr/>
+          <a:lstStyle/>
+          <a:p>
+            <a:endParaRPr lang="da-DK"/>
+          </a:p>
+        </p:txBody>
+      </p:sp>
+      <p:sp>
+        <p:nvSpPr>
+          <p:cNvPr id="5" name="Slide Number Placeholder 4"/>
+          <p:cNvSpPr>
+            <a:spLocks noGrp="1"/>
+          </p:cNvSpPr>
+          <p:nvPr>
+            <p:ph type="sldNum" sz="quarter" idx="5"/>
+          </p:nvPr>
+        </p:nvSpPr>
+        <p:spPr/>
+        <p:txBody>
+          <a:bodyPr/>
+          <a:lstStyle/>
+          <a:p>
+            <a:fld id="{5954DC30-9EA7-4B54-946B-93BCBEFC148F}" type="slidenum">
+              <a:rPr lang="da-DK" smtClean="0"/>
+              <a:t>9</a:t>
+            </a:fld>
+            <a:endParaRPr lang="da-DK"/>
+          </a:p>
+        </p:txBody>
+      </p:sp>
+    </p:spTree>
+    <p:extLst>
+      <p:ext uri="{BB962C8B-B14F-4D97-AF65-F5344CB8AC3E}">
+        <p14:creationId xmlns:p14="http://schemas.microsoft.com/office/powerpoint/2010/main" val="1241529932"/>
+      </p:ext>
+    </p:extLst>
+  </p:cSld>
+  <p:clrMapOvr>
+    <a:masterClrMapping/>
+  </p:clrMapOvr>
+</p:notes>
+</file>
+
 <file path=ppt/slideLayouts/slideLayout1.xml><?xml version="1.0" encoding="utf-8"?>
 <p:sldLayout xmlns:a="http://schemas.openxmlformats.org/drawingml/2006/main" xmlns:r="http://schemas.openxmlformats.org/officeDocument/2006/relationships" xmlns:p="http://schemas.openxmlformats.org/presentationml/2006/main" type="title" preserve="1">
   <p:cSld name="Title Slide">
@@ -827,7 +963,7 @@
           <a:p>
             <a:fld id="{C85334AD-9960-4065-BF34-86ED0345A76D}" type="datetime1">
               <a:rPr lang="en-US" smtClean="0"/>
-              <a:t>6/2/2021</a:t>
+              <a:t>6/3/2021</a:t>
             </a:fld>
             <a:endParaRPr lang="da-DK"/>
           </a:p>
@@ -1066,7 +1202,7 @@
           <a:p>
             <a:fld id="{C5669758-3775-48D7-A841-693E908C3BF4}" type="datetime1">
               <a:rPr lang="en-US" smtClean="0"/>
-              <a:t>6/2/2021</a:t>
+              <a:t>6/3/2021</a:t>
             </a:fld>
             <a:endParaRPr lang="da-DK"/>
           </a:p>
@@ -1279,7 +1415,7 @@
           <a:p>
             <a:fld id="{1E0C3FF1-EDBD-4F2A-8366-34A4E3728310}" type="datetime1">
               <a:rPr lang="en-US" smtClean="0"/>
-              <a:t>6/2/2021</a:t>
+              <a:t>6/3/2021</a:t>
             </a:fld>
             <a:endParaRPr lang="da-DK"/>
           </a:p>
@@ -1500,7 +1636,7 @@
           <a:p>
             <a:fld id="{019E29B9-5584-4737-9C98-1B926378C778}" type="datetime1">
               <a:rPr lang="en-US" smtClean="0"/>
-              <a:t>6/2/2021</a:t>
+              <a:t>6/3/2021</a:t>
             </a:fld>
             <a:endParaRPr lang="da-DK"/>
           </a:p>
@@ -1815,7 +1951,7 @@
           <a:p>
             <a:fld id="{FCE38F03-F67D-4508-A858-99FCD085087C}" type="datetime1">
               <a:rPr lang="en-US" smtClean="0"/>
-              <a:t>6/2/2021</a:t>
+              <a:t>6/3/2021</a:t>
             </a:fld>
             <a:endParaRPr lang="da-DK"/>
           </a:p>
@@ -2086,7 +2222,7 @@
           <a:p>
             <a:fld id="{B43F2930-3FFD-4F93-A4BD-4F0D1A0B4514}" type="datetime1">
               <a:rPr lang="en-US" smtClean="0"/>
-              <a:t>6/2/2021</a:t>
+              <a:t>6/3/2021</a:t>
             </a:fld>
             <a:endParaRPr lang="da-DK"/>
           </a:p>
@@ -2504,7 +2640,7 @@
           <a:p>
             <a:fld id="{8E0F9B9B-30CC-4693-8E0F-1A94A979E2C5}" type="datetime1">
               <a:rPr lang="en-US" smtClean="0"/>
-              <a:t>6/2/2021</a:t>
+              <a:t>6/3/2021</a:t>
             </a:fld>
             <a:endParaRPr lang="da-DK"/>
           </a:p>
@@ -2649,7 +2785,7 @@
           <a:p>
             <a:fld id="{6FE1433B-E6A7-44FF-8B55-539471B4D7C5}" type="datetime1">
               <a:rPr lang="en-US" smtClean="0"/>
-              <a:t>6/2/2021</a:t>
+              <a:t>6/3/2021</a:t>
             </a:fld>
             <a:endParaRPr lang="da-DK"/>
           </a:p>
@@ -2765,7 +2901,7 @@
           <a:p>
             <a:fld id="{624F4001-6A8C-42DA-824F-B5CC1375B861}" type="datetime1">
               <a:rPr lang="en-US" smtClean="0"/>
-              <a:t>6/2/2021</a:t>
+              <a:t>6/3/2021</a:t>
             </a:fld>
             <a:endParaRPr lang="da-DK"/>
           </a:p>
@@ -3081,7 +3217,7 @@
           <a:p>
             <a:fld id="{2D3BE137-2C5E-4078-8BA2-7D42D7E67218}" type="datetime1">
               <a:rPr lang="en-US" smtClean="0"/>
-              <a:t>6/2/2021</a:t>
+              <a:t>6/3/2021</a:t>
             </a:fld>
             <a:endParaRPr lang="da-DK"/>
           </a:p>
@@ -3373,7 +3509,7 @@
           <a:p>
             <a:fld id="{0D1436FF-56D3-4E93-92E8-71121EAB120E}" type="datetime1">
               <a:rPr lang="en-US" smtClean="0"/>
-              <a:t>6/2/2021</a:t>
+              <a:t>6/3/2021</a:t>
             </a:fld>
             <a:endParaRPr lang="da-DK"/>
           </a:p>
@@ -3619,7 +3755,7 @@
           <a:p>
             <a:fld id="{16601EF2-4BCA-4009-ACCF-B97F259DEF6F}" type="datetime1">
               <a:rPr lang="en-US" smtClean="0"/>
-              <a:t>6/2/2021</a:t>
+              <a:t>6/3/2021</a:t>
             </a:fld>
             <a:endParaRPr lang="da-DK"/>
           </a:p>
@@ -4104,28 +4240,27 @@
           <a:lstStyle/>
           <a:p>
             <a:r>
-              <a:rPr lang="da-DK"/>
-              <a:t>02457 Machine Learning Operations</a:t>
-            </a:r>
-          </a:p>
-          <a:p>
-            <a:r>
-              <a:rPr lang="da-DK"/>
+              <a:rPr lang="da-DK" dirty="0"/>
+              <a:t>Machine Learning Operations</a:t>
+            </a:r>
+          </a:p>
+          <a:p>
+            <a:r>
+              <a:rPr lang="da-DK" dirty="0"/>
               <a:t>Nicki Skafte Detlefsen,</a:t>
             </a:r>
           </a:p>
           <a:p>
             <a:r>
-              <a:rPr lang="da-DK"/>
+              <a:rPr lang="da-DK" dirty="0"/>
               <a:t>Postdoc</a:t>
             </a:r>
           </a:p>
           <a:p>
             <a:r>
-              <a:rPr lang="da-DK"/>
+              <a:rPr lang="da-DK" dirty="0"/>
               <a:t>DTU Compute</a:t>
             </a:r>
-            <a:endParaRPr lang="da-DK" dirty="0"/>
           </a:p>
         </p:txBody>
       </p:sp>
@@ -4253,7 +4388,7 @@
           <a:p>
             <a:fld id="{0DE03C17-2118-466B-9E30-BC2A82864501}" type="datetime1">
               <a:rPr lang="en-US" smtClean="0"/>
-              <a:t>6/2/2021</a:t>
+              <a:t>6/3/2021</a:t>
             </a:fld>
             <a:endParaRPr lang="da-DK"/>
           </a:p>
@@ -4433,7 +4568,7 @@
           <a:p>
             <a:fld id="{019E29B9-5584-4737-9C98-1B926378C778}" type="datetime1">
               <a:rPr lang="en-US" smtClean="0"/>
-              <a:t>6/2/2021</a:t>
+              <a:t>6/3/2021</a:t>
             </a:fld>
             <a:endParaRPr lang="da-DK"/>
           </a:p>
@@ -4885,7 +5020,7 @@
           <a:p>
             <a:fld id="{019E29B9-5584-4737-9C98-1B926378C778}" type="datetime1">
               <a:rPr lang="en-US" smtClean="0"/>
-              <a:t>6/2/2021</a:t>
+              <a:t>6/3/2021</a:t>
             </a:fld>
             <a:endParaRPr lang="da-DK"/>
           </a:p>
@@ -5660,7 +5795,7 @@
           <a:p>
             <a:fld id="{019E29B9-5584-4737-9C98-1B926378C778}" type="datetime1">
               <a:rPr lang="en-US" smtClean="0"/>
-              <a:t>6/2/2021</a:t>
+              <a:t>6/3/2021</a:t>
             </a:fld>
             <a:endParaRPr lang="da-DK"/>
           </a:p>
@@ -5907,7 +6042,7 @@
           <a:p>
             <a:fld id="{019E29B9-5584-4737-9C98-1B926378C778}" type="datetime1">
               <a:rPr lang="en-US" smtClean="0"/>
-              <a:t>6/2/2021</a:t>
+              <a:t>6/3/2021</a:t>
             </a:fld>
             <a:endParaRPr lang="da-DK"/>
           </a:p>
@@ -6331,7 +6466,7 @@
           <a:p>
             <a:fld id="{019E29B9-5584-4737-9C98-1B926378C778}" type="datetime1">
               <a:rPr lang="en-US" smtClean="0"/>
-              <a:t>6/2/2021</a:t>
+              <a:t>6/3/2021</a:t>
             </a:fld>
             <a:endParaRPr lang="da-DK"/>
           </a:p>
@@ -6511,7 +6646,7 @@
           <a:p>
             <a:fld id="{019E29B9-5584-4737-9C98-1B926378C778}" type="datetime1">
               <a:rPr lang="en-US" smtClean="0"/>
-              <a:t>6/2/2021</a:t>
+              <a:t>6/3/2021</a:t>
             </a:fld>
             <a:endParaRPr lang="da-DK"/>
           </a:p>
@@ -6909,7 +7044,7 @@
           <a:p>
             <a:fld id="{019E29B9-5584-4737-9C98-1B926378C778}" type="datetime1">
               <a:rPr lang="en-US" smtClean="0"/>
-              <a:t>6/2/2021</a:t>
+              <a:t>6/3/2021</a:t>
             </a:fld>
             <a:endParaRPr lang="da-DK"/>
           </a:p>
@@ -7134,7 +7269,7 @@
           <a:p>
             <a:fld id="{019E29B9-5584-4737-9C98-1B926378C778}" type="datetime1">
               <a:rPr lang="en-US" smtClean="0"/>
-              <a:t>6/2/2021</a:t>
+              <a:t>6/3/2021</a:t>
             </a:fld>
             <a:endParaRPr lang="da-DK"/>
           </a:p>
@@ -7392,7 +7527,7 @@
           <a:p>
             <a:fld id="{019E29B9-5584-4737-9C98-1B926378C778}" type="datetime1">
               <a:rPr lang="en-US" smtClean="0"/>
-              <a:t>6/2/2021</a:t>
+              <a:t>6/3/2021</a:t>
             </a:fld>
             <a:endParaRPr lang="da-DK"/>
           </a:p>
@@ -7617,7 +7752,7 @@
           <a:p>
             <a:fld id="{019E29B9-5584-4737-9C98-1B926378C778}" type="datetime1">
               <a:rPr lang="en-US" smtClean="0"/>
-              <a:t>6/2/2021</a:t>
+              <a:t>6/3/2021</a:t>
             </a:fld>
             <a:endParaRPr lang="da-DK"/>
           </a:p>
@@ -7791,7 +7926,7 @@
           <a:p>
             <a:fld id="{019E29B9-5584-4737-9C98-1B926378C778}" type="datetime1">
               <a:rPr lang="en-US" smtClean="0"/>
-              <a:t>6/2/2021</a:t>
+              <a:t>6/3/2021</a:t>
             </a:fld>
             <a:endParaRPr lang="da-DK"/>
           </a:p>
@@ -8112,7 +8247,7 @@
           <a:p>
             <a:fld id="{019E29B9-5584-4737-9C98-1B926378C778}" type="datetime1">
               <a:rPr lang="en-US" smtClean="0"/>
-              <a:t>6/2/2021</a:t>
+              <a:t>6/3/2021</a:t>
             </a:fld>
             <a:endParaRPr lang="da-DK"/>
           </a:p>
@@ -8637,7 +8772,7 @@
           <a:p>
             <a:fld id="{019E29B9-5584-4737-9C98-1B926378C778}" type="datetime1">
               <a:rPr lang="en-US" smtClean="0"/>
-              <a:t>6/2/2021</a:t>
+              <a:t>6/3/2021</a:t>
             </a:fld>
             <a:endParaRPr lang="da-DK"/>
           </a:p>
@@ -8858,7 +8993,7 @@
           <a:p>
             <a:fld id="{019E29B9-5584-4737-9C98-1B926378C778}" type="datetime1">
               <a:rPr lang="en-US" smtClean="0"/>
-              <a:t>6/2/2021</a:t>
+              <a:t>6/3/2021</a:t>
             </a:fld>
             <a:endParaRPr lang="da-DK"/>
           </a:p>
@@ -9027,7 +9162,7 @@
           <a:p>
             <a:fld id="{019E29B9-5584-4737-9C98-1B926378C778}" type="datetime1">
               <a:rPr lang="en-US" smtClean="0"/>
-              <a:t>6/2/2021</a:t>
+              <a:t>6/3/2021</a:t>
             </a:fld>
             <a:endParaRPr lang="da-DK"/>
           </a:p>
@@ -9105,7 +9240,7 @@
           <p:nvPr/>
         </p:nvPicPr>
         <p:blipFill>
-          <a:blip r:embed="rId2"/>
+          <a:blip r:embed="rId3"/>
           <a:stretch>
             <a:fillRect/>
           </a:stretch>
